--- a/12-Accessing databases.pptx
+++ b/12-Accessing databases.pptx
@@ -5,31 +5,30 @@
     <p:sldMasterId id="2147483648" r:id="rId4"/>
   </p:sldMasterIdLst>
   <p:notesMasterIdLst>
-    <p:notesMasterId r:id="rId19"/>
+    <p:notesMasterId r:id="rId18"/>
   </p:notesMasterIdLst>
   <p:handoutMasterIdLst>
-    <p:handoutMasterId r:id="rId20"/>
+    <p:handoutMasterId r:id="rId19"/>
   </p:handoutMasterIdLst>
   <p:sldIdLst>
-    <p:sldId id="462" r:id="rId5"/>
+    <p:sldId id="299" r:id="rId5"/>
     <p:sldId id="553" r:id="rId6"/>
-    <p:sldId id="554" r:id="rId7"/>
-    <p:sldId id="528" r:id="rId8"/>
-    <p:sldId id="529" r:id="rId9"/>
-    <p:sldId id="530" r:id="rId10"/>
-    <p:sldId id="531" r:id="rId11"/>
-    <p:sldId id="532" r:id="rId12"/>
-    <p:sldId id="533" r:id="rId13"/>
-    <p:sldId id="534" r:id="rId14"/>
-    <p:sldId id="535" r:id="rId15"/>
-    <p:sldId id="536" r:id="rId16"/>
-    <p:sldId id="537" r:id="rId17"/>
-    <p:sldId id="512" r:id="rId18"/>
+    <p:sldId id="528" r:id="rId7"/>
+    <p:sldId id="529" r:id="rId8"/>
+    <p:sldId id="530" r:id="rId9"/>
+    <p:sldId id="531" r:id="rId10"/>
+    <p:sldId id="532" r:id="rId11"/>
+    <p:sldId id="533" r:id="rId12"/>
+    <p:sldId id="534" r:id="rId13"/>
+    <p:sldId id="535" r:id="rId14"/>
+    <p:sldId id="536" r:id="rId15"/>
+    <p:sldId id="537" r:id="rId16"/>
+    <p:sldId id="512" r:id="rId17"/>
   </p:sldIdLst>
   <p:sldSz cx="12192000" cy="6858000"/>
   <p:notesSz cx="6645275" cy="9775825"/>
   <p:custDataLst>
-    <p:tags r:id="rId21"/>
+    <p:tags r:id="rId20"/>
   </p:custDataLst>
   <p:defaultTextStyle>
     <a:defPPr>
@@ -127,32 +126,6 @@
     </a:lvl9pPr>
   </p:defaultTextStyle>
   <p:extLst>
-    <p:ext uri="{521415D9-36F7-43E2-AB2F-B90AF26B5E84}">
-      <p14:sectionLst xmlns:p14="http://schemas.microsoft.com/office/powerpoint/2010/main">
-        <p14:section name="Title slide" id="{DE8BF54A-1323-4403-83F8-D7B5510C9D53}">
-          <p14:sldIdLst>
-            <p14:sldId id="462"/>
-          </p14:sldIdLst>
-        </p14:section>
-        <p14:section name="Title slide" id="{37B72C25-0166-462C-A543-F7179707BB82}">
-          <p14:sldIdLst>
-            <p14:sldId id="553"/>
-            <p14:sldId id="554"/>
-            <p14:sldId id="528"/>
-            <p14:sldId id="529"/>
-            <p14:sldId id="530"/>
-            <p14:sldId id="531"/>
-            <p14:sldId id="532"/>
-            <p14:sldId id="533"/>
-            <p14:sldId id="534"/>
-            <p14:sldId id="535"/>
-            <p14:sldId id="536"/>
-            <p14:sldId id="537"/>
-            <p14:sldId id="512"/>
-          </p14:sldIdLst>
-        </p14:section>
-      </p14:sectionLst>
-    </p:ext>
     <p:ext uri="{EFAFB233-063F-42B5-8137-9DF3F51BA10A}">
       <p15:sldGuideLst xmlns:p15="http://schemas.microsoft.com/office/powerpoint/2012/main">
         <p15:guide id="1" pos="3840" userDrawn="1">
@@ -3161,7 +3134,7 @@
           <a:p>
             <a:fld id="{86D088FE-3E68-47FE-8BA4-634CD34BABBC}" type="datetimeFigureOut">
               <a:rPr lang="en-GB" smtClean="0"/>
-              <a:t>10/10/2022</a:t>
+              <a:t>05/12/2025</a:t>
             </a:fld>
             <a:endParaRPr lang="en-GB"/>
           </a:p>
@@ -3331,7 +3304,7 @@
             <a:fld id="{1D6B66C6-1E92-0F4E-A300-9D4ED1F0C23F}" type="datetimeFigureOut">
               <a:rPr lang="en-GB" smtClean="0"/>
               <a:pPr/>
-              <a:t>10/10/2022</a:t>
+              <a:t>05/12/2025</a:t>
             </a:fld>
             <a:endParaRPr lang="en-GB"/>
           </a:p>
@@ -3648,63 +3621,7 @@
           <a:bodyPr/>
           <a:lstStyle/>
           <a:p>
-            <a:pPr lvl="0"/>
-            <a:r>
-              <a:rPr lang="en-GB" dirty="0"/>
-              <a:t>This module will enable the learner to write SQL to maintain database objects.</a:t>
-            </a:r>
-          </a:p>
-          <a:p>
-            <a:pPr lvl="0"/>
-            <a:r>
-              <a:rPr lang="en-GB" dirty="0"/>
-              <a:t>Specifically the learner will be able to:</a:t>
-            </a:r>
-          </a:p>
-          <a:p>
-            <a:pPr lvl="1"/>
-            <a:r>
-              <a:rPr lang="en-GB" dirty="0"/>
-              <a:t>Use CREATE, ALTER and DROP to maintain table including column, Primary and Foreign Key constraints.</a:t>
-            </a:r>
-          </a:p>
-          <a:p>
-            <a:pPr lvl="1"/>
-            <a:r>
-              <a:rPr lang="en-GB" dirty="0"/>
-              <a:t>Use CREATE and DROP to maintain single column, multiple columns and unique indexes.</a:t>
-            </a:r>
-          </a:p>
-          <a:p>
-            <a:pPr lvl="1"/>
-            <a:r>
-              <a:rPr lang="en-GB" dirty="0"/>
-              <a:t>Use CREATE, ALTER and DROP to  maintain views with and without the check option.</a:t>
-            </a:r>
-          </a:p>
-          <a:p>
-            <a:pPr lvl="1"/>
-            <a:r>
-              <a:rPr lang="en-GB" dirty="0"/>
-              <a:t>Use SELECT, INSERT, UPDATE and DELETE to maintain records using a view.</a:t>
-            </a:r>
-          </a:p>
-          <a:p>
-            <a:pPr lvl="1"/>
-            <a:r>
-              <a:rPr lang="en-GB" dirty="0"/>
-              <a:t>Use CREATE and DROP to maintain users and GRANT and REVOKE to maintain security options.</a:t>
-            </a:r>
-          </a:p>
-          <a:p>
-            <a:pPr lvl="0"/>
-            <a:r>
-              <a:rPr lang="en-GB" dirty="0"/>
-              <a:t>Code examples will be used to explain and demonstrate the content and for leaners to imitate. Supporting exercises will provide practice opportunities. At the end of the module there is a short quiz to review the topic.</a:t>
-            </a:r>
-          </a:p>
-          <a:p>
-            <a:endParaRPr lang="en-GB" dirty="0"/>
+            <a:endParaRPr lang="en-US"/>
           </a:p>
         </p:txBody>
       </p:sp>
@@ -3715,7 +3632,7 @@
             <a:spLocks noGrp="1"/>
           </p:cNvSpPr>
           <p:nvPr>
-            <p:ph type="sldNum" sz="quarter" idx="10"/>
+            <p:ph type="sldNum" sz="quarter" idx="5"/>
           </p:nvPr>
         </p:nvSpPr>
         <p:spPr/>
@@ -3723,9 +3640,8 @@
           <a:bodyPr/>
           <a:lstStyle/>
           <a:p>
-            <a:fld id="{548901C6-1DA1-FB44-ABEE-06A0FEB7738E}" type="slidenum">
+            <a:fld id="{35BE1F5F-BEC2-48D5-A890-C07C79853E26}" type="slidenum">
               <a:rPr lang="en-GB" smtClean="0"/>
-              <a:pPr/>
               <a:t>1</a:t>
             </a:fld>
             <a:endParaRPr lang="en-GB"/>
@@ -3735,7 +3651,7 @@
     </p:spTree>
     <p:extLst>
       <p:ext uri="{BB962C8B-B14F-4D97-AF65-F5344CB8AC3E}">
-        <p14:creationId xmlns:p14="http://schemas.microsoft.com/office/powerpoint/2010/main" val="2613327939"/>
+        <p14:creationId xmlns:p14="http://schemas.microsoft.com/office/powerpoint/2010/main" val="2546931957"/>
       </p:ext>
     </p:extLst>
   </p:cSld>
@@ -3793,19 +3709,19 @@
           <a:p>
             <a:r>
               <a:rPr lang="en-GB" dirty="0"/>
-              <a:t>Use a Command object to insert records into a table. </a:t>
+              <a:t>Use a Command object to delete row/s from a table. </a:t>
             </a:r>
           </a:p>
           <a:p>
             <a:r>
               <a:rPr lang="en-GB" dirty="0"/>
-              <a:t>The code example on this slide demonstrates an SQL insert statement but as we will see later in this chapter, a stored procedure can also be used to increase efficiency and security.</a:t>
+              <a:t>The code example on this slide demonstrates an SQL delete statement but you can equally use a stored procedure (seen later).</a:t>
             </a:r>
           </a:p>
           <a:p>
             <a:r>
               <a:rPr lang="en-GB" dirty="0"/>
-              <a:t>Because no rows are returned, again the command objects </a:t>
+              <a:t>Because no rows are returned, the command object’s </a:t>
             </a:r>
             <a:r>
               <a:rPr lang="en-GB" dirty="0" err="1"/>
@@ -3813,31 +3729,17 @@
             </a:r>
             <a:r>
               <a:rPr lang="en-GB" dirty="0"/>
-              <a:t>() method is used. This method returns a number indicating the number of rows inserted.</a:t>
+              <a:t>() method is used. This method returns a number indicating rows deleted.</a:t>
             </a:r>
           </a:p>
           <a:p>
             <a:r>
               <a:rPr lang="en-GB" dirty="0"/>
-              <a:t>Just as before the connection object is opened just before the execution of the command and closed immediately after.</a:t>
+              <a:t>Please note, the connection object is opened just before the execution of the command and closed just afterward. Open connection as late as possible  and close  them as soon as possible.</a:t>
             </a:r>
           </a:p>
           <a:p>
             <a:endParaRPr lang="en-GB" dirty="0"/>
-          </a:p>
-          <a:p>
-            <a:r>
-              <a:rPr lang="en-GB" dirty="0"/>
-              <a:t>Please note, as with all </a:t>
-            </a:r>
-            <a:r>
-              <a:rPr lang="en-GB" i="1" dirty="0"/>
-              <a:t>IO </a:t>
-            </a:r>
-            <a:r>
-              <a:rPr lang="en-GB" dirty="0"/>
-              <a:t>operations and specially the ones that writes to a data source, exceptions must be caught or handled.</a:t>
-            </a:r>
           </a:p>
           <a:p>
             <a:endParaRPr lang="en-GB" dirty="0"/>
@@ -3879,7 +3781,7 @@
     </p:spTree>
     <p:extLst>
       <p:ext uri="{BB962C8B-B14F-4D97-AF65-F5344CB8AC3E}">
-        <p14:creationId xmlns:p14="http://schemas.microsoft.com/office/powerpoint/2010/main" val="2057206959"/>
+        <p14:creationId xmlns:p14="http://schemas.microsoft.com/office/powerpoint/2010/main" val="1547985889"/>
       </p:ext>
     </p:extLst>
   </p:cSld>
@@ -3937,36 +3839,32 @@
           <a:p>
             <a:r>
               <a:rPr lang="en-GB" dirty="0"/>
-              <a:t>Use a Command object to delete row/s from a table. </a:t>
-            </a:r>
-          </a:p>
-          <a:p>
+              <a:t>Use a Command object to execute a </a:t>
+            </a:r>
+            <a:r>
+              <a:rPr lang="en-GB" dirty="0" err="1"/>
+              <a:t>Scaler</a:t>
+            </a:r>
             <a:r>
               <a:rPr lang="en-GB" dirty="0"/>
-              <a:t>The code example on this slide demonstrates an SQL delete statement but you can equally use a stored procedure (seen later).</a:t>
+              <a:t> function. </a:t>
             </a:r>
           </a:p>
           <a:p>
             <a:r>
               <a:rPr lang="en-GB" dirty="0"/>
-              <a:t>Because no rows are returned, the command object’s </a:t>
-            </a:r>
-            <a:r>
-              <a:rPr lang="en-GB" dirty="0" err="1"/>
-              <a:t>ExecuteNonQuery</a:t>
-            </a:r>
-            <a:r>
-              <a:rPr lang="en-GB" dirty="0"/>
-              <a:t>() method is used. This method returns a number indicating rows deleted.</a:t>
-            </a:r>
-          </a:p>
-          <a:p>
-            <a:r>
-              <a:rPr lang="en-GB" dirty="0"/>
-              <a:t>Please note, the connection object is opened just before the execution of the command and closed just afterward. Open connection as late as possible  and close  them as soon as possible.</a:t>
-            </a:r>
-          </a:p>
-          <a:p>
+              <a:t>The code example on this slide demonstrates an SQL Select statement that counts</a:t>
+            </a:r>
+            <a:r>
+              <a:rPr lang="en-GB" baseline="0" dirty="0"/>
+              <a:t> the number of customers in the Customers table.</a:t>
+            </a:r>
+          </a:p>
+          <a:p>
+            <a:r>
+              <a:rPr lang="en-GB" baseline="0" dirty="0"/>
+              <a:t>This method returns an Object type which must be cast to the type you would expect.</a:t>
+            </a:r>
             <a:endParaRPr lang="en-GB" dirty="0"/>
           </a:p>
           <a:p>
@@ -4009,7 +3907,7 @@
     </p:spTree>
     <p:extLst>
       <p:ext uri="{BB962C8B-B14F-4D97-AF65-F5344CB8AC3E}">
-        <p14:creationId xmlns:p14="http://schemas.microsoft.com/office/powerpoint/2010/main" val="1547985889"/>
+        <p14:creationId xmlns:p14="http://schemas.microsoft.com/office/powerpoint/2010/main" val="937023350"/>
       </p:ext>
     </p:extLst>
   </p:cSld>
@@ -4065,38 +3963,7 @@
           </a:bodyPr>
           <a:lstStyle/>
           <a:p>
-            <a:r>
-              <a:rPr lang="en-GB" dirty="0"/>
-              <a:t>Use a Command object to execute a </a:t>
-            </a:r>
-            <a:r>
-              <a:rPr lang="en-GB" dirty="0" err="1"/>
-              <a:t>Scaler</a:t>
-            </a:r>
-            <a:r>
-              <a:rPr lang="en-GB" dirty="0"/>
-              <a:t> function. </a:t>
-            </a:r>
-          </a:p>
-          <a:p>
-            <a:r>
-              <a:rPr lang="en-GB" dirty="0"/>
-              <a:t>The code example on this slide demonstrates an SQL Select statement that counts</a:t>
-            </a:r>
-            <a:r>
-              <a:rPr lang="en-GB" baseline="0" dirty="0"/>
-              <a:t> the number of customers in the Customers table.</a:t>
-            </a:r>
-          </a:p>
-          <a:p>
-            <a:r>
-              <a:rPr lang="en-GB" baseline="0" dirty="0"/>
-              <a:t>This method returns an Object type which must be cast to the type you would expect.</a:t>
-            </a:r>
-            <a:endParaRPr lang="en-GB" dirty="0"/>
-          </a:p>
-          <a:p>
-            <a:endParaRPr lang="en-GB" dirty="0"/>
+            <a:endParaRPr lang="en-GB"/>
           </a:p>
         </p:txBody>
       </p:sp>
@@ -4135,7 +4002,7 @@
     </p:spTree>
     <p:extLst>
       <p:ext uri="{BB962C8B-B14F-4D97-AF65-F5344CB8AC3E}">
-        <p14:creationId xmlns:p14="http://schemas.microsoft.com/office/powerpoint/2010/main" val="937023350"/>
+        <p14:creationId xmlns:p14="http://schemas.microsoft.com/office/powerpoint/2010/main" val="1240680048"/>
       </p:ext>
     </p:extLst>
   </p:cSld>
@@ -4186,101 +4053,6 @@
         </p:nvSpPr>
         <p:spPr/>
         <p:txBody>
-          <a:bodyPr>
-            <a:normAutofit/>
-          </a:bodyPr>
-          <a:lstStyle/>
-          <a:p>
-            <a:endParaRPr lang="en-GB"/>
-          </a:p>
-        </p:txBody>
-      </p:sp>
-      <p:sp>
-        <p:nvSpPr>
-          <p:cNvPr id="4" name="Slide Number Placeholder 3"/>
-          <p:cNvSpPr>
-            <a:spLocks noGrp="1"/>
-          </p:cNvSpPr>
-          <p:nvPr>
-            <p:ph type="sldNum" sz="quarter" idx="10"/>
-          </p:nvPr>
-        </p:nvSpPr>
-        <p:spPr>
-          <a:xfrm>
-            <a:off x="3769797" y="9240892"/>
-            <a:ext cx="2878584" cy="486446"/>
-          </a:xfrm>
-          <a:prstGeom prst="rect">
-            <a:avLst/>
-          </a:prstGeom>
-        </p:spPr>
-        <p:txBody>
-          <a:bodyPr/>
-          <a:lstStyle/>
-          <a:p>
-            <a:fld id="{DE6C85E1-D451-48DF-864D-F69891B91C11}" type="slidenum">
-              <a:rPr lang="en-US" smtClean="0"/>
-              <a:pPr/>
-              <a:t>13</a:t>
-            </a:fld>
-            <a:endParaRPr lang="en-US"/>
-          </a:p>
-        </p:txBody>
-      </p:sp>
-    </p:spTree>
-    <p:extLst>
-      <p:ext uri="{BB962C8B-B14F-4D97-AF65-F5344CB8AC3E}">
-        <p14:creationId xmlns:p14="http://schemas.microsoft.com/office/powerpoint/2010/main" val="1240680048"/>
-      </p:ext>
-    </p:extLst>
-  </p:cSld>
-  <p:clrMapOvr>
-    <a:masterClrMapping/>
-  </p:clrMapOvr>
-</p:notes>
-</file>
-
-<file path=ppt/notesSlides/notesSlide14.xml><?xml version="1.0" encoding="utf-8"?>
-<p:notes xmlns:a="http://schemas.openxmlformats.org/drawingml/2006/main" xmlns:r="http://schemas.openxmlformats.org/officeDocument/2006/relationships" xmlns:p="http://schemas.openxmlformats.org/presentationml/2006/main">
-  <p:cSld>
-    <p:spTree>
-      <p:nvGrpSpPr>
-        <p:cNvPr id="1" name=""/>
-        <p:cNvGrpSpPr/>
-        <p:nvPr/>
-      </p:nvGrpSpPr>
-      <p:grpSpPr>
-        <a:xfrm>
-          <a:off x="0" y="0"/>
-          <a:ext cx="0" cy="0"/>
-          <a:chOff x="0" y="0"/>
-          <a:chExt cx="0" cy="0"/>
-        </a:xfrm>
-      </p:grpSpPr>
-      <p:sp>
-        <p:nvSpPr>
-          <p:cNvPr id="2" name="Slide Image Placeholder 1"/>
-          <p:cNvSpPr>
-            <a:spLocks noGrp="1" noRot="1" noChangeAspect="1"/>
-          </p:cNvSpPr>
-          <p:nvPr>
-            <p:ph type="sldImg"/>
-          </p:nvPr>
-        </p:nvSpPr>
-        <p:spPr/>
-      </p:sp>
-      <p:sp>
-        <p:nvSpPr>
-          <p:cNvPr id="3" name="Notes Placeholder 2"/>
-          <p:cNvSpPr>
-            <a:spLocks noGrp="1"/>
-          </p:cNvSpPr>
-          <p:nvPr>
-            <p:ph type="body" idx="1"/>
-          </p:nvPr>
-        </p:nvSpPr>
-        <p:spPr/>
-        <p:txBody>
           <a:bodyPr/>
           <a:lstStyle/>
           <a:p>
@@ -4330,7 +4102,7 @@
             <a:fld id="{548901C6-1DA1-FB44-ABEE-06A0FEB7738E}" type="slidenum">
               <a:rPr lang="en-GB" smtClean="0"/>
               <a:pPr/>
-              <a:t>14</a:t>
+              <a:t>13</a:t>
             </a:fld>
             <a:endParaRPr lang="en-GB"/>
           </a:p>
@@ -4452,33 +4224,19 @@
       </p:grpSpPr>
       <p:sp>
         <p:nvSpPr>
-          <p:cNvPr id="13314" name="Slide Image Placeholder 1"/>
+          <p:cNvPr id="2" name="Slide Image Placeholder 1"/>
           <p:cNvSpPr>
-            <a:spLocks noGrp="1" noRot="1" noChangeAspect="1" noTextEdit="1"/>
+            <a:spLocks noGrp="1" noRot="1" noChangeAspect="1"/>
           </p:cNvSpPr>
           <p:nvPr>
             <p:ph type="sldImg"/>
           </p:nvPr>
         </p:nvSpPr>
-        <p:spPr bwMode="auto">
-          <a:xfrm>
-            <a:off x="-193675" y="422275"/>
-            <a:ext cx="7094538" cy="3990975"/>
-          </a:xfrm>
-          <a:noFill/>
-          <a:ln>
-            <a:solidFill>
-              <a:srgbClr val="000000"/>
-            </a:solidFill>
-            <a:miter lim="800000"/>
-            <a:headEnd/>
-            <a:tailEnd/>
-          </a:ln>
-        </p:spPr>
+        <p:spPr/>
       </p:sp>
       <p:sp>
         <p:nvSpPr>
-          <p:cNvPr id="13315" name="Notes Placeholder 2"/>
+          <p:cNvPr id="3" name="Notes Placeholder 2"/>
           <p:cNvSpPr>
             <a:spLocks noGrp="1"/>
           </p:cNvSpPr>
@@ -4486,28 +4244,53 @@
             <p:ph type="body" idx="1"/>
           </p:nvPr>
         </p:nvSpPr>
-        <p:spPr bwMode="auto">
-          <a:noFill/>
+        <p:spPr/>
+        <p:txBody>
+          <a:bodyPr>
+            <a:normAutofit/>
+          </a:bodyPr>
+          <a:lstStyle/>
+          <a:p>
+            <a:endParaRPr lang="en-GB"/>
+          </a:p>
+        </p:txBody>
+      </p:sp>
+      <p:sp>
+        <p:nvSpPr>
+          <p:cNvPr id="4" name="Slide Number Placeholder 3"/>
+          <p:cNvSpPr>
+            <a:spLocks noGrp="1"/>
+          </p:cNvSpPr>
+          <p:nvPr>
+            <p:ph type="sldNum" sz="quarter" idx="10"/>
+          </p:nvPr>
+        </p:nvSpPr>
+        <p:spPr>
+          <a:xfrm>
+            <a:off x="3769797" y="9240892"/>
+            <a:ext cx="2878584" cy="486446"/>
+          </a:xfrm>
+          <a:prstGeom prst="rect">
+            <a:avLst/>
+          </a:prstGeom>
         </p:spPr>
         <p:txBody>
-          <a:bodyPr wrap="square" numCol="1" anchor="t" anchorCtr="0" compatLnSpc="1">
-            <a:prstTxWarp prst="textNoShape">
-              <a:avLst/>
-            </a:prstTxWarp>
-          </a:bodyPr>
+          <a:bodyPr/>
           <a:lstStyle/>
           <a:p>
-            <a:endParaRPr lang="en-US">
-              <a:latin typeface="Arial" charset="0"/>
-              <a:cs typeface="Arial" charset="0"/>
-            </a:endParaRPr>
+            <a:fld id="{DE6C85E1-D451-48DF-864D-F69891B91C11}" type="slidenum">
+              <a:rPr lang="en-US" smtClean="0"/>
+              <a:pPr/>
+              <a:t>3</a:t>
+            </a:fld>
+            <a:endParaRPr lang="en-US"/>
           </a:p>
         </p:txBody>
       </p:sp>
     </p:spTree>
     <p:extLst>
       <p:ext uri="{BB962C8B-B14F-4D97-AF65-F5344CB8AC3E}">
-        <p14:creationId xmlns:p14="http://schemas.microsoft.com/office/powerpoint/2010/main" val="3887936273"/>
+        <p14:creationId xmlns:p14="http://schemas.microsoft.com/office/powerpoint/2010/main" val="1691429416"/>
       </p:ext>
     </p:extLst>
   </p:cSld>
@@ -4559,11 +4342,68 @@
         <p:spPr/>
         <p:txBody>
           <a:bodyPr>
-            <a:normAutofit/>
+            <a:normAutofit fontScale="92500" lnSpcReduction="10000"/>
           </a:bodyPr>
           <a:lstStyle/>
           <a:p>
-            <a:endParaRPr lang="en-GB"/>
+            <a:r>
+              <a:rPr lang="en-GB" dirty="0"/>
+              <a:t>In the previous chapter we briefly covered</a:t>
+            </a:r>
+            <a:r>
+              <a:rPr lang="en-GB" baseline="0" dirty="0"/>
+              <a:t> the two methods of data access. The first object you will come across in the Connected or Disconnected database methods is the Connection object. We also discussed there are different types of Connection classes depending on the database used. For example, for MS-Sql database you will need a </a:t>
+            </a:r>
+            <a:r>
+              <a:rPr lang="en-GB" baseline="0" dirty="0" err="1"/>
+              <a:t>SqlConnection</a:t>
+            </a:r>
+            <a:r>
+              <a:rPr lang="en-GB" baseline="0" dirty="0"/>
+              <a:t> object, for Oracle </a:t>
+            </a:r>
+            <a:r>
+              <a:rPr lang="en-GB" dirty="0"/>
+              <a:t>a</a:t>
+            </a:r>
+            <a:r>
+              <a:rPr lang="en-GB" baseline="0" dirty="0"/>
+              <a:t>n </a:t>
+            </a:r>
+            <a:r>
+              <a:rPr lang="en-GB" baseline="0" dirty="0" err="1"/>
+              <a:t>OracleConnection</a:t>
+            </a:r>
+            <a:r>
+              <a:rPr lang="en-GB" baseline="0" dirty="0"/>
+              <a:t> object is instantiated and for MS-Access you will create an </a:t>
+            </a:r>
+            <a:r>
+              <a:rPr lang="en-GB" baseline="0" dirty="0" err="1"/>
+              <a:t>OleDbConnection</a:t>
+            </a:r>
+            <a:r>
+              <a:rPr lang="en-GB" baseline="0" dirty="0"/>
+              <a:t> object. The connection objects opens a connection to your data source and maintains the connection for execution of commands (seen later). It is your duty as a developer to open the connection only when needed and close it as soon as it no longer is required. Connections that are closed are commonly hibernated in a Connection Pool, ready for re-use. </a:t>
+            </a:r>
+          </a:p>
+          <a:p>
+            <a:r>
+              <a:rPr lang="en-GB" baseline="0" dirty="0"/>
+              <a:t>Use the connection object’s Open() method to open the connection and the Close() method to close it.</a:t>
+            </a:r>
+          </a:p>
+          <a:p>
+            <a:r>
+              <a:rPr lang="en-GB" baseline="0" dirty="0"/>
+              <a:t>To open a connection, certain amount of textual information has to be supplied to the Open() method. The information will include the database server, the provider you intend to use, the security model you wish to employ, the user name and password if Windows authentication is not used, pooling options etc.</a:t>
+            </a:r>
+          </a:p>
+          <a:p>
+            <a:r>
+              <a:rPr lang="en-GB" baseline="0" dirty="0"/>
+              <a:t>Visual studio will greatly assist you in constructing the required connection string but if you have a peculiar database type, please search the www.ConnectionStrings.com site for more information or contact the database vendor.</a:t>
+            </a:r>
           </a:p>
         </p:txBody>
       </p:sp>
@@ -4602,7 +4442,7 @@
     </p:spTree>
     <p:extLst>
       <p:ext uri="{BB962C8B-B14F-4D97-AF65-F5344CB8AC3E}">
-        <p14:creationId xmlns:p14="http://schemas.microsoft.com/office/powerpoint/2010/main" val="1691429416"/>
+        <p14:creationId xmlns:p14="http://schemas.microsoft.com/office/powerpoint/2010/main" val="4181345290"/>
       </p:ext>
     </p:extLst>
   </p:cSld>
@@ -4654,68 +4494,147 @@
         <p:spPr/>
         <p:txBody>
           <a:bodyPr>
-            <a:normAutofit fontScale="92500" lnSpcReduction="10000"/>
+            <a:normAutofit/>
           </a:bodyPr>
           <a:lstStyle/>
           <a:p>
             <a:r>
               <a:rPr lang="en-GB" dirty="0"/>
-              <a:t>In the previous chapter we briefly covered</a:t>
-            </a:r>
-            <a:r>
-              <a:rPr lang="en-GB" baseline="0" dirty="0"/>
-              <a:t> the two methods of data access. The first object you will come across in the Connected or Disconnected database methods is the Connection object. We also discussed there are different types of Connection classes depending on the database used. For example, for MS-Sql database you will need a </a:t>
-            </a:r>
-            <a:r>
-              <a:rPr lang="en-GB" baseline="0" dirty="0" err="1"/>
+              <a:t>The slides shows how to hard code the connection string. </a:t>
+            </a:r>
+          </a:p>
+          <a:p>
+            <a:r>
+              <a:rPr lang="en-GB" b="1" dirty="0">
+                <a:latin typeface="Courier New" pitchFamily="49" charset="0"/>
+                <a:cs typeface="Courier New" pitchFamily="49" charset="0"/>
+              </a:rPr>
+              <a:t>using  </a:t>
+            </a:r>
+            <a:r>
+              <a:rPr lang="en-GB" b="1" dirty="0" err="1">
+                <a:latin typeface="Courier New" pitchFamily="49" charset="0"/>
+                <a:cs typeface="Courier New" pitchFamily="49" charset="0"/>
+              </a:rPr>
+              <a:t>System.Data.SqlClient</a:t>
+            </a:r>
+            <a:r>
+              <a:rPr lang="en-GB" b="1" dirty="0">
+                <a:latin typeface="Courier New" pitchFamily="49" charset="0"/>
+                <a:cs typeface="Courier New" pitchFamily="49" charset="0"/>
+              </a:rPr>
+              <a:t>;</a:t>
+            </a:r>
+          </a:p>
+          <a:p>
+            <a:r>
+              <a:rPr lang="en-GB" b="1" dirty="0" err="1">
+                <a:latin typeface="Courier New" pitchFamily="49" charset="0"/>
+                <a:cs typeface="Courier New" pitchFamily="49" charset="0"/>
+              </a:rPr>
               <a:t>SqlConnection</a:t>
             </a:r>
             <a:r>
-              <a:rPr lang="en-GB" baseline="0" dirty="0"/>
-              <a:t> object, for Oracle </a:t>
-            </a:r>
-            <a:r>
-              <a:rPr lang="en-GB" dirty="0"/>
-              <a:t>a</a:t>
-            </a:r>
-            <a:r>
-              <a:rPr lang="en-GB" baseline="0" dirty="0"/>
-              <a:t>n </a:t>
-            </a:r>
-            <a:r>
-              <a:rPr lang="en-GB" baseline="0" dirty="0" err="1"/>
-              <a:t>OracleConnection</a:t>
-            </a:r>
-            <a:r>
-              <a:rPr lang="en-GB" baseline="0" dirty="0"/>
-              <a:t> object is instantiated and for MS-Access you will create an </a:t>
-            </a:r>
-            <a:r>
-              <a:rPr lang="en-GB" baseline="0" dirty="0" err="1"/>
-              <a:t>OleDbConnection</a:t>
-            </a:r>
-            <a:r>
-              <a:rPr lang="en-GB" baseline="0" dirty="0"/>
-              <a:t> object. The connection objects opens a connection to your data source and maintains the connection for execution of commands (seen later). It is your duty as a developer to open the connection only when needed and close it as soon as it no longer is required. Connections that are closed are commonly hibernated in a Connection Pool, ready for re-use. </a:t>
-            </a:r>
-          </a:p>
-          <a:p>
-            <a:r>
-              <a:rPr lang="en-GB" baseline="0" dirty="0"/>
-              <a:t>Use the connection object’s Open() method to open the connection and the Close() method to close it.</a:t>
-            </a:r>
-          </a:p>
-          <a:p>
-            <a:r>
-              <a:rPr lang="en-GB" baseline="0" dirty="0"/>
-              <a:t>To open a connection, certain amount of textual information has to be supplied to the Open() method. The information will include the database server, the provider you intend to use, the security model you wish to employ, the user name and password if Windows authentication is not used, pooling options etc.</a:t>
-            </a:r>
-          </a:p>
-          <a:p>
-            <a:r>
-              <a:rPr lang="en-GB" baseline="0" dirty="0"/>
-              <a:t>Visual studio will greatly assist you in constructing the required connection string but if you have a peculiar database type, please search the www.ConnectionStrings.com site for more information or contact the database vendor.</a:t>
-            </a:r>
+              <a:rPr lang="en-GB" b="1" dirty="0">
+                <a:latin typeface="Courier New" pitchFamily="49" charset="0"/>
+                <a:cs typeface="Courier New" pitchFamily="49" charset="0"/>
+              </a:rPr>
+              <a:t> </a:t>
+            </a:r>
+            <a:r>
+              <a:rPr lang="en-GB" b="1" dirty="0" err="1">
+                <a:latin typeface="Courier New" pitchFamily="49" charset="0"/>
+                <a:cs typeface="Courier New" pitchFamily="49" charset="0"/>
+              </a:rPr>
+              <a:t>Cn</a:t>
+            </a:r>
+            <a:r>
+              <a:rPr lang="en-GB" b="1" dirty="0">
+                <a:latin typeface="Courier New" pitchFamily="49" charset="0"/>
+                <a:cs typeface="Courier New" pitchFamily="49" charset="0"/>
+              </a:rPr>
+              <a:t> = new </a:t>
+            </a:r>
+            <a:r>
+              <a:rPr lang="en-GB" b="1" dirty="0" err="1">
+                <a:latin typeface="Courier New" pitchFamily="49" charset="0"/>
+                <a:cs typeface="Courier New" pitchFamily="49" charset="0"/>
+              </a:rPr>
+              <a:t>SqlConnection</a:t>
+            </a:r>
+            <a:r>
+              <a:rPr lang="en-GB" sz="1000" b="1" dirty="0">
+                <a:latin typeface="Courier New" pitchFamily="49" charset="0"/>
+                <a:cs typeface="Courier New" pitchFamily="49" charset="0"/>
+              </a:rPr>
+              <a:t>(</a:t>
+            </a:r>
+            <a:r>
+              <a:rPr lang="en-GB" sz="1000" b="1" dirty="0">
+                <a:solidFill>
+                  <a:srgbClr val="A31515"/>
+                </a:solidFill>
+                <a:latin typeface="Courier New" pitchFamily="49" charset="0"/>
+                <a:cs typeface="Courier New" pitchFamily="49" charset="0"/>
+              </a:rPr>
+              <a:t>@"Data Source=.;Initial </a:t>
+            </a:r>
+            <a:r>
+              <a:rPr lang="en-GB" sz="1000" b="1" dirty="0" err="1">
+                <a:solidFill>
+                  <a:srgbClr val="A31515"/>
+                </a:solidFill>
+                <a:latin typeface="Courier New" pitchFamily="49" charset="0"/>
+                <a:cs typeface="Courier New" pitchFamily="49" charset="0"/>
+              </a:rPr>
+              <a:t>Catalog</a:t>
+            </a:r>
+            <a:r>
+              <a:rPr lang="en-GB" sz="1000" b="1" dirty="0">
+                <a:solidFill>
+                  <a:srgbClr val="A31515"/>
+                </a:solidFill>
+                <a:latin typeface="Courier New" pitchFamily="49" charset="0"/>
+                <a:cs typeface="Courier New" pitchFamily="49" charset="0"/>
+              </a:rPr>
+              <a:t>=Northwind2000;Integr..."</a:t>
+            </a:r>
+            <a:r>
+              <a:rPr lang="en-GB" sz="1000" b="1" dirty="0">
+                <a:latin typeface="Courier New" pitchFamily="49" charset="0"/>
+                <a:cs typeface="Courier New" pitchFamily="49" charset="0"/>
+              </a:rPr>
+              <a:t>);</a:t>
+            </a:r>
+            <a:br>
+              <a:rPr lang="en-GB" sz="1000" b="1" dirty="0">
+                <a:latin typeface="Courier New" pitchFamily="49" charset="0"/>
+                <a:cs typeface="Courier New" pitchFamily="49" charset="0"/>
+              </a:rPr>
+            </a:br>
+            <a:endParaRPr lang="en-GB" b="0" dirty="0">
+              <a:latin typeface="Courier New" pitchFamily="49" charset="0"/>
+              <a:cs typeface="Courier New" pitchFamily="49" charset="0"/>
+            </a:endParaRPr>
+          </a:p>
+          <a:p>
+            <a:r>
+              <a:rPr lang="en-GB" b="0" dirty="0"/>
+              <a:t>The above code will work for now but the chances are the </a:t>
+            </a:r>
+            <a:r>
+              <a:rPr lang="en-GB" b="0" dirty="0" err="1"/>
+              <a:t>DataSource</a:t>
+            </a:r>
+            <a:r>
+              <a:rPr lang="en-GB" b="0" dirty="0"/>
+              <a:t> and other items in the connection string will change when you install</a:t>
+            </a:r>
+            <a:r>
+              <a:rPr lang="en-GB" b="0" baseline="0" dirty="0"/>
+              <a:t> the code in a staging server and eventually on the client site. At each deployment stage you will have to search and replace every connection string. If you do, you will have to compile and test your code again! </a:t>
+            </a:r>
+            <a:endParaRPr lang="en-GB" dirty="0"/>
           </a:p>
         </p:txBody>
       </p:sp>
@@ -4747,14 +4666,14 @@
               <a:pPr/>
               <a:t>5</a:t>
             </a:fld>
-            <a:endParaRPr lang="en-US"/>
+            <a:endParaRPr lang="en-US" dirty="0"/>
           </a:p>
         </p:txBody>
       </p:sp>
     </p:spTree>
     <p:extLst>
       <p:ext uri="{BB962C8B-B14F-4D97-AF65-F5344CB8AC3E}">
-        <p14:creationId xmlns:p14="http://schemas.microsoft.com/office/powerpoint/2010/main" val="4181345290"/>
+        <p14:creationId xmlns:p14="http://schemas.microsoft.com/office/powerpoint/2010/main" val="2736849710"/>
       </p:ext>
     </p:extLst>
   </p:cSld>
@@ -4806,145 +4725,252 @@
         <p:spPr/>
         <p:txBody>
           <a:bodyPr>
-            <a:normAutofit/>
+            <a:normAutofit fontScale="92500" lnSpcReduction="20000"/>
           </a:bodyPr>
           <a:lstStyle/>
           <a:p>
             <a:r>
               <a:rPr lang="en-GB" dirty="0"/>
-              <a:t>The slides shows how to hard code the connection string. </a:t>
-            </a:r>
-          </a:p>
-          <a:p>
-            <a:r>
-              <a:rPr lang="en-GB" b="1" dirty="0">
-                <a:latin typeface="Courier New" pitchFamily="49" charset="0"/>
-                <a:cs typeface="Courier New" pitchFamily="49" charset="0"/>
-              </a:rPr>
-              <a:t>using  </a:t>
-            </a:r>
+              <a:t>After creating a connection,</a:t>
+            </a:r>
+            <a:r>
+              <a:rPr lang="en-GB" baseline="0" dirty="0"/>
+              <a:t> the next step is to execute a command to fetch data, </a:t>
+            </a:r>
+            <a:r>
+              <a:rPr lang="en-GB" dirty="0"/>
+              <a:t>u</a:t>
+            </a:r>
+            <a:r>
+              <a:rPr lang="en-GB" baseline="0" dirty="0"/>
+              <a:t>pdate, </a:t>
+            </a:r>
+            <a:r>
+              <a:rPr lang="en-GB" dirty="0"/>
+              <a:t>delete, insert, </a:t>
+            </a:r>
+            <a:r>
+              <a:rPr lang="en-GB" baseline="0" dirty="0"/>
+              <a:t>run stored procedures or even execute DML queries. You will use the framework’s Command object for these tasks. As we discussed before every database type has its own specialised Command class. For example MS-SQL’s command class is called </a:t>
+            </a:r>
+            <a:r>
+              <a:rPr lang="en-GB" baseline="0" dirty="0" err="1"/>
+              <a:t>SqlCommand</a:t>
+            </a:r>
+            <a:r>
+              <a:rPr lang="en-GB" baseline="0" dirty="0"/>
+              <a:t>.</a:t>
+            </a:r>
+          </a:p>
+          <a:p>
+            <a:r>
+              <a:rPr lang="en-GB" baseline="0" dirty="0"/>
+              <a:t>Depending on the nature of the work assigned to a Command object, you will need different specialised execute methods.</a:t>
+            </a:r>
+            <a:br>
+              <a:rPr lang="en-GB" baseline="0" dirty="0"/>
+            </a:br>
+            <a:endParaRPr lang="en-GB" baseline="0" dirty="0"/>
+          </a:p>
+          <a:p>
+            <a:pPr marL="280692" lvl="1" indent="-336831">
+              <a:spcAft>
+                <a:spcPts val="1179"/>
+              </a:spcAft>
+              <a:buFont typeface="Wingdings 3" pitchFamily="18" charset="2"/>
+              <a:buChar char="}"/>
+            </a:pPr>
             <a:r>
               <a:rPr lang="en-GB" b="1" dirty="0" err="1">
-                <a:latin typeface="Courier New" pitchFamily="49" charset="0"/>
-                <a:cs typeface="Courier New" pitchFamily="49" charset="0"/>
-              </a:rPr>
-              <a:t>System.Data.SqlClient</a:t>
-            </a:r>
-            <a:r>
-              <a:rPr lang="en-GB" b="1" dirty="0">
-                <a:latin typeface="Courier New" pitchFamily="49" charset="0"/>
-                <a:cs typeface="Courier New" pitchFamily="49" charset="0"/>
-              </a:rPr>
-              <a:t>;</a:t>
-            </a:r>
-          </a:p>
-          <a:p>
-            <a:r>
-              <a:rPr lang="en-GB" b="1" dirty="0" err="1">
-                <a:latin typeface="Courier New" pitchFamily="49" charset="0"/>
-                <a:cs typeface="Courier New" pitchFamily="49" charset="0"/>
-              </a:rPr>
-              <a:t>SqlConnection</a:t>
-            </a:r>
-            <a:r>
-              <a:rPr lang="en-GB" b="1" dirty="0">
-                <a:latin typeface="Courier New" pitchFamily="49" charset="0"/>
-                <a:cs typeface="Courier New" pitchFamily="49" charset="0"/>
-              </a:rPr>
-              <a:t> </a:t>
-            </a:r>
-            <a:r>
-              <a:rPr lang="en-GB" b="1" dirty="0" err="1">
-                <a:latin typeface="Courier New" pitchFamily="49" charset="0"/>
-                <a:cs typeface="Courier New" pitchFamily="49" charset="0"/>
-              </a:rPr>
-              <a:t>Cn</a:t>
-            </a:r>
-            <a:r>
-              <a:rPr lang="en-GB" b="1" dirty="0">
-                <a:latin typeface="Courier New" pitchFamily="49" charset="0"/>
-                <a:cs typeface="Courier New" pitchFamily="49" charset="0"/>
-              </a:rPr>
-              <a:t> = new </a:t>
-            </a:r>
-            <a:r>
-              <a:rPr lang="en-GB" b="1" dirty="0" err="1">
-                <a:latin typeface="Courier New" pitchFamily="49" charset="0"/>
-                <a:cs typeface="Courier New" pitchFamily="49" charset="0"/>
-              </a:rPr>
-              <a:t>SqlConnection</a:t>
-            </a:r>
-            <a:r>
-              <a:rPr lang="en-GB" sz="1000" b="1" dirty="0">
-                <a:latin typeface="Courier New" pitchFamily="49" charset="0"/>
-                <a:cs typeface="Courier New" pitchFamily="49" charset="0"/>
-              </a:rPr>
-              <a:t>(</a:t>
-            </a:r>
-            <a:r>
-              <a:rPr lang="en-GB" sz="1000" b="1" dirty="0">
                 <a:solidFill>
-                  <a:srgbClr val="A31515"/>
+                  <a:srgbClr val="333399"/>
                 </a:solidFill>
                 <a:latin typeface="Courier New" pitchFamily="49" charset="0"/>
                 <a:cs typeface="Courier New" pitchFamily="49" charset="0"/>
               </a:rPr>
-              <a:t>@"Data Source=.;Initial </a:t>
-            </a:r>
-            <a:r>
-              <a:rPr lang="en-GB" sz="1000" b="1" dirty="0" err="1">
+              <a:t>ExecuteReader</a:t>
+            </a:r>
+            <a:r>
+              <a:rPr lang="en-GB" b="1" dirty="0">
                 <a:solidFill>
-                  <a:srgbClr val="A31515"/>
+                  <a:srgbClr val="333399"/>
                 </a:solidFill>
                 <a:latin typeface="Courier New" pitchFamily="49" charset="0"/>
                 <a:cs typeface="Courier New" pitchFamily="49" charset="0"/>
               </a:rPr>
-              <a:t>Catalog</a:t>
-            </a:r>
-            <a:r>
-              <a:rPr lang="en-GB" sz="1000" b="1" dirty="0">
+              <a:t>( )</a:t>
+            </a:r>
+            <a:r>
+              <a:rPr lang="en-GB" dirty="0"/>
+              <a:t>	To  read the result of a query. This method </a:t>
+            </a:r>
+            <a:r>
+              <a:rPr lang="en-GB" baseline="0" dirty="0"/>
+              <a:t>returns a DataReader that references the</a:t>
+            </a:r>
+            <a:r>
+              <a:rPr lang="en-GB" dirty="0"/>
+              <a:t> </a:t>
+            </a:r>
+            <a:r>
+              <a:rPr lang="en-GB" baseline="0" dirty="0" err="1"/>
+              <a:t>resultset</a:t>
+            </a:r>
+            <a:r>
+              <a:rPr lang="en-GB" baseline="0" dirty="0"/>
+              <a:t>.</a:t>
+            </a:r>
+            <a:endParaRPr lang="en-GB" dirty="0"/>
+          </a:p>
+          <a:p>
+            <a:pPr marL="280692" lvl="1" indent="-336831">
+              <a:spcAft>
+                <a:spcPts val="1179"/>
+              </a:spcAft>
+              <a:buFont typeface="Wingdings 3" pitchFamily="18" charset="2"/>
+              <a:buChar char="}"/>
+            </a:pPr>
+            <a:r>
+              <a:rPr lang="en-GB" b="1" dirty="0" err="1">
                 <a:solidFill>
-                  <a:srgbClr val="A31515"/>
+                  <a:srgbClr val="333399"/>
                 </a:solidFill>
                 <a:latin typeface="Courier New" pitchFamily="49" charset="0"/>
                 <a:cs typeface="Courier New" pitchFamily="49" charset="0"/>
               </a:rPr>
-              <a:t>=Northwind2000;Integr..."</a:t>
-            </a:r>
-            <a:r>
-              <a:rPr lang="en-GB" sz="1000" b="1" dirty="0">
+              <a:t>ExecuteScalar</a:t>
+            </a:r>
+            <a:r>
+              <a:rPr lang="en-GB" b="1" dirty="0">
+                <a:solidFill>
+                  <a:srgbClr val="333399"/>
+                </a:solidFill>
                 <a:latin typeface="Courier New" pitchFamily="49" charset="0"/>
                 <a:cs typeface="Courier New" pitchFamily="49" charset="0"/>
               </a:rPr>
-              <a:t>);</a:t>
+              <a:t>( )</a:t>
+            </a:r>
+            <a:r>
+              <a:rPr lang="en-GB" dirty="0"/>
+              <a:t>	To read a single scalar value back. This method</a:t>
+            </a:r>
+            <a:r>
+              <a:rPr lang="en-GB" baseline="0" dirty="0"/>
+              <a:t> returns an object that you will have to cast to an appropriate type. For example:</a:t>
+            </a:r>
+            <a:r>
+              <a:rPr lang="en-GB" dirty="0"/>
+              <a:t>   </a:t>
+            </a:r>
+            <a:r>
+              <a:rPr lang="en-GB" baseline="0" dirty="0"/>
+              <a:t>SELECT count(*) from customers;  </a:t>
             </a:r>
             <a:br>
-              <a:rPr lang="en-GB" sz="1000" b="1" dirty="0">
+              <a:rPr lang="en-GB" baseline="0" dirty="0"/>
+            </a:br>
+            <a:r>
+              <a:rPr lang="en-GB" baseline="0" dirty="0"/>
+              <a:t>returns an integer.</a:t>
+            </a:r>
+            <a:endParaRPr lang="en-GB" dirty="0"/>
+          </a:p>
+          <a:p>
+            <a:pPr marL="280692" lvl="1" indent="-336831">
+              <a:spcAft>
+                <a:spcPts val="1179"/>
+              </a:spcAft>
+              <a:buFont typeface="Wingdings 3" pitchFamily="18" charset="2"/>
+              <a:buChar char="}"/>
+            </a:pPr>
+            <a:r>
+              <a:rPr lang="en-GB" b="1" dirty="0" err="1">
+                <a:solidFill>
+                  <a:srgbClr val="333399"/>
+                </a:solidFill>
                 <a:latin typeface="Courier New" pitchFamily="49" charset="0"/>
                 <a:cs typeface="Courier New" pitchFamily="49" charset="0"/>
               </a:rPr>
+              <a:t>ExecuteNonQuery</a:t>
+            </a:r>
+            <a:r>
+              <a:rPr lang="en-GB" b="1" dirty="0">
+                <a:solidFill>
+                  <a:srgbClr val="333399"/>
+                </a:solidFill>
+                <a:latin typeface="Courier New" pitchFamily="49" charset="0"/>
+                <a:cs typeface="Courier New" pitchFamily="49" charset="0"/>
+              </a:rPr>
+              <a:t>( )  </a:t>
+            </a:r>
+            <a:r>
+              <a:rPr lang="en-GB" dirty="0"/>
+              <a:t>To update a database</a:t>
+            </a:r>
+            <a:br>
+              <a:rPr lang="en-GB" dirty="0"/>
             </a:br>
-            <a:endParaRPr lang="en-GB" b="0" dirty="0">
-              <a:latin typeface="Courier New" pitchFamily="49" charset="0"/>
-              <a:cs typeface="Courier New" pitchFamily="49" charset="0"/>
-            </a:endParaRPr>
-          </a:p>
-          <a:p>
-            <a:r>
-              <a:rPr lang="en-GB" b="0" dirty="0"/>
-              <a:t>The above code will work for now but the chances are the </a:t>
-            </a:r>
-            <a:r>
-              <a:rPr lang="en-GB" b="0" dirty="0" err="1"/>
-              <a:t>DataSource</a:t>
-            </a:r>
-            <a:r>
-              <a:rPr lang="en-GB" b="0" dirty="0"/>
-              <a:t> and other items in the connection string will change when you install</a:t>
-            </a:r>
-            <a:r>
-              <a:rPr lang="en-GB" b="0" baseline="0" dirty="0"/>
-              <a:t> the code in a staging server and eventually on the client site. At each deployment stage you will have to search and replace every connection string. If you do, you will have to compile and test your code again! </a:t>
+            <a:r>
+              <a:rPr lang="en-GB" dirty="0"/>
+              <a:t>Use this method when your</a:t>
+            </a:r>
+            <a:r>
+              <a:rPr lang="en-GB" baseline="0" dirty="0"/>
+              <a:t> query updates a database. By update we</a:t>
+            </a:r>
+            <a:r>
+              <a:rPr lang="en-GB" dirty="0"/>
+              <a:t> </a:t>
+            </a:r>
+            <a:r>
+              <a:rPr lang="en-GB" baseline="0" dirty="0"/>
+              <a:t>mean, insert, delete or update records. This method returns an integer that indicates the number of rows affected. So, if a zero is returned, the chances are your query did not do anything!</a:t>
+            </a:r>
+            <a:endParaRPr lang="en-GB" dirty="0"/>
+          </a:p>
+          <a:p>
+            <a:pPr marL="280692" lvl="1" indent="-336831">
+              <a:spcAft>
+                <a:spcPts val="1179"/>
+              </a:spcAft>
+              <a:buFont typeface="Wingdings 3" pitchFamily="18" charset="2"/>
+              <a:buChar char="}"/>
+            </a:pPr>
+            <a:r>
+              <a:rPr lang="en-GB" b="1" dirty="0" err="1">
+                <a:solidFill>
+                  <a:srgbClr val="333399"/>
+                </a:solidFill>
+                <a:latin typeface="Courier New" pitchFamily="49" charset="0"/>
+                <a:cs typeface="Courier New" pitchFamily="49" charset="0"/>
+              </a:rPr>
+              <a:t>ExecuteXmlReader</a:t>
+            </a:r>
+            <a:r>
+              <a:rPr lang="en-GB" b="1" dirty="0">
+                <a:solidFill>
+                  <a:srgbClr val="333399"/>
+                </a:solidFill>
+                <a:latin typeface="Courier New" pitchFamily="49" charset="0"/>
+                <a:cs typeface="Courier New" pitchFamily="49" charset="0"/>
+              </a:rPr>
+              <a:t>( )  </a:t>
+            </a:r>
+            <a:r>
+              <a:rPr lang="en-GB" dirty="0"/>
+              <a:t>To read result of a query which returns XML (see T-</a:t>
+            </a:r>
+            <a:r>
+              <a:rPr lang="en-GB" dirty="0" err="1"/>
+              <a:t>Sql’s</a:t>
+            </a:r>
+            <a:r>
+              <a:rPr lang="en-GB" dirty="0"/>
+              <a:t> select statements with “for xml” clause). This method returns</a:t>
+            </a:r>
+            <a:r>
+              <a:rPr lang="en-GB" baseline="0" dirty="0"/>
+              <a:t> a DataReader that references the returned data row/s. </a:t>
             </a:r>
             <a:endParaRPr lang="en-GB" dirty="0"/>
           </a:p>
@@ -4978,14 +5004,14 @@
               <a:pPr/>
               <a:t>6</a:t>
             </a:fld>
-            <a:endParaRPr lang="en-US" dirty="0"/>
+            <a:endParaRPr lang="en-US"/>
           </a:p>
         </p:txBody>
       </p:sp>
     </p:spTree>
     <p:extLst>
       <p:ext uri="{BB962C8B-B14F-4D97-AF65-F5344CB8AC3E}">
-        <p14:creationId xmlns:p14="http://schemas.microsoft.com/office/powerpoint/2010/main" val="2736849710"/>
+        <p14:creationId xmlns:p14="http://schemas.microsoft.com/office/powerpoint/2010/main" val="2907062028"/>
       </p:ext>
     </p:extLst>
   </p:cSld>
@@ -5037,37 +5063,82 @@
         <p:spPr/>
         <p:txBody>
           <a:bodyPr>
-            <a:normAutofit fontScale="92500" lnSpcReduction="20000"/>
+            <a:normAutofit fontScale="92500"/>
           </a:bodyPr>
           <a:lstStyle/>
           <a:p>
             <a:r>
               <a:rPr lang="en-GB" dirty="0"/>
-              <a:t>After creating a connection,</a:t>
+              <a:t>To</a:t>
             </a:r>
             <a:r>
               <a:rPr lang="en-GB" baseline="0" dirty="0"/>
-              <a:t> the next step is to execute a command to fetch data, </a:t>
-            </a:r>
-            <a:r>
-              <a:rPr lang="en-GB" dirty="0"/>
-              <a:t>u</a:t>
+              <a:t> read data from a textual query or a stored procedure that returns data, execute the </a:t>
+            </a:r>
+            <a:r>
+              <a:rPr lang="en-GB" baseline="0" dirty="0" err="1"/>
+              <a:t>ExecuteRedaer</a:t>
             </a:r>
             <a:r>
               <a:rPr lang="en-GB" baseline="0" dirty="0"/>
-              <a:t>pdate, </a:t>
-            </a:r>
-            <a:r>
-              <a:rPr lang="en-GB" dirty="0"/>
-              <a:t>delete, insert, </a:t>
-            </a:r>
+              <a:t>() method of a Command object. This method return a data reader that can reference the result of any query or stored procedure that returns row/s of data.</a:t>
+            </a:r>
+          </a:p>
+          <a:p>
             <a:r>
               <a:rPr lang="en-GB" baseline="0" dirty="0"/>
-              <a:t>run stored procedures or even execute DML queries. You will use the framework’s Command object for these tasks. As we discussed before every database type has its own specialised Command class. For example MS-SQL’s command class is called </a:t>
+              <a:t>It is important to realise when the command is executed, no data is actually returned until the Read() method of the data reader is invoked. The Read() method returns false if no more rows are left to read.</a:t>
+            </a:r>
+          </a:p>
+          <a:p>
+            <a:endParaRPr lang="en-GB" b="1" baseline="0" dirty="0"/>
+          </a:p>
+          <a:p>
+            <a:r>
+              <a:rPr lang="en-GB" b="1" baseline="0" dirty="0"/>
+              <a:t>How to read the columns?</a:t>
+            </a:r>
+          </a:p>
+          <a:p>
+            <a:r>
+              <a:rPr lang="en-GB" baseline="0" dirty="0"/>
+              <a:t>To access a column, examine </a:t>
             </a:r>
             <a:r>
               <a:rPr lang="en-GB" baseline="0" dirty="0" err="1"/>
-              <a:t>SqlCommand</a:t>
+              <a:t>DataReader</a:t>
+            </a:r>
+            <a:r>
+              <a:rPr lang="en-GB" baseline="0" dirty="0"/>
+              <a:t> objects using either numeric indexes or column names. Obviously using numbers yields a better performance than using string key names but, using key names is safer. If you execute a query such as “SELECET </a:t>
+            </a:r>
+            <a:r>
+              <a:rPr lang="en-GB" baseline="0" dirty="0" err="1"/>
+              <a:t>fname</a:t>
+            </a:r>
+            <a:r>
+              <a:rPr lang="en-GB" baseline="0" dirty="0"/>
+              <a:t>, </a:t>
+            </a:r>
+            <a:r>
+              <a:rPr lang="en-GB" baseline="0" dirty="0" err="1"/>
+              <a:t>lname</a:t>
+            </a:r>
+            <a:r>
+              <a:rPr lang="en-GB" baseline="0" dirty="0"/>
+              <a:t> FROM customers” there is no point using column names because index 0 refers to the </a:t>
+            </a:r>
+            <a:r>
+              <a:rPr lang="en-GB" baseline="0" dirty="0" err="1"/>
+              <a:t>fname</a:t>
+            </a:r>
+            <a:r>
+              <a:rPr lang="en-GB" baseline="0" dirty="0"/>
+              <a:t> column and index of 1 refers to </a:t>
+            </a:r>
+            <a:r>
+              <a:rPr lang="en-GB" baseline="0" dirty="0" err="1"/>
+              <a:t>lname</a:t>
             </a:r>
             <a:r>
               <a:rPr lang="en-GB" baseline="0" dirty="0"/>
@@ -5075,215 +5146,21 @@
             </a:r>
           </a:p>
           <a:p>
-            <a:r>
-              <a:rPr lang="en-GB" baseline="0" dirty="0"/>
-              <a:t>Depending on the nature of the work assigned to a Command object, you will need different specialised execute methods.</a:t>
-            </a:r>
-            <a:br>
-              <a:rPr lang="en-GB" baseline="0" dirty="0"/>
-            </a:br>
-            <a:endParaRPr lang="en-GB" baseline="0" dirty="0"/>
-          </a:p>
-          <a:p>
-            <a:pPr marL="280692" lvl="1" indent="-336831">
-              <a:spcAft>
-                <a:spcPts val="1179"/>
-              </a:spcAft>
-              <a:buFont typeface="Wingdings 3" pitchFamily="18" charset="2"/>
-              <a:buChar char="}"/>
-            </a:pPr>
-            <a:r>
-              <a:rPr lang="en-GB" b="1" dirty="0" err="1">
-                <a:solidFill>
-                  <a:srgbClr val="333399"/>
-                </a:solidFill>
-                <a:latin typeface="Courier New" pitchFamily="49" charset="0"/>
-                <a:cs typeface="Courier New" pitchFamily="49" charset="0"/>
-              </a:rPr>
-              <a:t>ExecuteReader</a:t>
-            </a:r>
-            <a:r>
-              <a:rPr lang="en-GB" b="1" dirty="0">
-                <a:solidFill>
-                  <a:srgbClr val="333399"/>
-                </a:solidFill>
-                <a:latin typeface="Courier New" pitchFamily="49" charset="0"/>
-                <a:cs typeface="Courier New" pitchFamily="49" charset="0"/>
-              </a:rPr>
-              <a:t>( )</a:t>
-            </a:r>
+            <a:endParaRPr lang="en-GB" dirty="0"/>
+          </a:p>
+          <a:p>
+            <a:r>
+              <a:rPr lang="en-GB" b="1" dirty="0"/>
+              <a:t>A note on Connection object</a:t>
+            </a:r>
+          </a:p>
+          <a:p>
             <a:r>
               <a:rPr lang="en-GB" dirty="0"/>
-              <a:t>	To  read the result of a query. This method </a:t>
-            </a:r>
-            <a:r>
-              <a:rPr lang="en-GB" baseline="0" dirty="0"/>
-              <a:t>returns a DataReader that references the</a:t>
-            </a:r>
-            <a:r>
-              <a:rPr lang="en-GB" dirty="0"/>
-              <a:t> </a:t>
-            </a:r>
-            <a:r>
-              <a:rPr lang="en-GB" baseline="0" dirty="0" err="1"/>
-              <a:t>resultset</a:t>
-            </a:r>
-            <a:r>
-              <a:rPr lang="en-GB" baseline="0" dirty="0"/>
-              <a:t>.</a:t>
-            </a:r>
-            <a:endParaRPr lang="en-GB" dirty="0"/>
-          </a:p>
-          <a:p>
-            <a:pPr marL="280692" lvl="1" indent="-336831">
-              <a:spcAft>
-                <a:spcPts val="1179"/>
-              </a:spcAft>
-              <a:buFont typeface="Wingdings 3" pitchFamily="18" charset="2"/>
-              <a:buChar char="}"/>
-            </a:pPr>
-            <a:r>
-              <a:rPr lang="en-GB" b="1" dirty="0" err="1">
-                <a:solidFill>
-                  <a:srgbClr val="333399"/>
-                </a:solidFill>
-                <a:latin typeface="Courier New" pitchFamily="49" charset="0"/>
-                <a:cs typeface="Courier New" pitchFamily="49" charset="0"/>
-              </a:rPr>
-              <a:t>ExecuteScalar</a:t>
-            </a:r>
-            <a:r>
-              <a:rPr lang="en-GB" b="1" dirty="0">
-                <a:solidFill>
-                  <a:srgbClr val="333399"/>
-                </a:solidFill>
-                <a:latin typeface="Courier New" pitchFamily="49" charset="0"/>
-                <a:cs typeface="Courier New" pitchFamily="49" charset="0"/>
-              </a:rPr>
-              <a:t>( )</a:t>
-            </a:r>
-            <a:r>
-              <a:rPr lang="en-GB" dirty="0"/>
-              <a:t>	To read a single scalar value back. This method</a:t>
-            </a:r>
-            <a:r>
-              <a:rPr lang="en-GB" baseline="0" dirty="0"/>
-              <a:t> returns an object that you will have to cast to an appropriate type. For example:</a:t>
-            </a:r>
-            <a:r>
-              <a:rPr lang="en-GB" dirty="0"/>
-              <a:t>   </a:t>
-            </a:r>
-            <a:r>
-              <a:rPr lang="en-GB" baseline="0" dirty="0"/>
-              <a:t>SELECT count(*) from customers;  </a:t>
-            </a:r>
-            <a:br>
-              <a:rPr lang="en-GB" baseline="0" dirty="0"/>
-            </a:br>
-            <a:r>
-              <a:rPr lang="en-GB" baseline="0" dirty="0"/>
-              <a:t>returns an integer.</a:t>
-            </a:r>
-            <a:endParaRPr lang="en-GB" dirty="0"/>
-          </a:p>
-          <a:p>
-            <a:pPr marL="280692" lvl="1" indent="-336831">
-              <a:spcAft>
-                <a:spcPts val="1179"/>
-              </a:spcAft>
-              <a:buFont typeface="Wingdings 3" pitchFamily="18" charset="2"/>
-              <a:buChar char="}"/>
-            </a:pPr>
-            <a:r>
-              <a:rPr lang="en-GB" b="1" dirty="0" err="1">
-                <a:solidFill>
-                  <a:srgbClr val="333399"/>
-                </a:solidFill>
-                <a:latin typeface="Courier New" pitchFamily="49" charset="0"/>
-                <a:cs typeface="Courier New" pitchFamily="49" charset="0"/>
-              </a:rPr>
-              <a:t>ExecuteNonQuery</a:t>
-            </a:r>
-            <a:r>
-              <a:rPr lang="en-GB" b="1" dirty="0">
-                <a:solidFill>
-                  <a:srgbClr val="333399"/>
-                </a:solidFill>
-                <a:latin typeface="Courier New" pitchFamily="49" charset="0"/>
-                <a:cs typeface="Courier New" pitchFamily="49" charset="0"/>
-              </a:rPr>
-              <a:t>( )  </a:t>
-            </a:r>
-            <a:r>
-              <a:rPr lang="en-GB" dirty="0"/>
-              <a:t>To update a database</a:t>
-            </a:r>
-            <a:br>
-              <a:rPr lang="en-GB" dirty="0"/>
-            </a:br>
-            <a:r>
-              <a:rPr lang="en-GB" dirty="0"/>
-              <a:t>Use this method when your</a:t>
-            </a:r>
-            <a:r>
-              <a:rPr lang="en-GB" baseline="0" dirty="0"/>
-              <a:t> query updates a database. By update we</a:t>
-            </a:r>
-            <a:r>
-              <a:rPr lang="en-GB" dirty="0"/>
-              <a:t> </a:t>
-            </a:r>
-            <a:r>
-              <a:rPr lang="en-GB" baseline="0" dirty="0"/>
-              <a:t>mean, insert, delete or update records. This method returns an integer that indicates the number of rows affected. So, if a zero is returned, the chances are your query did not do anything!</a:t>
-            </a:r>
-            <a:endParaRPr lang="en-GB" dirty="0"/>
-          </a:p>
-          <a:p>
-            <a:pPr marL="280692" lvl="1" indent="-336831">
-              <a:spcAft>
-                <a:spcPts val="1179"/>
-              </a:spcAft>
-              <a:buFont typeface="Wingdings 3" pitchFamily="18" charset="2"/>
-              <a:buChar char="}"/>
-            </a:pPr>
-            <a:r>
-              <a:rPr lang="en-GB" b="1" dirty="0" err="1">
-                <a:solidFill>
-                  <a:srgbClr val="333399"/>
-                </a:solidFill>
-                <a:latin typeface="Courier New" pitchFamily="49" charset="0"/>
-                <a:cs typeface="Courier New" pitchFamily="49" charset="0"/>
-              </a:rPr>
-              <a:t>ExecuteXmlReader</a:t>
-            </a:r>
-            <a:r>
-              <a:rPr lang="en-GB" b="1" dirty="0">
-                <a:solidFill>
-                  <a:srgbClr val="333399"/>
-                </a:solidFill>
-                <a:latin typeface="Courier New" pitchFamily="49" charset="0"/>
-                <a:cs typeface="Courier New" pitchFamily="49" charset="0"/>
-              </a:rPr>
-              <a:t>( )  </a:t>
-            </a:r>
-            <a:r>
-              <a:rPr lang="en-GB" dirty="0"/>
-              <a:t>To read result of a query which returns XML (see T-</a:t>
-            </a:r>
-            <a:r>
-              <a:rPr lang="en-GB" dirty="0" err="1"/>
-              <a:t>Sql’s</a:t>
-            </a:r>
-            <a:r>
-              <a:rPr lang="en-GB" dirty="0"/>
-              <a:t> select statements with “for xml” clause). This method returns</a:t>
-            </a:r>
-            <a:r>
-              <a:rPr lang="en-GB" baseline="0" dirty="0"/>
-              <a:t> a DataReader that references the returned data row/s. </a:t>
-            </a:r>
+              <a:t>Reference to the slide code, please note the connection object is opened just before executing the command and immediately  closed after all the rows are read. In other words, it is opened as late as possible and closed as soon as it is no longer needed.</a:t>
+            </a:r>
+          </a:p>
+          <a:p>
             <a:endParaRPr lang="en-GB" dirty="0"/>
           </a:p>
         </p:txBody>
@@ -5323,7 +5200,7 @@
     </p:spTree>
     <p:extLst>
       <p:ext uri="{BB962C8B-B14F-4D97-AF65-F5344CB8AC3E}">
-        <p14:creationId xmlns:p14="http://schemas.microsoft.com/office/powerpoint/2010/main" val="2907062028"/>
+        <p14:creationId xmlns:p14="http://schemas.microsoft.com/office/powerpoint/2010/main" val="2453986246"/>
       </p:ext>
     </p:extLst>
   </p:cSld>
@@ -5375,86 +5252,39 @@
         <p:spPr/>
         <p:txBody>
           <a:bodyPr>
-            <a:normAutofit fontScale="92500"/>
+            <a:normAutofit fontScale="92500" lnSpcReduction="20000"/>
           </a:bodyPr>
           <a:lstStyle/>
           <a:p>
             <a:r>
               <a:rPr lang="en-GB" dirty="0"/>
-              <a:t>To</a:t>
-            </a:r>
-            <a:r>
-              <a:rPr lang="en-GB" baseline="0" dirty="0"/>
-              <a:t> read data from a textual query or a stored procedure that returns data, execute the </a:t>
-            </a:r>
-            <a:r>
-              <a:rPr lang="en-GB" baseline="0" dirty="0" err="1"/>
-              <a:t>ExecuteRedaer</a:t>
-            </a:r>
-            <a:r>
-              <a:rPr lang="en-GB" baseline="0" dirty="0"/>
-              <a:t>() method of a Command object. This method return a data reader that can reference the result of any query or stored procedure that returns row/s of data.</a:t>
-            </a:r>
-          </a:p>
-          <a:p>
-            <a:r>
-              <a:rPr lang="en-GB" baseline="0" dirty="0"/>
-              <a:t>It is important to realise when the command is executed, no data is actually returned until the Read() method of the data reader is invoked. The Read() method returns false if no more rows are left to read.</a:t>
-            </a:r>
-          </a:p>
-          <a:p>
-            <a:endParaRPr lang="en-GB" b="1" baseline="0" dirty="0"/>
-          </a:p>
-          <a:p>
-            <a:r>
-              <a:rPr lang="en-GB" b="1" baseline="0" dirty="0"/>
-              <a:t>How to read the columns?</a:t>
-            </a:r>
-          </a:p>
-          <a:p>
-            <a:r>
-              <a:rPr lang="en-GB" baseline="0" dirty="0"/>
-              <a:t>To access a column, examine </a:t>
-            </a:r>
-            <a:r>
-              <a:rPr lang="en-GB" baseline="0" dirty="0" err="1"/>
-              <a:t>DataReader</a:t>
-            </a:r>
-            <a:r>
-              <a:rPr lang="en-GB" baseline="0" dirty="0"/>
-              <a:t> objects using either numeric indexes or column names. Obviously using numbers yields a better performance than using string key names but, using key names is safer. If you execute a query such as “SELECET </a:t>
-            </a:r>
-            <a:r>
-              <a:rPr lang="en-GB" baseline="0" dirty="0" err="1"/>
-              <a:t>fname</a:t>
-            </a:r>
-            <a:r>
-              <a:rPr lang="en-GB" baseline="0" dirty="0"/>
-              <a:t>, </a:t>
-            </a:r>
-            <a:r>
-              <a:rPr lang="en-GB" baseline="0" dirty="0" err="1"/>
-              <a:t>lname</a:t>
-            </a:r>
-            <a:r>
-              <a:rPr lang="en-GB" baseline="0" dirty="0"/>
-              <a:t> FROM customers” there is no point using column names because index 0 refers to the </a:t>
-            </a:r>
-            <a:r>
-              <a:rPr lang="en-GB" baseline="0" dirty="0" err="1"/>
-              <a:t>fname</a:t>
-            </a:r>
-            <a:r>
-              <a:rPr lang="en-GB" baseline="0" dirty="0"/>
-              <a:t> column and index of 1 refers to </a:t>
-            </a:r>
-            <a:r>
-              <a:rPr lang="en-GB" baseline="0" dirty="0" err="1"/>
-              <a:t>lname</a:t>
-            </a:r>
-            <a:r>
-              <a:rPr lang="en-GB" baseline="0" dirty="0"/>
-              <a:t>.</a:t>
+              <a:t>Use a Command object to update records in a table. </a:t>
+            </a:r>
+          </a:p>
+          <a:p>
+            <a:r>
+              <a:rPr lang="en-GB" dirty="0"/>
+              <a:t>The code example on this slide demonstrates an SQL update statement but as we will see later in this chapter, a stored procedure can also be used.</a:t>
+            </a:r>
+          </a:p>
+          <a:p>
+            <a:r>
+              <a:rPr lang="en-GB" dirty="0"/>
+              <a:t>Because no rows are returned, the command objects </a:t>
+            </a:r>
+            <a:r>
+              <a:rPr lang="en-GB" dirty="0" err="1"/>
+              <a:t>ExecuteNonQuery</a:t>
+            </a:r>
+            <a:r>
+              <a:rPr lang="en-GB" dirty="0"/>
+              <a:t>() method is used. This method returns a number indicating the number of rows affected.</a:t>
+            </a:r>
+          </a:p>
+          <a:p>
+            <a:r>
+              <a:rPr lang="en-GB" dirty="0"/>
+              <a:t>Just as we seen before, the connection object is opened just before the execution of the command and closed just afterward.</a:t>
             </a:r>
           </a:p>
           <a:p>
@@ -5462,18 +5292,142 @@
           </a:p>
           <a:p>
             <a:r>
-              <a:rPr lang="en-GB" b="1" dirty="0"/>
-              <a:t>A note on Connection object</a:t>
-            </a:r>
-          </a:p>
-          <a:p>
-            <a:r>
               <a:rPr lang="en-GB" dirty="0"/>
-              <a:t>Reference to the slide code, please note the connection object is opened just before executing the command and immediately  closed after all the rows are read. In other words, it is opened as late as possible and closed as soon as it is no longer needed.</a:t>
-            </a:r>
-          </a:p>
-          <a:p>
-            <a:endParaRPr lang="en-GB" dirty="0"/>
+              <a:t>Please note, as with all IO operations and specially the ones that writes to a data source, exceptions must be caught or handled. Due to the limitation of slide it is not possible to demonstrate the exception handling code such as:</a:t>
+            </a:r>
+          </a:p>
+          <a:p>
+            <a:br>
+              <a:rPr lang="en-GB" dirty="0"/>
+            </a:br>
+            <a:r>
+              <a:rPr lang="en-GB" b="1" dirty="0" err="1">
+                <a:latin typeface="Courier New" pitchFamily="49" charset="0"/>
+              </a:rPr>
+              <a:t>SqlConnection</a:t>
+            </a:r>
+            <a:r>
+              <a:rPr lang="en-GB" b="1" dirty="0">
+                <a:latin typeface="Courier New" pitchFamily="49" charset="0"/>
+              </a:rPr>
+              <a:t> con = null;</a:t>
+            </a:r>
+          </a:p>
+          <a:p>
+            <a:r>
+              <a:rPr lang="en-GB" b="1" dirty="0">
+                <a:latin typeface="Courier New" pitchFamily="49" charset="0"/>
+              </a:rPr>
+              <a:t>try {</a:t>
+            </a:r>
+          </a:p>
+          <a:p>
+            <a:r>
+              <a:rPr lang="en-GB" b="1" dirty="0">
+                <a:latin typeface="Courier New" pitchFamily="49" charset="0"/>
+              </a:rPr>
+              <a:t>    con = new </a:t>
+            </a:r>
+            <a:r>
+              <a:rPr lang="en-GB" b="1" dirty="0" err="1">
+                <a:latin typeface="Courier New" pitchFamily="49" charset="0"/>
+              </a:rPr>
+              <a:t>SqlConnection</a:t>
+            </a:r>
+            <a:r>
+              <a:rPr lang="en-GB" b="1" dirty="0">
+                <a:latin typeface="Courier New" pitchFamily="49" charset="0"/>
+              </a:rPr>
+              <a:t>("</a:t>
+            </a:r>
+            <a:r>
+              <a:rPr lang="en-GB" b="1" dirty="0" err="1">
+                <a:latin typeface="Courier New" pitchFamily="49" charset="0"/>
+              </a:rPr>
+              <a:t>xxxxx</a:t>
+            </a:r>
+            <a:r>
+              <a:rPr lang="en-GB" b="1" dirty="0">
+                <a:latin typeface="Courier New" pitchFamily="49" charset="0"/>
+              </a:rPr>
+              <a:t>");</a:t>
+            </a:r>
+          </a:p>
+          <a:p>
+            <a:r>
+              <a:rPr lang="en-GB" b="1" dirty="0">
+                <a:latin typeface="Courier New" pitchFamily="49" charset="0"/>
+              </a:rPr>
+              <a:t>    // create and execute commands</a:t>
+            </a:r>
+          </a:p>
+          <a:p>
+            <a:r>
+              <a:rPr lang="en-GB" b="1" dirty="0">
+                <a:latin typeface="Courier New" pitchFamily="49" charset="0"/>
+              </a:rPr>
+              <a:t>}</a:t>
+            </a:r>
+          </a:p>
+          <a:p>
+            <a:r>
+              <a:rPr lang="en-GB" b="1" dirty="0">
+                <a:latin typeface="Courier New" pitchFamily="49" charset="0"/>
+              </a:rPr>
+              <a:t>catch (Exception ex) {</a:t>
+            </a:r>
+          </a:p>
+          <a:p>
+            <a:r>
+              <a:rPr lang="en-GB" b="1" dirty="0">
+                <a:latin typeface="Courier New" pitchFamily="49" charset="0"/>
+              </a:rPr>
+              <a:t>    // Handel the exception</a:t>
+            </a:r>
+          </a:p>
+          <a:p>
+            <a:r>
+              <a:rPr lang="en-GB" b="1" dirty="0">
+                <a:latin typeface="Courier New" pitchFamily="49" charset="0"/>
+              </a:rPr>
+              <a:t>}</a:t>
+            </a:r>
+          </a:p>
+          <a:p>
+            <a:r>
+              <a:rPr lang="en-GB" b="1" dirty="0">
+                <a:latin typeface="Courier New" pitchFamily="49" charset="0"/>
+              </a:rPr>
+              <a:t>finally {</a:t>
+            </a:r>
+          </a:p>
+          <a:p>
+            <a:r>
+              <a:rPr lang="en-GB" b="1" dirty="0">
+                <a:latin typeface="Courier New" pitchFamily="49" charset="0"/>
+              </a:rPr>
+              <a:t>    if (con != null) </a:t>
+            </a:r>
+            <a:r>
+              <a:rPr lang="en-GB" b="1" dirty="0" err="1">
+                <a:latin typeface="Courier New" pitchFamily="49" charset="0"/>
+              </a:rPr>
+              <a:t>con.Close</a:t>
+            </a:r>
+            <a:r>
+              <a:rPr lang="en-GB" b="1" dirty="0">
+                <a:latin typeface="Courier New" pitchFamily="49" charset="0"/>
+              </a:rPr>
+              <a:t>();</a:t>
+            </a:r>
+          </a:p>
+          <a:p>
+            <a:r>
+              <a:rPr lang="en-GB" b="1" dirty="0">
+                <a:latin typeface="Courier New" pitchFamily="49" charset="0"/>
+              </a:rPr>
+              <a:t>}</a:t>
+            </a:r>
           </a:p>
         </p:txBody>
       </p:sp>
@@ -5512,7 +5466,7 @@
     </p:spTree>
     <p:extLst>
       <p:ext uri="{BB962C8B-B14F-4D97-AF65-F5344CB8AC3E}">
-        <p14:creationId xmlns:p14="http://schemas.microsoft.com/office/powerpoint/2010/main" val="2453986246"/>
+        <p14:creationId xmlns:p14="http://schemas.microsoft.com/office/powerpoint/2010/main" val="1127899706"/>
       </p:ext>
     </p:extLst>
   </p:cSld>
@@ -5564,25 +5518,25 @@
         <p:spPr/>
         <p:txBody>
           <a:bodyPr>
-            <a:normAutofit fontScale="92500" lnSpcReduction="20000"/>
+            <a:normAutofit/>
           </a:bodyPr>
           <a:lstStyle/>
           <a:p>
             <a:r>
               <a:rPr lang="en-GB" dirty="0"/>
-              <a:t>Use a Command object to update records in a table. </a:t>
+              <a:t>Use a Command object to insert records into a table. </a:t>
             </a:r>
           </a:p>
           <a:p>
             <a:r>
               <a:rPr lang="en-GB" dirty="0"/>
-              <a:t>The code example on this slide demonstrates an SQL update statement but as we will see later in this chapter, a stored procedure can also be used.</a:t>
+              <a:t>The code example on this slide demonstrates an SQL insert statement but as we will see later in this chapter, a stored procedure can also be used to increase efficiency and security.</a:t>
             </a:r>
           </a:p>
           <a:p>
             <a:r>
               <a:rPr lang="en-GB" dirty="0"/>
-              <a:t>Because no rows are returned, the command objects </a:t>
+              <a:t>Because no rows are returned, again the command objects </a:t>
             </a:r>
             <a:r>
               <a:rPr lang="en-GB" dirty="0" err="1"/>
@@ -5590,13 +5544,13 @@
             </a:r>
             <a:r>
               <a:rPr lang="en-GB" dirty="0"/>
-              <a:t>() method is used. This method returns a number indicating the number of rows affected.</a:t>
+              <a:t>() method is used. This method returns a number indicating the number of rows inserted.</a:t>
             </a:r>
           </a:p>
           <a:p>
             <a:r>
               <a:rPr lang="en-GB" dirty="0"/>
-              <a:t>Just as we seen before, the connection object is opened just before the execution of the command and closed just afterward.</a:t>
+              <a:t>Just as before the connection object is opened just before the execution of the command and closed immediately after.</a:t>
             </a:r>
           </a:p>
           <a:p>
@@ -5605,141 +5559,19 @@
           <a:p>
             <a:r>
               <a:rPr lang="en-GB" dirty="0"/>
-              <a:t>Please note, as with all IO operations and specially the ones that writes to a data source, exceptions must be caught or handled. Due to the limitation of slide it is not possible to demonstrate the exception handling code such as:</a:t>
-            </a:r>
-          </a:p>
-          <a:p>
-            <a:br>
+              <a:t>Please note, as with all </a:t>
+            </a:r>
+            <a:r>
+              <a:rPr lang="en-GB" i="1" dirty="0"/>
+              <a:t>IO </a:t>
+            </a:r>
+            <a:r>
               <a:rPr lang="en-GB" dirty="0"/>
-            </a:br>
-            <a:r>
-              <a:rPr lang="en-GB" b="1" dirty="0" err="1">
-                <a:latin typeface="Courier New" pitchFamily="49" charset="0"/>
-              </a:rPr>
-              <a:t>SqlConnection</a:t>
-            </a:r>
-            <a:r>
-              <a:rPr lang="en-GB" b="1" dirty="0">
-                <a:latin typeface="Courier New" pitchFamily="49" charset="0"/>
-              </a:rPr>
-              <a:t> con = null;</a:t>
-            </a:r>
-          </a:p>
-          <a:p>
-            <a:r>
-              <a:rPr lang="en-GB" b="1" dirty="0">
-                <a:latin typeface="Courier New" pitchFamily="49" charset="0"/>
-              </a:rPr>
-              <a:t>try {</a:t>
-            </a:r>
-          </a:p>
-          <a:p>
-            <a:r>
-              <a:rPr lang="en-GB" b="1" dirty="0">
-                <a:latin typeface="Courier New" pitchFamily="49" charset="0"/>
-              </a:rPr>
-              <a:t>    con = new </a:t>
-            </a:r>
-            <a:r>
-              <a:rPr lang="en-GB" b="1" dirty="0" err="1">
-                <a:latin typeface="Courier New" pitchFamily="49" charset="0"/>
-              </a:rPr>
-              <a:t>SqlConnection</a:t>
-            </a:r>
-            <a:r>
-              <a:rPr lang="en-GB" b="1" dirty="0">
-                <a:latin typeface="Courier New" pitchFamily="49" charset="0"/>
-              </a:rPr>
-              <a:t>("</a:t>
-            </a:r>
-            <a:r>
-              <a:rPr lang="en-GB" b="1" dirty="0" err="1">
-                <a:latin typeface="Courier New" pitchFamily="49" charset="0"/>
-              </a:rPr>
-              <a:t>xxxxx</a:t>
-            </a:r>
-            <a:r>
-              <a:rPr lang="en-GB" b="1" dirty="0">
-                <a:latin typeface="Courier New" pitchFamily="49" charset="0"/>
-              </a:rPr>
-              <a:t>");</a:t>
-            </a:r>
-          </a:p>
-          <a:p>
-            <a:r>
-              <a:rPr lang="en-GB" b="1" dirty="0">
-                <a:latin typeface="Courier New" pitchFamily="49" charset="0"/>
-              </a:rPr>
-              <a:t>    // create and execute commands</a:t>
-            </a:r>
-          </a:p>
-          <a:p>
-            <a:r>
-              <a:rPr lang="en-GB" b="1" dirty="0">
-                <a:latin typeface="Courier New" pitchFamily="49" charset="0"/>
-              </a:rPr>
-              <a:t>}</a:t>
-            </a:r>
-          </a:p>
-          <a:p>
-            <a:r>
-              <a:rPr lang="en-GB" b="1" dirty="0">
-                <a:latin typeface="Courier New" pitchFamily="49" charset="0"/>
-              </a:rPr>
-              <a:t>catch (Exception ex) {</a:t>
-            </a:r>
-          </a:p>
-          <a:p>
-            <a:r>
-              <a:rPr lang="en-GB" b="1" dirty="0">
-                <a:latin typeface="Courier New" pitchFamily="49" charset="0"/>
-              </a:rPr>
-              <a:t>    // Handel the exception</a:t>
-            </a:r>
-          </a:p>
-          <a:p>
-            <a:r>
-              <a:rPr lang="en-GB" b="1" dirty="0">
-                <a:latin typeface="Courier New" pitchFamily="49" charset="0"/>
-              </a:rPr>
-              <a:t>}</a:t>
-            </a:r>
-          </a:p>
-          <a:p>
-            <a:r>
-              <a:rPr lang="en-GB" b="1" dirty="0">
-                <a:latin typeface="Courier New" pitchFamily="49" charset="0"/>
-              </a:rPr>
-              <a:t>finally {</a:t>
-            </a:r>
-          </a:p>
-          <a:p>
-            <a:r>
-              <a:rPr lang="en-GB" b="1" dirty="0">
-                <a:latin typeface="Courier New" pitchFamily="49" charset="0"/>
-              </a:rPr>
-              <a:t>    if (con != null) </a:t>
-            </a:r>
-            <a:r>
-              <a:rPr lang="en-GB" b="1" dirty="0" err="1">
-                <a:latin typeface="Courier New" pitchFamily="49" charset="0"/>
-              </a:rPr>
-              <a:t>con.Close</a:t>
-            </a:r>
-            <a:r>
-              <a:rPr lang="en-GB" b="1" dirty="0">
-                <a:latin typeface="Courier New" pitchFamily="49" charset="0"/>
-              </a:rPr>
-              <a:t>();</a:t>
-            </a:r>
-          </a:p>
-          <a:p>
-            <a:r>
-              <a:rPr lang="en-GB" b="1" dirty="0">
-                <a:latin typeface="Courier New" pitchFamily="49" charset="0"/>
-              </a:rPr>
-              <a:t>}</a:t>
-            </a:r>
+              <a:t>operations and specially the ones that writes to a data source, exceptions must be caught or handled.</a:t>
+            </a:r>
+          </a:p>
+          <a:p>
+            <a:endParaRPr lang="en-GB" dirty="0"/>
           </a:p>
         </p:txBody>
       </p:sp>
@@ -5778,7 +5610,7 @@
     </p:spTree>
     <p:extLst>
       <p:ext uri="{BB962C8B-B14F-4D97-AF65-F5344CB8AC3E}">
-        <p14:creationId xmlns:p14="http://schemas.microsoft.com/office/powerpoint/2010/main" val="1127899706"/>
+        <p14:creationId xmlns:p14="http://schemas.microsoft.com/office/powerpoint/2010/main" val="2057206959"/>
       </p:ext>
     </p:extLst>
   </p:cSld>
@@ -31225,6 +31057,245 @@
 </p:sldLayout>
 </file>
 
+<file path=ppt/slideLayouts/slideLayout43.xml><?xml version="1.0" encoding="utf-8"?>
+<p:sldLayout xmlns:a="http://schemas.openxmlformats.org/drawingml/2006/main" xmlns:r="http://schemas.openxmlformats.org/officeDocument/2006/relationships" xmlns:p="http://schemas.openxmlformats.org/presentationml/2006/main" type="title">
+  <p:cSld name="Purple_divider">
+    <p:bg>
+      <p:bgPr>
+        <a:blipFill dpi="0" rotWithShape="1">
+          <a:blip r:embed="rId2">
+            <a:lum/>
+          </a:blip>
+          <a:srcRect/>
+          <a:stretch>
+            <a:fillRect/>
+          </a:stretch>
+        </a:blipFill>
+        <a:effectLst/>
+      </p:bgPr>
+    </p:bg>
+    <p:spTree>
+      <p:nvGrpSpPr>
+        <p:cNvPr id="1" name=""/>
+        <p:cNvGrpSpPr/>
+        <p:nvPr/>
+      </p:nvGrpSpPr>
+      <p:grpSpPr>
+        <a:xfrm>
+          <a:off x="0" y="0"/>
+          <a:ext cx="0" cy="0"/>
+          <a:chOff x="0" y="0"/>
+          <a:chExt cx="0" cy="0"/>
+        </a:xfrm>
+      </p:grpSpPr>
+      <p:pic>
+        <p:nvPicPr>
+          <p:cNvPr id="5" name="Picture 4">
+            <a:extLst>
+              <a:ext uri="{FF2B5EF4-FFF2-40B4-BE49-F238E27FC236}">
+                <a16:creationId xmlns:a16="http://schemas.microsoft.com/office/drawing/2014/main" id="{AB0B8D50-2C63-2F2E-599F-E921BF1F757F}"/>
+              </a:ext>
+              <a:ext uri="{C183D7F6-B498-43B3-948B-1728B52AA6E4}">
+                <adec:decorative xmlns:adec="http://schemas.microsoft.com/office/drawing/2017/decorative" val="1"/>
+              </a:ext>
+            </a:extLst>
+          </p:cNvPr>
+          <p:cNvPicPr>
+            <a:picLocks noChangeAspect="1"/>
+          </p:cNvPicPr>
+          <p:nvPr userDrawn="1"/>
+        </p:nvPicPr>
+        <p:blipFill>
+          <a:blip r:embed="rId3"/>
+          <a:stretch>
+            <a:fillRect/>
+          </a:stretch>
+        </p:blipFill>
+        <p:spPr>
+          <a:xfrm>
+            <a:off x="0" y="898802"/>
+            <a:ext cx="8062294" cy="1684800"/>
+          </a:xfrm>
+          <a:prstGeom prst="rect">
+            <a:avLst/>
+          </a:prstGeom>
+        </p:spPr>
+      </p:pic>
+      <p:sp>
+        <p:nvSpPr>
+          <p:cNvPr id="2" name="Title 1">
+            <a:extLst>
+              <a:ext uri="{FF2B5EF4-FFF2-40B4-BE49-F238E27FC236}">
+                <a16:creationId xmlns:a16="http://schemas.microsoft.com/office/drawing/2014/main" id="{909D855A-1A49-ADBE-89C8-65ECAFD2AAB3}"/>
+              </a:ext>
+            </a:extLst>
+          </p:cNvPr>
+          <p:cNvSpPr>
+            <a:spLocks noGrp="1"/>
+          </p:cNvSpPr>
+          <p:nvPr>
+            <p:ph type="ctrTitle"/>
+          </p:nvPr>
+        </p:nvSpPr>
+        <p:spPr>
+          <a:xfrm>
+            <a:off x="473406" y="1118152"/>
+            <a:ext cx="6777996" cy="1247916"/>
+          </a:xfrm>
+          <a:prstGeom prst="rect">
+            <a:avLst/>
+          </a:prstGeom>
+          <a:ln>
+            <a:noFill/>
+          </a:ln>
+        </p:spPr>
+        <p:txBody>
+          <a:bodyPr lIns="0" rIns="0" anchor="ctr"/>
+          <a:lstStyle>
+            <a:lvl1pPr algn="l">
+              <a:lnSpc>
+                <a:spcPct val="100000"/>
+              </a:lnSpc>
+              <a:defRPr sz="3600">
+                <a:solidFill>
+                  <a:schemeClr val="tx1"/>
+                </a:solidFill>
+              </a:defRPr>
+            </a:lvl1pPr>
+          </a:lstStyle>
+          <a:p>
+            <a:endParaRPr lang="en-GB"/>
+          </a:p>
+        </p:txBody>
+      </p:sp>
+      <p:sp>
+        <p:nvSpPr>
+          <p:cNvPr id="3" name="Subtitle 2">
+            <a:extLst>
+              <a:ext uri="{FF2B5EF4-FFF2-40B4-BE49-F238E27FC236}">
+                <a16:creationId xmlns:a16="http://schemas.microsoft.com/office/drawing/2014/main" id="{994AF8D4-DACD-9AF9-364C-02C474BC62A5}"/>
+              </a:ext>
+            </a:extLst>
+          </p:cNvPr>
+          <p:cNvSpPr>
+            <a:spLocks noGrp="1"/>
+          </p:cNvSpPr>
+          <p:nvPr>
+            <p:ph type="subTitle" idx="1"/>
+          </p:nvPr>
+        </p:nvSpPr>
+        <p:spPr>
+          <a:xfrm>
+            <a:off x="473406" y="2902689"/>
+            <a:ext cx="6150678" cy="863600"/>
+          </a:xfrm>
+          <a:prstGeom prst="rect">
+            <a:avLst/>
+          </a:prstGeom>
+          <a:ln>
+            <a:noFill/>
+          </a:ln>
+        </p:spPr>
+        <p:txBody>
+          <a:bodyPr lIns="0" rIns="0" anchor="t"/>
+          <a:lstStyle>
+            <a:lvl1pPr marL="0" indent="0" algn="l">
+              <a:buNone/>
+              <a:defRPr sz="1800">
+                <a:solidFill>
+                  <a:schemeClr val="tx1"/>
+                </a:solidFill>
+              </a:defRPr>
+            </a:lvl1pPr>
+            <a:lvl2pPr marL="457200" indent="0" algn="ctr">
+              <a:buNone/>
+              <a:defRPr sz="2000"/>
+            </a:lvl2pPr>
+            <a:lvl3pPr marL="914400" indent="0" algn="ctr">
+              <a:buNone/>
+              <a:defRPr sz="1800"/>
+            </a:lvl3pPr>
+            <a:lvl4pPr marL="1371600" indent="0" algn="ctr">
+              <a:buNone/>
+              <a:defRPr sz="1600"/>
+            </a:lvl4pPr>
+            <a:lvl5pPr marL="1828800" indent="0" algn="ctr">
+              <a:buNone/>
+              <a:defRPr sz="1600"/>
+            </a:lvl5pPr>
+            <a:lvl6pPr marL="2286000" indent="0" algn="ctr">
+              <a:buNone/>
+              <a:defRPr sz="1600"/>
+            </a:lvl6pPr>
+            <a:lvl7pPr marL="2743200" indent="0" algn="ctr">
+              <a:buNone/>
+              <a:defRPr sz="1600"/>
+            </a:lvl7pPr>
+            <a:lvl8pPr marL="3200400" indent="0" algn="ctr">
+              <a:buNone/>
+              <a:defRPr sz="1600"/>
+            </a:lvl8pPr>
+            <a:lvl9pPr marL="3657600" indent="0" algn="ctr">
+              <a:buNone/>
+              <a:defRPr sz="1600"/>
+            </a:lvl9pPr>
+          </a:lstStyle>
+          <a:p>
+            <a:endParaRPr lang="en-GB"/>
+          </a:p>
+        </p:txBody>
+      </p:sp>
+      <p:pic>
+        <p:nvPicPr>
+          <p:cNvPr id="9" name="Picture 8">
+            <a:extLst>
+              <a:ext uri="{FF2B5EF4-FFF2-40B4-BE49-F238E27FC236}">
+                <a16:creationId xmlns:a16="http://schemas.microsoft.com/office/drawing/2014/main" id="{ADC96ABF-C649-123E-FBF1-598689C3D553}"/>
+              </a:ext>
+              <a:ext uri="{C183D7F6-B498-43B3-948B-1728B52AA6E4}">
+                <adec:decorative xmlns:adec="http://schemas.microsoft.com/office/drawing/2017/decorative" val="1"/>
+              </a:ext>
+            </a:extLst>
+          </p:cNvPr>
+          <p:cNvPicPr>
+            <a:picLocks noChangeAspect="1"/>
+          </p:cNvPicPr>
+          <p:nvPr userDrawn="1"/>
+        </p:nvPicPr>
+        <p:blipFill>
+          <a:blip r:embed="rId4"/>
+          <a:stretch>
+            <a:fillRect/>
+          </a:stretch>
+        </p:blipFill>
+        <p:spPr>
+          <a:xfrm>
+            <a:off x="473406" y="5650088"/>
+            <a:ext cx="1972082" cy="650979"/>
+          </a:xfrm>
+          <a:prstGeom prst="rect">
+            <a:avLst/>
+          </a:prstGeom>
+        </p:spPr>
+      </p:pic>
+    </p:spTree>
+    <p:extLst>
+      <p:ext uri="{BB962C8B-B14F-4D97-AF65-F5344CB8AC3E}">
+        <p14:creationId xmlns:p14="http://schemas.microsoft.com/office/powerpoint/2010/main" val="3283093276"/>
+      </p:ext>
+    </p:extLst>
+  </p:cSld>
+  <p:clrMapOvr>
+    <a:masterClrMapping/>
+  </p:clrMapOvr>
+  <p:extLst>
+    <p:ext uri="{DCECCB84-F9BA-43D5-87BE-67443E8EF086}">
+      <p15:sldGuideLst xmlns:p15="http://schemas.microsoft.com/office/powerpoint/2012/main"/>
+    </p:ext>
+  </p:extLst>
+</p:sldLayout>
+</file>
+
 <file path=ppt/slideLayouts/slideLayout5.xml><?xml version="1.0" encoding="utf-8"?>
 <p:sldLayout xmlns:a="http://schemas.openxmlformats.org/drawingml/2006/main" xmlns:r="http://schemas.openxmlformats.org/officeDocument/2006/relationships" xmlns:p="http://schemas.openxmlformats.org/presentationml/2006/main" showMasterSp="0" preserve="1" userDrawn="1">
   <p:cSld name="Housekeeping">
@@ -34270,6 +34341,7 @@
     <p:sldLayoutId id="2147483907" r:id="rId40"/>
     <p:sldLayoutId id="2147483908" r:id="rId41"/>
     <p:sldLayoutId id="2147483909" r:id="rId42"/>
+    <p:sldLayoutId id="2147483910" r:id="rId43"/>
   </p:sldLayoutIdLst>
   <p:hf hdr="0" dt="0"/>
   <p:txStyles>
@@ -34328,7 +34400,7 @@
         <a:buSzPct val="125000"/>
         <a:buFontTx/>
         <a:buBlip>
-          <a:blip r:embed="rId44"/>
+          <a:blip r:embed="rId45"/>
         </a:buBlip>
         <a:tabLst/>
         <a:defRPr sz="2000" b="0" kern="1200">
@@ -34353,7 +34425,7 @@
         <a:buSzPct val="120000"/>
         <a:buFontTx/>
         <a:buBlip>
-          <a:blip r:embed="rId44"/>
+          <a:blip r:embed="rId45"/>
         </a:buBlip>
         <a:tabLst/>
         <a:defRPr sz="2000" b="0" i="0" kern="1200">
@@ -34378,7 +34450,7 @@
         <a:buSzPct val="120000"/>
         <a:buFontTx/>
         <a:buBlip>
-          <a:blip r:embed="rId44"/>
+          <a:blip r:embed="rId45"/>
         </a:buBlip>
         <a:tabLst/>
         <a:defRPr sz="2000" b="0" kern="1200">
@@ -34403,7 +34475,7 @@
         <a:buSzPct val="125000"/>
         <a:buFontTx/>
         <a:buBlip>
-          <a:blip r:embed="rId44"/>
+          <a:blip r:embed="rId45"/>
         </a:buBlip>
         <a:tabLst/>
         <a:defRPr sz="2000" b="0" kern="1200">
@@ -34752,26 +34824,13 @@
       </p:grpSpPr>
       <p:sp>
         <p:nvSpPr>
-          <p:cNvPr id="4" name="Text Placeholder 3"/>
-          <p:cNvSpPr>
-            <a:spLocks noGrp="1"/>
-          </p:cNvSpPr>
-          <p:nvPr>
-            <p:ph type="body" sz="quarter" idx="12"/>
-          </p:nvPr>
-        </p:nvSpPr>
-        <p:spPr/>
-        <p:txBody>
-          <a:bodyPr/>
-          <a:lstStyle/>
-          <a:p>
-            <a:endParaRPr lang="en-GB" dirty="0"/>
-          </a:p>
-        </p:txBody>
-      </p:sp>
-      <p:sp>
-        <p:nvSpPr>
-          <p:cNvPr id="3" name="Title 2"/>
+          <p:cNvPr id="4" name="Title 3">
+            <a:extLst>
+              <a:ext uri="{FF2B5EF4-FFF2-40B4-BE49-F238E27FC236}">
+                <a16:creationId xmlns:a16="http://schemas.microsoft.com/office/drawing/2014/main" id="{6B10A2E5-A3AA-7BE3-7C87-983A58C15C46}"/>
+              </a:ext>
+            </a:extLst>
+          </p:cNvPr>
           <p:cNvSpPr>
             <a:spLocks noGrp="1"/>
           </p:cNvSpPr>
@@ -34790,233 +34849,39 @@
               </a:rPr>
               <a:t>Accessing databases using code</a:t>
             </a:r>
+            <a:endParaRPr lang="en-US" dirty="0"/>
           </a:p>
         </p:txBody>
       </p:sp>
       <p:sp>
         <p:nvSpPr>
-          <p:cNvPr id="5" name="Content Placeholder 2"/>
-          <p:cNvSpPr txBox="1">
-            <a:spLocks/>
+          <p:cNvPr id="3" name="Subtitle 2">
+            <a:extLst>
+              <a:ext uri="{FF2B5EF4-FFF2-40B4-BE49-F238E27FC236}">
+                <a16:creationId xmlns:a16="http://schemas.microsoft.com/office/drawing/2014/main" id="{52534D79-CFC0-C4F4-AD12-F13DBCAB1A97}"/>
+              </a:ext>
+            </a:extLst>
+          </p:cNvPr>
+          <p:cNvSpPr>
+            <a:spLocks noGrp="1"/>
           </p:cNvSpPr>
-          <p:nvPr/>
+          <p:nvPr>
+            <p:ph type="subTitle" idx="1"/>
+          </p:nvPr>
         </p:nvSpPr>
-        <p:spPr>
-          <a:xfrm>
-            <a:off x="385299" y="5768975"/>
-            <a:ext cx="5627171" cy="705846"/>
-          </a:xfrm>
-          <a:prstGeom prst="rect">
-            <a:avLst/>
-          </a:prstGeom>
-        </p:spPr>
+        <p:spPr/>
         <p:txBody>
           <a:bodyPr/>
-          <a:lstStyle>
-            <a:lvl1pPr marL="0" indent="0" algn="l" defTabSz="914400" rtl="0" eaLnBrk="1" latinLnBrk="0" hangingPunct="1">
-              <a:lnSpc>
-                <a:spcPct val="100000"/>
-              </a:lnSpc>
-              <a:spcBef>
-                <a:spcPts val="0"/>
-              </a:spcBef>
-              <a:spcAft>
-                <a:spcPts val="650"/>
-              </a:spcAft>
-              <a:buSzPct val="115000"/>
-              <a:buFontTx/>
-              <a:buNone/>
-              <a:defRPr sz="1800" b="0" i="0" kern="1200">
-                <a:solidFill>
-                  <a:schemeClr val="tx1"/>
-                </a:solidFill>
-                <a:latin typeface="Montserrat" pitchFamily="2" charset="77"/>
-                <a:ea typeface="+mn-ea"/>
-                <a:cs typeface="+mn-cs"/>
-              </a:defRPr>
-            </a:lvl1pPr>
-            <a:lvl2pPr marL="355600" indent="-266700" algn="l" defTabSz="914400" rtl="0" eaLnBrk="1" latinLnBrk="0" hangingPunct="1">
-              <a:lnSpc>
-                <a:spcPct val="100000"/>
-              </a:lnSpc>
-              <a:spcBef>
-                <a:spcPts val="0"/>
-              </a:spcBef>
-              <a:spcAft>
-                <a:spcPts val="650"/>
-              </a:spcAft>
-              <a:buSzPct val="125000"/>
-              <a:buFontTx/>
-              <a:buBlip>
-                <a:blip r:embed="rId3"/>
-              </a:buBlip>
-              <a:tabLst/>
-              <a:defRPr sz="1800" b="0" kern="1200">
-                <a:solidFill>
-                  <a:schemeClr val="tx1"/>
-                </a:solidFill>
-                <a:latin typeface="Montserrat" pitchFamily="2" charset="77"/>
-                <a:ea typeface="+mn-ea"/>
-                <a:cs typeface="+mn-cs"/>
-              </a:defRPr>
-            </a:lvl2pPr>
-            <a:lvl3pPr marL="355600" indent="-266700" algn="l" defTabSz="914400" rtl="0" eaLnBrk="1" latinLnBrk="0" hangingPunct="1">
-              <a:lnSpc>
-                <a:spcPct val="100000"/>
-              </a:lnSpc>
-              <a:spcBef>
-                <a:spcPts val="0"/>
-              </a:spcBef>
-              <a:spcAft>
-                <a:spcPts val="650"/>
-              </a:spcAft>
-              <a:buSzPct val="120000"/>
-              <a:buFontTx/>
-              <a:buBlip>
-                <a:blip r:embed="rId3"/>
-              </a:buBlip>
-              <a:tabLst/>
-              <a:defRPr sz="1800" b="0" i="0" kern="1200">
-                <a:solidFill>
-                  <a:schemeClr val="tx1"/>
-                </a:solidFill>
-                <a:latin typeface="Montserrat" pitchFamily="2" charset="77"/>
-                <a:ea typeface="+mn-ea"/>
-                <a:cs typeface="+mn-cs"/>
-              </a:defRPr>
-            </a:lvl3pPr>
-            <a:lvl4pPr marL="355600" indent="-266700" algn="l" defTabSz="914400" rtl="0" eaLnBrk="1" latinLnBrk="0" hangingPunct="1">
-              <a:lnSpc>
-                <a:spcPct val="100000"/>
-              </a:lnSpc>
-              <a:spcBef>
-                <a:spcPts val="0"/>
-              </a:spcBef>
-              <a:spcAft>
-                <a:spcPts val="650"/>
-              </a:spcAft>
-              <a:buSzPct val="120000"/>
-              <a:buFontTx/>
-              <a:buBlip>
-                <a:blip r:embed="rId3"/>
-              </a:buBlip>
-              <a:tabLst/>
-              <a:defRPr sz="1800" b="0" kern="1200">
-                <a:solidFill>
-                  <a:schemeClr val="tx1"/>
-                </a:solidFill>
-                <a:latin typeface="Montserrat" pitchFamily="2" charset="77"/>
-                <a:ea typeface="+mn-ea"/>
-                <a:cs typeface="+mn-cs"/>
-              </a:defRPr>
-            </a:lvl4pPr>
-            <a:lvl5pPr marL="355600" indent="-266700" algn="l" defTabSz="914400" rtl="0" eaLnBrk="1" latinLnBrk="0" hangingPunct="1">
-              <a:lnSpc>
-                <a:spcPct val="100000"/>
-              </a:lnSpc>
-              <a:spcBef>
-                <a:spcPts val="0"/>
-              </a:spcBef>
-              <a:spcAft>
-                <a:spcPts val="650"/>
-              </a:spcAft>
-              <a:buSzPct val="125000"/>
-              <a:buFontTx/>
-              <a:buBlip>
-                <a:blip r:embed="rId3"/>
-              </a:buBlip>
-              <a:tabLst/>
-              <a:defRPr sz="1800" b="0" kern="1200">
-                <a:solidFill>
-                  <a:schemeClr val="tx1"/>
-                </a:solidFill>
-                <a:latin typeface="Montserrat" pitchFamily="2" charset="77"/>
-                <a:ea typeface="+mn-ea"/>
-                <a:cs typeface="+mn-cs"/>
-              </a:defRPr>
-            </a:lvl5pPr>
-            <a:lvl6pPr marL="2514600" indent="-228600" algn="l" defTabSz="914400" rtl="0" eaLnBrk="1" latinLnBrk="0" hangingPunct="1">
-              <a:lnSpc>
-                <a:spcPct val="90000"/>
-              </a:lnSpc>
-              <a:spcBef>
-                <a:spcPts val="500"/>
-              </a:spcBef>
-              <a:buFont typeface="Arial" panose="020B0604020202020204" pitchFamily="34" charset="0"/>
-              <a:buChar char="•"/>
-              <a:defRPr sz="1800" kern="1200">
-                <a:solidFill>
-                  <a:schemeClr val="tx1"/>
-                </a:solidFill>
-                <a:latin typeface="+mn-lt"/>
-                <a:ea typeface="+mn-ea"/>
-                <a:cs typeface="+mn-cs"/>
-              </a:defRPr>
-            </a:lvl6pPr>
-            <a:lvl7pPr marL="2971800" indent="-228600" algn="l" defTabSz="914400" rtl="0" eaLnBrk="1" latinLnBrk="0" hangingPunct="1">
-              <a:lnSpc>
-                <a:spcPct val="90000"/>
-              </a:lnSpc>
-              <a:spcBef>
-                <a:spcPts val="500"/>
-              </a:spcBef>
-              <a:buFont typeface="Arial" panose="020B0604020202020204" pitchFamily="34" charset="0"/>
-              <a:buChar char="•"/>
-              <a:defRPr sz="1800" kern="1200">
-                <a:solidFill>
-                  <a:schemeClr val="tx1"/>
-                </a:solidFill>
-                <a:latin typeface="+mn-lt"/>
-                <a:ea typeface="+mn-ea"/>
-                <a:cs typeface="+mn-cs"/>
-              </a:defRPr>
-            </a:lvl7pPr>
-            <a:lvl8pPr marL="3429000" indent="-228600" algn="l" defTabSz="914400" rtl="0" eaLnBrk="1" latinLnBrk="0" hangingPunct="1">
-              <a:lnSpc>
-                <a:spcPct val="90000"/>
-              </a:lnSpc>
-              <a:spcBef>
-                <a:spcPts val="500"/>
-              </a:spcBef>
-              <a:buFont typeface="Arial" panose="020B0604020202020204" pitchFamily="34" charset="0"/>
-              <a:buChar char="•"/>
-              <a:defRPr sz="1800" kern="1200">
-                <a:solidFill>
-                  <a:schemeClr val="tx1"/>
-                </a:solidFill>
-                <a:latin typeface="+mn-lt"/>
-                <a:ea typeface="+mn-ea"/>
-                <a:cs typeface="+mn-cs"/>
-              </a:defRPr>
-            </a:lvl8pPr>
-            <a:lvl9pPr marL="3886200" indent="-228600" algn="l" defTabSz="914400" rtl="0" eaLnBrk="1" latinLnBrk="0" hangingPunct="1">
-              <a:lnSpc>
-                <a:spcPct val="90000"/>
-              </a:lnSpc>
-              <a:spcBef>
-                <a:spcPts val="500"/>
-              </a:spcBef>
-              <a:buFont typeface="Arial" panose="020B0604020202020204" pitchFamily="34" charset="0"/>
-              <a:buChar char="•"/>
-              <a:defRPr sz="1800" kern="1200">
-                <a:solidFill>
-                  <a:schemeClr val="tx1"/>
-                </a:solidFill>
-                <a:latin typeface="+mn-lt"/>
-                <a:ea typeface="+mn-ea"/>
-                <a:cs typeface="+mn-cs"/>
-              </a:defRPr>
-            </a:lvl9pPr>
-          </a:lstStyle>
-          <a:p>
-            <a:endParaRPr lang="en-GB" sz="1400" dirty="0"/>
+          <a:lstStyle/>
+          <a:p>
+            <a:endParaRPr lang="en-GB"/>
           </a:p>
         </p:txBody>
       </p:sp>
     </p:spTree>
     <p:extLst>
       <p:ext uri="{BB962C8B-B14F-4D97-AF65-F5344CB8AC3E}">
-        <p14:creationId xmlns:p14="http://schemas.microsoft.com/office/powerpoint/2010/main" val="1792101053"/>
+        <p14:creationId xmlns:p14="http://schemas.microsoft.com/office/powerpoint/2010/main" val="1003932267"/>
       </p:ext>
     </p:extLst>
   </p:cSld>
@@ -35061,7 +34926,7 @@
             <a:pPr lvl="0"/>
             <a:r>
               <a:rPr lang="en-US" dirty="0"/>
-              <a:t>Insert a new row </a:t>
+              <a:t>How to delete rows?</a:t>
             </a:r>
             <a:endParaRPr lang="en-GB" dirty="0"/>
           </a:p>
@@ -35069,14 +34934,14 @@
       </p:sp>
       <p:sp>
         <p:nvSpPr>
-          <p:cNvPr id="7" name="Rectangle 6"/>
+          <p:cNvPr id="5" name="Rectangle 4"/>
           <p:cNvSpPr/>
           <p:nvPr/>
         </p:nvSpPr>
         <p:spPr>
           <a:xfrm>
-            <a:off x="508719" y="1257554"/>
-            <a:ext cx="11079312" cy="3673185"/>
+            <a:off x="282692" y="1457254"/>
+            <a:ext cx="11485936" cy="3161635"/>
           </a:xfrm>
           <a:prstGeom prst="rect">
             <a:avLst/>
@@ -35108,99 +34973,6 @@
           <a:lstStyle/>
           <a:p>
             <a:r>
-              <a:rPr lang="en-GB" sz="1662" b="1" dirty="0">
-                <a:solidFill>
-                  <a:srgbClr val="333399"/>
-                </a:solidFill>
-                <a:latin typeface="Consolas"/>
-              </a:rPr>
-              <a:t>string </a:t>
-            </a:r>
-            <a:r>
-              <a:rPr lang="en-GB" sz="1662" b="1" dirty="0">
-                <a:solidFill>
-                  <a:schemeClr val="tx1"/>
-                </a:solidFill>
-                <a:latin typeface="Consolas"/>
-              </a:rPr>
-              <a:t>query</a:t>
-            </a:r>
-            <a:r>
-              <a:rPr lang="en-GB" sz="1662" b="1" dirty="0">
-                <a:solidFill>
-                  <a:srgbClr val="0000FF"/>
-                </a:solidFill>
-                <a:latin typeface="Consolas"/>
-              </a:rPr>
-              <a:t> = </a:t>
-            </a:r>
-            <a:r>
-              <a:rPr lang="en-GB" sz="1662" b="1" dirty="0">
-                <a:solidFill>
-                  <a:srgbClr val="333399"/>
-                </a:solidFill>
-                <a:latin typeface="Consolas"/>
-              </a:rPr>
-              <a:t>@"</a:t>
-            </a:r>
-            <a:r>
-              <a:rPr lang="en-GB" sz="1662" b="1" dirty="0">
-                <a:solidFill>
-                  <a:srgbClr val="A31515"/>
-                </a:solidFill>
-                <a:latin typeface="Consolas"/>
-              </a:rPr>
-              <a:t>INSERT INTO Customers (ID, company, name, city) </a:t>
-            </a:r>
-            <a:br>
-              <a:rPr lang="en-GB" sz="1662" b="1" dirty="0">
-                <a:solidFill>
-                  <a:srgbClr val="A31515"/>
-                </a:solidFill>
-                <a:latin typeface="Consolas"/>
-              </a:rPr>
-            </a:br>
-            <a:r>
-              <a:rPr lang="en-GB" sz="1662" b="1" dirty="0">
-                <a:solidFill>
-                  <a:srgbClr val="A31515"/>
-                </a:solidFill>
-                <a:latin typeface="Consolas"/>
-              </a:rPr>
-              <a:t>		VALUES ('ID888', 'QA', 'Mike B', 'London'</a:t>
-            </a:r>
-            <a:r>
-              <a:rPr lang="pt-BR" sz="1662" b="1" dirty="0">
-                <a:solidFill>
-                  <a:srgbClr val="A31515"/>
-                </a:solidFill>
-                <a:latin typeface="Consolas"/>
-              </a:rPr>
-              <a:t>)</a:t>
-            </a:r>
-            <a:r>
-              <a:rPr lang="pt-BR" sz="1662" b="1" dirty="0">
-                <a:solidFill>
-                  <a:srgbClr val="333399"/>
-                </a:solidFill>
-                <a:latin typeface="Consolas"/>
-              </a:rPr>
-              <a:t>";</a:t>
-            </a:r>
-          </a:p>
-          <a:p>
-            <a:r>
-              <a:rPr lang="en-GB" sz="1662" b="1" dirty="0">
-                <a:solidFill>
-                  <a:srgbClr val="A31515"/>
-                </a:solidFill>
-                <a:latin typeface="Consolas"/>
-              </a:rPr>
-              <a:t>            </a:t>
-            </a:r>
-          </a:p>
-          <a:p>
-            <a:r>
               <a:rPr lang="en-GB" sz="1662" b="1" dirty="0" err="1">
                 <a:solidFill>
                   <a:srgbClr val="333399"/>
@@ -35219,13 +34991,22 @@
               <a:t> </a:t>
             </a:r>
             <a:r>
+              <a:rPr lang="en-GB" sz="1662" b="1" dirty="0" err="1">
+                <a:solidFill>
+                  <a:schemeClr val="tx1"/>
+                </a:solidFill>
+                <a:latin typeface="Consolas"/>
+              </a:rPr>
+              <a:t>Cn</a:t>
+            </a:r>
+            <a:r>
               <a:rPr lang="en-GB" sz="1662" b="1" dirty="0">
                 <a:solidFill>
                   <a:schemeClr val="tx1"/>
                 </a:solidFill>
                 <a:latin typeface="Consolas"/>
               </a:rPr>
-              <a:t>Cn; </a:t>
+              <a:t>; 	</a:t>
             </a:r>
             <a:r>
               <a:rPr lang="en-GB" sz="1662" b="1" dirty="0">
@@ -35244,14 +35025,14 @@
                 <a:latin typeface="Consolas"/>
               </a:rPr>
             </a:br>
-            <a:br>
-              <a:rPr lang="en-GB" sz="1662" b="1" dirty="0">
-                <a:solidFill>
-                  <a:srgbClr val="333399"/>
-                </a:solidFill>
-                <a:latin typeface="Consolas"/>
-              </a:rPr>
-            </a:br>
+            <a:endParaRPr lang="en-GB" sz="1662" b="1" dirty="0">
+              <a:solidFill>
+                <a:srgbClr val="333399"/>
+              </a:solidFill>
+              <a:latin typeface="Consolas"/>
+            </a:endParaRPr>
+          </a:p>
+          <a:p>
             <a:r>
               <a:rPr lang="en-GB" sz="1662" b="1" dirty="0" err="1">
                 <a:solidFill>
@@ -35288,6 +35069,35 @@
               </a:rPr>
               <a:t> = </a:t>
             </a:r>
+          </a:p>
+          <a:p>
+            <a:r>
+              <a:rPr lang="en-GB" sz="1662" b="1" dirty="0">
+                <a:solidFill>
+                  <a:srgbClr val="2B91AF"/>
+                </a:solidFill>
+                <a:latin typeface="Consolas"/>
+              </a:rPr>
+              <a:t>	</a:t>
+            </a:r>
+            <a:r>
+              <a:rPr lang="en-GB" sz="1662" b="1" dirty="0">
+                <a:solidFill>
+                  <a:srgbClr val="0000FF"/>
+                </a:solidFill>
+                <a:latin typeface="Consolas"/>
+              </a:rPr>
+              <a:t>new </a:t>
+            </a:r>
+            <a:r>
+              <a:rPr lang="en-GB" sz="1662" b="1" dirty="0" err="1">
+                <a:solidFill>
+                  <a:srgbClr val="333399"/>
+                </a:solidFill>
+                <a:latin typeface="Consolas"/>
+              </a:rPr>
+              <a:t>SqlCommand</a:t>
+            </a:r>
             <a:r>
               <a:rPr lang="en-GB" sz="1662" b="1" dirty="0">
                 <a:solidFill>
@@ -35295,7 +35105,99 @@
                 </a:solidFill>
                 <a:latin typeface="Consolas"/>
               </a:rPr>
-              <a:t>new</a:t>
+              <a:t>("</a:t>
+            </a:r>
+            <a:r>
+              <a:rPr lang="en-GB" sz="1662" b="1" dirty="0">
+                <a:solidFill>
+                  <a:srgbClr val="A31515"/>
+                </a:solidFill>
+                <a:latin typeface="Consolas"/>
+              </a:rPr>
+              <a:t>DELETE customers WHERE CustomerID='ID888'</a:t>
+            </a:r>
+            <a:r>
+              <a:rPr lang="en-GB" sz="1662" b="1" dirty="0">
+                <a:solidFill>
+                  <a:srgbClr val="333399"/>
+                </a:solidFill>
+                <a:latin typeface="Consolas"/>
+              </a:rPr>
+              <a:t>",</a:t>
+            </a:r>
+            <a:r>
+              <a:rPr lang="en-GB" sz="1662" b="1" dirty="0">
+                <a:solidFill>
+                  <a:srgbClr val="A31515"/>
+                </a:solidFill>
+                <a:latin typeface="Consolas"/>
+              </a:rPr>
+              <a:t> </a:t>
+            </a:r>
+            <a:r>
+              <a:rPr lang="en-GB" sz="1662" b="1" dirty="0" err="1">
+                <a:solidFill>
+                  <a:schemeClr val="tx1"/>
+                </a:solidFill>
+                <a:latin typeface="Consolas"/>
+              </a:rPr>
+              <a:t>Cn</a:t>
+            </a:r>
+            <a:r>
+              <a:rPr lang="en-GB" sz="1662" b="1" dirty="0">
+                <a:solidFill>
+                  <a:srgbClr val="333399"/>
+                </a:solidFill>
+                <a:latin typeface="Consolas"/>
+              </a:rPr>
+              <a:t>);</a:t>
+            </a:r>
+          </a:p>
+          <a:p>
+            <a:endParaRPr lang="en-GB" sz="1662" b="1" dirty="0">
+              <a:solidFill>
+                <a:srgbClr val="A31515"/>
+              </a:solidFill>
+              <a:latin typeface="Consolas"/>
+            </a:endParaRPr>
+          </a:p>
+          <a:p>
+            <a:r>
+              <a:rPr lang="en-GB" sz="1662" b="1" dirty="0" err="1">
+                <a:solidFill>
+                  <a:schemeClr val="tx1"/>
+                </a:solidFill>
+                <a:latin typeface="Consolas"/>
+              </a:rPr>
+              <a:t>Cn.Open</a:t>
+            </a:r>
+            <a:r>
+              <a:rPr lang="en-GB" sz="1662" b="1" dirty="0">
+                <a:solidFill>
+                  <a:schemeClr val="tx1"/>
+                </a:solidFill>
+                <a:latin typeface="Consolas"/>
+              </a:rPr>
+              <a:t>();</a:t>
+            </a:r>
+          </a:p>
+          <a:p>
+            <a:endParaRPr lang="en-GB" sz="1662" b="1" dirty="0">
+              <a:solidFill>
+                <a:schemeClr val="tx1"/>
+              </a:solidFill>
+              <a:latin typeface="Consolas"/>
+            </a:endParaRPr>
+          </a:p>
+          <a:p>
+            <a:r>
+              <a:rPr lang="en-GB" sz="1662" b="1" dirty="0" err="1">
+                <a:solidFill>
+                  <a:srgbClr val="0000FF"/>
+                </a:solidFill>
+                <a:latin typeface="Consolas"/>
+              </a:rPr>
+              <a:t>int</a:t>
             </a:r>
             <a:r>
               <a:rPr lang="en-GB" sz="1662" b="1" dirty="0">
@@ -35307,22 +35209,49 @@
               <a:t> </a:t>
             </a:r>
             <a:r>
-              <a:rPr lang="en-GB" sz="1662" b="1" dirty="0" err="1">
-                <a:solidFill>
-                  <a:srgbClr val="333399"/>
-                </a:solidFill>
-                <a:latin typeface="Consolas"/>
-              </a:rPr>
-              <a:t>SqlCommand</a:t>
-            </a:r>
-            <a:r>
               <a:rPr lang="en-GB" sz="1662" b="1" dirty="0">
                 <a:solidFill>
                   <a:schemeClr val="tx1"/>
                 </a:solidFill>
                 <a:latin typeface="Consolas"/>
               </a:rPr>
-              <a:t>(query, Cn);</a:t>
+              <a:t>Res</a:t>
+            </a:r>
+            <a:r>
+              <a:rPr lang="en-GB" sz="1662" b="1" dirty="0">
+                <a:solidFill>
+                  <a:srgbClr val="0000FF"/>
+                </a:solidFill>
+                <a:latin typeface="Consolas"/>
+              </a:rPr>
+              <a:t> = </a:t>
+            </a:r>
+            <a:r>
+              <a:rPr lang="en-GB" sz="1662" b="1" dirty="0" err="1">
+                <a:solidFill>
+                  <a:srgbClr val="0000FF"/>
+                </a:solidFill>
+                <a:latin typeface="Consolas"/>
+              </a:rPr>
+              <a:t>Com.</a:t>
+            </a:r>
+            <a:r>
+              <a:rPr lang="en-GB" sz="1662" b="1" dirty="0" err="1">
+                <a:solidFill>
+                  <a:schemeClr val="tx1"/>
+                </a:solidFill>
+                <a:latin typeface="Consolas"/>
+              </a:rPr>
+              <a:t>ExecuteNonQuery</a:t>
+            </a:r>
+            <a:r>
+              <a:rPr lang="en-GB" sz="1662" b="1" dirty="0">
+                <a:solidFill>
+                  <a:srgbClr val="0000FF"/>
+                </a:solidFill>
+                <a:latin typeface="Consolas"/>
+              </a:rPr>
+              <a:t>();</a:t>
             </a:r>
           </a:p>
           <a:p>
@@ -35341,7 +35270,7 @@
                 </a:solidFill>
                 <a:latin typeface="Consolas"/>
               </a:rPr>
-              <a:t>Cn.Open</a:t>
+              <a:t>Cn.Close</a:t>
             </a:r>
             <a:r>
               <a:rPr lang="en-GB" sz="1662" b="1" dirty="0">
@@ -35356,7 +35285,7 @@
           <a:p>
             <a:endParaRPr lang="en-GB" sz="1662" b="1" dirty="0">
               <a:solidFill>
-                <a:srgbClr val="333399"/>
+                <a:srgbClr val="2B91AF"/>
               </a:solidFill>
               <a:latin typeface="Consolas"/>
             </a:endParaRPr>
@@ -35369,16 +35298,16 @@
                 </a:solidFill>
                 <a:latin typeface="Consolas"/>
               </a:rPr>
-              <a:t>int</a:t>
+              <a:t>Console.WriteLine</a:t>
             </a:r>
             <a:r>
               <a:rPr lang="en-GB" sz="1662" b="1" dirty="0">
                 <a:solidFill>
-                  <a:srgbClr val="0000FF"/>
+                  <a:srgbClr val="333399"/>
                 </a:solidFill>
                 <a:latin typeface="Consolas"/>
               </a:rPr>
-              <a:t> </a:t>
+              <a:t>(</a:t>
             </a:r>
             <a:r>
               <a:rPr lang="en-GB" sz="1662" b="1" dirty="0">
@@ -35392,139 +35321,11 @@
             <a:r>
               <a:rPr lang="en-GB" sz="1662" b="1" dirty="0">
                 <a:solidFill>
-                  <a:srgbClr val="0000FF"/>
-                </a:solidFill>
-                <a:latin typeface="Consolas"/>
-              </a:rPr>
-              <a:t> = </a:t>
-            </a:r>
-            <a:r>
-              <a:rPr lang="en-GB" sz="1662" b="1" dirty="0" err="1">
-                <a:solidFill>
-                  <a:schemeClr val="tx1"/>
-                </a:solidFill>
-                <a:latin typeface="Consolas"/>
-              </a:rPr>
-              <a:t>Com</a:t>
-            </a:r>
-            <a:r>
-              <a:rPr lang="en-GB" sz="1662" b="1" dirty="0" err="1">
-                <a:solidFill>
-                  <a:srgbClr val="0000FF"/>
-                </a:solidFill>
-                <a:latin typeface="Consolas"/>
-              </a:rPr>
-              <a:t>.</a:t>
-            </a:r>
-            <a:r>
-              <a:rPr lang="en-GB" sz="1662" b="1" dirty="0" err="1">
-                <a:solidFill>
-                  <a:srgbClr val="333399"/>
-                </a:solidFill>
-                <a:latin typeface="Consolas"/>
-              </a:rPr>
-              <a:t>ExecuteNonQuery</a:t>
-            </a:r>
-            <a:r>
-              <a:rPr lang="en-GB" sz="1662" b="1" dirty="0">
-                <a:solidFill>
-                  <a:srgbClr val="333399"/>
-                </a:solidFill>
-                <a:latin typeface="Consolas"/>
-              </a:rPr>
-              <a:t>();</a:t>
-            </a:r>
-          </a:p>
-          <a:p>
-            <a:endParaRPr lang="en-GB" sz="1662" b="1" dirty="0">
-              <a:solidFill>
-                <a:schemeClr val="tx1"/>
-              </a:solidFill>
-              <a:latin typeface="Consolas"/>
-            </a:endParaRPr>
-          </a:p>
-          <a:p>
-            <a:r>
-              <a:rPr lang="en-GB" sz="1662" b="1" dirty="0" err="1">
-                <a:solidFill>
-                  <a:schemeClr val="tx1"/>
-                </a:solidFill>
-                <a:latin typeface="Consolas"/>
-              </a:rPr>
-              <a:t>Cn.Close</a:t>
-            </a:r>
-            <a:r>
-              <a:rPr lang="en-GB" sz="1662" b="1" dirty="0">
-                <a:solidFill>
-                  <a:schemeClr val="tx1"/>
-                </a:solidFill>
-                <a:latin typeface="Consolas"/>
-              </a:rPr>
-              <a:t>();</a:t>
-            </a:r>
-          </a:p>
-          <a:p>
-            <a:endParaRPr lang="en-GB" sz="1662" b="1" dirty="0">
-              <a:solidFill>
-                <a:srgbClr val="0000FF"/>
-              </a:solidFill>
-              <a:latin typeface="Consolas"/>
-            </a:endParaRPr>
-          </a:p>
-          <a:p>
-            <a:r>
-              <a:rPr lang="en-GB" sz="1662" b="1" dirty="0" err="1">
-                <a:solidFill>
-                  <a:srgbClr val="333399"/>
-                </a:solidFill>
-                <a:latin typeface="Consolas"/>
-              </a:rPr>
-              <a:t>Console.WriteLine</a:t>
-            </a:r>
-            <a:r>
-              <a:rPr lang="en-GB" sz="1662" b="1" dirty="0">
-                <a:solidFill>
-                  <a:srgbClr val="333399"/>
-                </a:solidFill>
-                <a:latin typeface="Consolas"/>
-              </a:rPr>
-              <a:t>(</a:t>
-            </a:r>
-            <a:r>
-              <a:rPr lang="en-GB" sz="1662" b="1" dirty="0">
-                <a:solidFill>
-                  <a:schemeClr val="tx1"/>
-                </a:solidFill>
-                <a:latin typeface="Consolas"/>
-              </a:rPr>
-              <a:t>Res</a:t>
-            </a:r>
-            <a:r>
-              <a:rPr lang="en-GB" sz="1662" b="1" dirty="0">
-                <a:solidFill>
                   <a:srgbClr val="2B91AF"/>
                 </a:solidFill>
                 <a:latin typeface="Consolas"/>
               </a:rPr>
-              <a:t> </a:t>
-            </a:r>
-            <a:r>
-              <a:rPr lang="en-GB" sz="1662" b="1" dirty="0">
-                <a:solidFill>
-                  <a:srgbClr val="333399"/>
-                </a:solidFill>
-                <a:latin typeface="Consolas"/>
-              </a:rPr>
-              <a:t>+</a:t>
-            </a:r>
-            <a:r>
-              <a:rPr lang="en-GB" sz="1662" b="1" dirty="0">
-                <a:solidFill>
-                  <a:srgbClr val="2B91AF"/>
-                </a:solidFill>
-                <a:latin typeface="Consolas"/>
-              </a:rPr>
-              <a:t> </a:t>
+              <a:t> + </a:t>
             </a:r>
             <a:r>
               <a:rPr lang="en-GB" sz="1662" b="1" dirty="0">
@@ -35533,7 +35334,7 @@
                 </a:solidFill>
                 <a:latin typeface="Consolas"/>
               </a:rPr>
-              <a:t>" rows inserted"</a:t>
+              <a:t>" rows deleted"</a:t>
             </a:r>
             <a:r>
               <a:rPr lang="en-GB" sz="1662" b="1" dirty="0">
@@ -35550,7 +35351,7 @@
     </p:spTree>
     <p:extLst>
       <p:ext uri="{BB962C8B-B14F-4D97-AF65-F5344CB8AC3E}">
-        <p14:creationId xmlns:p14="http://schemas.microsoft.com/office/powerpoint/2010/main" val="4215403811"/>
+        <p14:creationId xmlns:p14="http://schemas.microsoft.com/office/powerpoint/2010/main" val="809652365"/>
       </p:ext>
     </p:extLst>
   </p:cSld>
@@ -35598,7 +35399,7 @@
             <a:pPr lvl="0"/>
             <a:r>
               <a:rPr lang="en-US" dirty="0"/>
-              <a:t>How to delete rows?</a:t>
+              <a:t>Scalar queries</a:t>
             </a:r>
             <a:endParaRPr lang="en-GB" dirty="0"/>
           </a:p>
@@ -35612,8 +35413,8 @@
         </p:nvSpPr>
         <p:spPr>
           <a:xfrm>
-            <a:off x="282692" y="1457254"/>
-            <a:ext cx="11485936" cy="3161635"/>
+            <a:off x="282692" y="1419366"/>
+            <a:ext cx="8225688" cy="3161635"/>
           </a:xfrm>
           <a:prstGeom prst="rect">
             <a:avLst/>
@@ -35786,479 +35587,6 @@
                 </a:solidFill>
                 <a:latin typeface="Consolas"/>
               </a:rPr>
-              <a:t>DELETE customers WHERE CustomerID='ID888'</a:t>
-            </a:r>
-            <a:r>
-              <a:rPr lang="en-GB" sz="1662" b="1" dirty="0">
-                <a:solidFill>
-                  <a:srgbClr val="333399"/>
-                </a:solidFill>
-                <a:latin typeface="Consolas"/>
-              </a:rPr>
-              <a:t>",</a:t>
-            </a:r>
-            <a:r>
-              <a:rPr lang="en-GB" sz="1662" b="1" dirty="0">
-                <a:solidFill>
-                  <a:srgbClr val="A31515"/>
-                </a:solidFill>
-                <a:latin typeface="Consolas"/>
-              </a:rPr>
-              <a:t> </a:t>
-            </a:r>
-            <a:r>
-              <a:rPr lang="en-GB" sz="1662" b="1" dirty="0" err="1">
-                <a:solidFill>
-                  <a:schemeClr val="tx1"/>
-                </a:solidFill>
-                <a:latin typeface="Consolas"/>
-              </a:rPr>
-              <a:t>Cn</a:t>
-            </a:r>
-            <a:r>
-              <a:rPr lang="en-GB" sz="1662" b="1" dirty="0">
-                <a:solidFill>
-                  <a:srgbClr val="333399"/>
-                </a:solidFill>
-                <a:latin typeface="Consolas"/>
-              </a:rPr>
-              <a:t>);</a:t>
-            </a:r>
-          </a:p>
-          <a:p>
-            <a:endParaRPr lang="en-GB" sz="1662" b="1" dirty="0">
-              <a:solidFill>
-                <a:srgbClr val="A31515"/>
-              </a:solidFill>
-              <a:latin typeface="Consolas"/>
-            </a:endParaRPr>
-          </a:p>
-          <a:p>
-            <a:r>
-              <a:rPr lang="en-GB" sz="1662" b="1" dirty="0" err="1">
-                <a:solidFill>
-                  <a:schemeClr val="tx1"/>
-                </a:solidFill>
-                <a:latin typeface="Consolas"/>
-              </a:rPr>
-              <a:t>Cn.Open</a:t>
-            </a:r>
-            <a:r>
-              <a:rPr lang="en-GB" sz="1662" b="1" dirty="0">
-                <a:solidFill>
-                  <a:schemeClr val="tx1"/>
-                </a:solidFill>
-                <a:latin typeface="Consolas"/>
-              </a:rPr>
-              <a:t>();</a:t>
-            </a:r>
-          </a:p>
-          <a:p>
-            <a:endParaRPr lang="en-GB" sz="1662" b="1" dirty="0">
-              <a:solidFill>
-                <a:schemeClr val="tx1"/>
-              </a:solidFill>
-              <a:latin typeface="Consolas"/>
-            </a:endParaRPr>
-          </a:p>
-          <a:p>
-            <a:r>
-              <a:rPr lang="en-GB" sz="1662" b="1" dirty="0" err="1">
-                <a:solidFill>
-                  <a:srgbClr val="0000FF"/>
-                </a:solidFill>
-                <a:latin typeface="Consolas"/>
-              </a:rPr>
-              <a:t>int</a:t>
-            </a:r>
-            <a:r>
-              <a:rPr lang="en-GB" sz="1662" b="1" dirty="0">
-                <a:solidFill>
-                  <a:srgbClr val="0000FF"/>
-                </a:solidFill>
-                <a:latin typeface="Consolas"/>
-              </a:rPr>
-              <a:t> </a:t>
-            </a:r>
-            <a:r>
-              <a:rPr lang="en-GB" sz="1662" b="1" dirty="0">
-                <a:solidFill>
-                  <a:schemeClr val="tx1"/>
-                </a:solidFill>
-                <a:latin typeface="Consolas"/>
-              </a:rPr>
-              <a:t>Res</a:t>
-            </a:r>
-            <a:r>
-              <a:rPr lang="en-GB" sz="1662" b="1" dirty="0">
-                <a:solidFill>
-                  <a:srgbClr val="0000FF"/>
-                </a:solidFill>
-                <a:latin typeface="Consolas"/>
-              </a:rPr>
-              <a:t> = </a:t>
-            </a:r>
-            <a:r>
-              <a:rPr lang="en-GB" sz="1662" b="1" dirty="0" err="1">
-                <a:solidFill>
-                  <a:srgbClr val="0000FF"/>
-                </a:solidFill>
-                <a:latin typeface="Consolas"/>
-              </a:rPr>
-              <a:t>Com.</a:t>
-            </a:r>
-            <a:r>
-              <a:rPr lang="en-GB" sz="1662" b="1" dirty="0" err="1">
-                <a:solidFill>
-                  <a:schemeClr val="tx1"/>
-                </a:solidFill>
-                <a:latin typeface="Consolas"/>
-              </a:rPr>
-              <a:t>ExecuteNonQuery</a:t>
-            </a:r>
-            <a:r>
-              <a:rPr lang="en-GB" sz="1662" b="1" dirty="0">
-                <a:solidFill>
-                  <a:srgbClr val="0000FF"/>
-                </a:solidFill>
-                <a:latin typeface="Consolas"/>
-              </a:rPr>
-              <a:t>();</a:t>
-            </a:r>
-          </a:p>
-          <a:p>
-            <a:endParaRPr lang="en-GB" sz="1662" b="1" dirty="0">
-              <a:solidFill>
-                <a:schemeClr val="tx1"/>
-              </a:solidFill>
-              <a:latin typeface="Consolas"/>
-            </a:endParaRPr>
-          </a:p>
-          <a:p>
-            <a:r>
-              <a:rPr lang="en-GB" sz="1662" b="1" dirty="0" err="1">
-                <a:solidFill>
-                  <a:schemeClr val="tx1"/>
-                </a:solidFill>
-                <a:latin typeface="Consolas"/>
-              </a:rPr>
-              <a:t>Cn.Close</a:t>
-            </a:r>
-            <a:r>
-              <a:rPr lang="en-GB" sz="1662" b="1" dirty="0">
-                <a:solidFill>
-                  <a:schemeClr val="tx1"/>
-                </a:solidFill>
-                <a:latin typeface="Consolas"/>
-              </a:rPr>
-              <a:t>();</a:t>
-            </a:r>
-          </a:p>
-          <a:p>
-            <a:endParaRPr lang="en-GB" sz="1662" b="1" dirty="0">
-              <a:solidFill>
-                <a:srgbClr val="2B91AF"/>
-              </a:solidFill>
-              <a:latin typeface="Consolas"/>
-            </a:endParaRPr>
-          </a:p>
-          <a:p>
-            <a:r>
-              <a:rPr lang="en-GB" sz="1662" b="1" dirty="0" err="1">
-                <a:solidFill>
-                  <a:srgbClr val="333399"/>
-                </a:solidFill>
-                <a:latin typeface="Consolas"/>
-              </a:rPr>
-              <a:t>Console.WriteLine</a:t>
-            </a:r>
-            <a:r>
-              <a:rPr lang="en-GB" sz="1662" b="1" dirty="0">
-                <a:solidFill>
-                  <a:srgbClr val="333399"/>
-                </a:solidFill>
-                <a:latin typeface="Consolas"/>
-              </a:rPr>
-              <a:t>(</a:t>
-            </a:r>
-            <a:r>
-              <a:rPr lang="en-GB" sz="1662" b="1" dirty="0">
-                <a:solidFill>
-                  <a:schemeClr val="tx1"/>
-                </a:solidFill>
-                <a:latin typeface="Consolas"/>
-              </a:rPr>
-              <a:t>Res</a:t>
-            </a:r>
-            <a:r>
-              <a:rPr lang="en-GB" sz="1662" b="1" dirty="0">
-                <a:solidFill>
-                  <a:srgbClr val="2B91AF"/>
-                </a:solidFill>
-                <a:latin typeface="Consolas"/>
-              </a:rPr>
-              <a:t> + </a:t>
-            </a:r>
-            <a:r>
-              <a:rPr lang="en-GB" sz="1662" b="1" dirty="0">
-                <a:solidFill>
-                  <a:srgbClr val="A31515"/>
-                </a:solidFill>
-                <a:latin typeface="Consolas"/>
-              </a:rPr>
-              <a:t>" rows deleted"</a:t>
-            </a:r>
-            <a:r>
-              <a:rPr lang="en-GB" sz="1662" b="1" dirty="0">
-                <a:solidFill>
-                  <a:srgbClr val="333399"/>
-                </a:solidFill>
-                <a:latin typeface="Consolas"/>
-              </a:rPr>
-              <a:t>);</a:t>
-            </a:r>
-          </a:p>
-        </p:txBody>
-      </p:sp>
-    </p:spTree>
-    <p:extLst>
-      <p:ext uri="{BB962C8B-B14F-4D97-AF65-F5344CB8AC3E}">
-        <p14:creationId xmlns:p14="http://schemas.microsoft.com/office/powerpoint/2010/main" val="809652365"/>
-      </p:ext>
-    </p:extLst>
-  </p:cSld>
-  <p:clrMapOvr>
-    <a:masterClrMapping/>
-  </p:clrMapOvr>
-  <p:transition spd="slow">
-    <p:fade/>
-  </p:transition>
-</p:sld>
-</file>
-
-<file path=ppt/slides/slide12.xml><?xml version="1.0" encoding="utf-8"?>
-<p:sld xmlns:a="http://schemas.openxmlformats.org/drawingml/2006/main" xmlns:r="http://schemas.openxmlformats.org/officeDocument/2006/relationships" xmlns:p="http://schemas.openxmlformats.org/presentationml/2006/main">
-  <p:cSld>
-    <p:spTree>
-      <p:nvGrpSpPr>
-        <p:cNvPr id="1" name=""/>
-        <p:cNvGrpSpPr/>
-        <p:nvPr/>
-      </p:nvGrpSpPr>
-      <p:grpSpPr>
-        <a:xfrm>
-          <a:off x="0" y="0"/>
-          <a:ext cx="0" cy="0"/>
-          <a:chOff x="0" y="0"/>
-          <a:chExt cx="0" cy="0"/>
-        </a:xfrm>
-      </p:grpSpPr>
-      <p:sp>
-        <p:nvSpPr>
-          <p:cNvPr id="8" name="Title 7"/>
-          <p:cNvSpPr>
-            <a:spLocks noGrp="1"/>
-          </p:cNvSpPr>
-          <p:nvPr>
-            <p:ph type="title"/>
-          </p:nvPr>
-        </p:nvSpPr>
-        <p:spPr/>
-        <p:txBody>
-          <a:bodyPr/>
-          <a:lstStyle/>
-          <a:p>
-            <a:pPr lvl="0"/>
-            <a:r>
-              <a:rPr lang="en-US" dirty="0"/>
-              <a:t>Scalar queries</a:t>
-            </a:r>
-            <a:endParaRPr lang="en-GB" dirty="0"/>
-          </a:p>
-        </p:txBody>
-      </p:sp>
-      <p:sp>
-        <p:nvSpPr>
-          <p:cNvPr id="5" name="Rectangle 4"/>
-          <p:cNvSpPr/>
-          <p:nvPr/>
-        </p:nvSpPr>
-        <p:spPr>
-          <a:xfrm>
-            <a:off x="282692" y="1419366"/>
-            <a:ext cx="11485936" cy="3161635"/>
-          </a:xfrm>
-          <a:prstGeom prst="rect">
-            <a:avLst/>
-          </a:prstGeom>
-          <a:solidFill>
-            <a:schemeClr val="bg1">
-              <a:lumMod val="95000"/>
-            </a:schemeClr>
-          </a:solidFill>
-        </p:spPr>
-        <p:style>
-          <a:lnRef idx="0">
-            <a:schemeClr val="accent3"/>
-          </a:lnRef>
-          <a:fillRef idx="3">
-            <a:schemeClr val="accent3"/>
-          </a:fillRef>
-          <a:effectRef idx="3">
-            <a:schemeClr val="accent3"/>
-          </a:effectRef>
-          <a:fontRef idx="minor">
-            <a:schemeClr val="lt1"/>
-          </a:fontRef>
-        </p:style>
-        <p:txBody>
-          <a:bodyPr wrap="square">
-            <a:spAutoFit/>
-          </a:bodyPr>
-          <a:lstStyle/>
-          <a:p>
-            <a:r>
-              <a:rPr lang="en-GB" sz="1662" b="1" dirty="0" err="1">
-                <a:solidFill>
-                  <a:srgbClr val="333399"/>
-                </a:solidFill>
-                <a:latin typeface="Consolas"/>
-              </a:rPr>
-              <a:t>SqlConnection</a:t>
-            </a:r>
-            <a:r>
-              <a:rPr lang="en-GB" sz="1662" b="1" dirty="0">
-                <a:solidFill>
-                  <a:srgbClr val="333399"/>
-                </a:solidFill>
-                <a:latin typeface="Consolas"/>
-              </a:rPr>
-              <a:t> </a:t>
-            </a:r>
-            <a:r>
-              <a:rPr lang="en-GB" sz="1662" b="1" dirty="0" err="1">
-                <a:solidFill>
-                  <a:schemeClr val="tx1"/>
-                </a:solidFill>
-                <a:latin typeface="Consolas"/>
-              </a:rPr>
-              <a:t>Cn</a:t>
-            </a:r>
-            <a:r>
-              <a:rPr lang="en-GB" sz="1662" b="1" dirty="0">
-                <a:solidFill>
-                  <a:schemeClr val="tx1"/>
-                </a:solidFill>
-                <a:latin typeface="Consolas"/>
-              </a:rPr>
-              <a:t>; 	</a:t>
-            </a:r>
-            <a:r>
-              <a:rPr lang="en-GB" sz="1662" b="1" dirty="0">
-                <a:solidFill>
-                  <a:srgbClr val="00B050"/>
-                </a:solidFill>
-                <a:latin typeface="Consolas"/>
-              </a:rPr>
-              <a:t>// then instantiate the connection object</a:t>
-            </a:r>
-            <a:br>
-              <a:rPr lang="en-GB" sz="1662" b="1" dirty="0">
-                <a:solidFill>
-                  <a:srgbClr val="00B050"/>
-                </a:solidFill>
-                <a:latin typeface="Consolas"/>
-              </a:rPr>
-            </a:br>
-            <a:endParaRPr lang="en-GB" sz="1662" b="1" dirty="0">
-              <a:solidFill>
-                <a:srgbClr val="333399"/>
-              </a:solidFill>
-              <a:latin typeface="Consolas"/>
-            </a:endParaRPr>
-          </a:p>
-          <a:p>
-            <a:r>
-              <a:rPr lang="en-GB" sz="1662" b="1" dirty="0" err="1">
-                <a:solidFill>
-                  <a:srgbClr val="333399"/>
-                </a:solidFill>
-                <a:latin typeface="Consolas"/>
-              </a:rPr>
-              <a:t>SqlCommand</a:t>
-            </a:r>
-            <a:r>
-              <a:rPr lang="en-GB" sz="1662" b="1" dirty="0">
-                <a:solidFill>
-                  <a:srgbClr val="2B91AF"/>
-                </a:solidFill>
-                <a:latin typeface="Consolas"/>
-              </a:rPr>
-              <a:t> </a:t>
-            </a:r>
-            <a:r>
-              <a:rPr lang="en-GB" sz="1662" b="1" dirty="0">
-                <a:solidFill>
-                  <a:schemeClr val="tx1"/>
-                </a:solidFill>
-                <a:latin typeface="Consolas"/>
-              </a:rPr>
-              <a:t>Com</a:t>
-            </a:r>
-            <a:r>
-              <a:rPr lang="en-GB" sz="1662" b="1" dirty="0">
-                <a:solidFill>
-                  <a:srgbClr val="2B91AF"/>
-                </a:solidFill>
-                <a:latin typeface="Consolas"/>
-              </a:rPr>
-              <a:t> = </a:t>
-            </a:r>
-          </a:p>
-          <a:p>
-            <a:r>
-              <a:rPr lang="en-GB" sz="1662" b="1" dirty="0">
-                <a:solidFill>
-                  <a:srgbClr val="2B91AF"/>
-                </a:solidFill>
-                <a:latin typeface="Consolas"/>
-              </a:rPr>
-              <a:t>	</a:t>
-            </a:r>
-            <a:r>
-              <a:rPr lang="en-GB" sz="1662" b="1" dirty="0">
-                <a:solidFill>
-                  <a:srgbClr val="0000FF"/>
-                </a:solidFill>
-                <a:latin typeface="Consolas"/>
-              </a:rPr>
-              <a:t>new </a:t>
-            </a:r>
-            <a:r>
-              <a:rPr lang="en-GB" sz="1662" b="1" dirty="0" err="1">
-                <a:solidFill>
-                  <a:srgbClr val="333399"/>
-                </a:solidFill>
-                <a:latin typeface="Consolas"/>
-              </a:rPr>
-              <a:t>SqlCommand</a:t>
-            </a:r>
-            <a:r>
-              <a:rPr lang="en-GB" sz="1662" b="1" dirty="0">
-                <a:solidFill>
-                  <a:srgbClr val="333399"/>
-                </a:solidFill>
-                <a:latin typeface="Consolas"/>
-              </a:rPr>
-              <a:t>("</a:t>
-            </a:r>
-            <a:r>
-              <a:rPr lang="en-GB" sz="1662" b="1" dirty="0">
-                <a:solidFill>
-                  <a:srgbClr val="A31515"/>
-                </a:solidFill>
-                <a:latin typeface="Consolas"/>
-              </a:rPr>
               <a:t>SELECT Count(*) FROM customers</a:t>
             </a:r>
             <a:r>
@@ -36519,8 +35847,8 @@
         </p:nvSpPr>
         <p:spPr>
           <a:xfrm>
-            <a:off x="556273" y="4830970"/>
-            <a:ext cx="10984203" cy="376385"/>
+            <a:off x="282692" y="4830970"/>
+            <a:ext cx="8225688" cy="660437"/>
           </a:xfrm>
           <a:prstGeom prst="rect">
             <a:avLst/>
@@ -36528,17 +35856,17 @@
           <a:ln/>
         </p:spPr>
         <p:style>
-          <a:lnRef idx="2">
-            <a:schemeClr val="accent1"/>
+          <a:lnRef idx="0">
+            <a:schemeClr val="dk1"/>
           </a:lnRef>
-          <a:fillRef idx="1">
-            <a:schemeClr val="lt1"/>
+          <a:fillRef idx="3">
+            <a:schemeClr val="dk1"/>
           </a:fillRef>
-          <a:effectRef idx="0">
-            <a:schemeClr val="accent1"/>
+          <a:effectRef idx="3">
+            <a:schemeClr val="dk1"/>
           </a:effectRef>
           <a:fontRef idx="minor">
-            <a:schemeClr val="dk1"/>
+            <a:schemeClr val="lt1"/>
           </a:fontRef>
         </p:style>
         <p:txBody>
@@ -36615,20 +35943,51 @@
           </a:lstStyle>
           <a:p>
             <a:r>
-              <a:rPr lang="en-GB" b="1" dirty="0"/>
+              <a:rPr lang="en-GB" b="1" dirty="0">
+                <a:solidFill>
+                  <a:schemeClr val="bg1"/>
+                </a:solidFill>
+              </a:rPr>
               <a:t>Note: 	</a:t>
             </a:r>
             <a:r>
-              <a:rPr lang="en-GB" b="1" dirty="0" err="1"/>
+              <a:rPr lang="en-GB" b="1" dirty="0" err="1">
+                <a:solidFill>
+                  <a:schemeClr val="bg1"/>
+                </a:solidFill>
+              </a:rPr>
               <a:t>ExecuteScalar</a:t>
             </a:r>
             <a:r>
-              <a:rPr lang="en-GB" b="1" dirty="0"/>
+              <a:rPr lang="en-GB" b="1" dirty="0">
+                <a:solidFill>
+                  <a:schemeClr val="bg1"/>
+                </a:solidFill>
+              </a:rPr>
               <a:t>() </a:t>
             </a:r>
             <a:r>
-              <a:rPr lang="en-GB" dirty="0"/>
-              <a:t>Returns and Object. Casting is required.</a:t>
+              <a:rPr lang="en-GB" dirty="0">
+                <a:solidFill>
+                  <a:schemeClr val="bg1"/>
+                </a:solidFill>
+              </a:rPr>
+              <a:t>Returns an Object. </a:t>
+            </a:r>
+            <a:br>
+              <a:rPr lang="en-GB" dirty="0">
+                <a:solidFill>
+                  <a:schemeClr val="bg1"/>
+                </a:solidFill>
+              </a:rPr>
+            </a:br>
+            <a:r>
+              <a:rPr lang="en-GB" dirty="0">
+                <a:solidFill>
+                  <a:schemeClr val="bg1"/>
+                </a:solidFill>
+              </a:rPr>
+              <a:t>	Casting is required.</a:t>
             </a:r>
           </a:p>
         </p:txBody>
@@ -36637,6 +35996,122 @@
     <p:extLst>
       <p:ext uri="{BB962C8B-B14F-4D97-AF65-F5344CB8AC3E}">
         <p14:creationId xmlns:p14="http://schemas.microsoft.com/office/powerpoint/2010/main" val="2188928912"/>
+      </p:ext>
+    </p:extLst>
+  </p:cSld>
+  <p:clrMapOvr>
+    <a:masterClrMapping/>
+  </p:clrMapOvr>
+  <p:transition spd="slow">
+    <p:fade/>
+  </p:transition>
+</p:sld>
+</file>
+
+<file path=ppt/slides/slide12.xml><?xml version="1.0" encoding="utf-8"?>
+<p:sld xmlns:a="http://schemas.openxmlformats.org/drawingml/2006/main" xmlns:r="http://schemas.openxmlformats.org/officeDocument/2006/relationships" xmlns:p="http://schemas.openxmlformats.org/presentationml/2006/main">
+  <p:cSld>
+    <p:spTree>
+      <p:nvGrpSpPr>
+        <p:cNvPr id="1" name=""/>
+        <p:cNvGrpSpPr/>
+        <p:nvPr/>
+      </p:nvGrpSpPr>
+      <p:grpSpPr>
+        <a:xfrm>
+          <a:off x="0" y="0"/>
+          <a:ext cx="0" cy="0"/>
+          <a:chOff x="0" y="0"/>
+          <a:chExt cx="0" cy="0"/>
+        </a:xfrm>
+      </p:grpSpPr>
+      <p:sp>
+        <p:nvSpPr>
+          <p:cNvPr id="3075" name="Rectangle 2"/>
+          <p:cNvSpPr>
+            <a:spLocks noGrp="1" noChangeArrowheads="1"/>
+          </p:cNvSpPr>
+          <p:nvPr>
+            <p:ph type="title"/>
+          </p:nvPr>
+        </p:nvSpPr>
+        <p:spPr/>
+        <p:txBody>
+          <a:bodyPr/>
+          <a:lstStyle/>
+          <a:p>
+            <a:r>
+              <a:rPr lang="en-GB" dirty="0"/>
+              <a:t>Module Review</a:t>
+            </a:r>
+            <a:endParaRPr lang="en-US" dirty="0"/>
+          </a:p>
+        </p:txBody>
+      </p:sp>
+      <p:sp>
+        <p:nvSpPr>
+          <p:cNvPr id="3076" name="Rectangle 3"/>
+          <p:cNvSpPr>
+            <a:spLocks noGrp="1" noChangeArrowheads="1"/>
+          </p:cNvSpPr>
+          <p:nvPr>
+            <p:ph idx="1"/>
+          </p:nvPr>
+        </p:nvSpPr>
+        <p:spPr/>
+        <p:txBody>
+          <a:bodyPr/>
+          <a:lstStyle/>
+          <a:p>
+            <a:pPr>
+              <a:buNone/>
+            </a:pPr>
+            <a:r>
+              <a:rPr lang="en-GB" b="1" dirty="0"/>
+              <a:t>In this module you learned about the ADO.NET’s Disconnected model</a:t>
+            </a:r>
+          </a:p>
+          <a:p>
+            <a:pPr lvl="1"/>
+            <a:r>
+              <a:rPr lang="en-GB" dirty="0"/>
+              <a:t>Connect  and read data into a client-side cursor in memory </a:t>
+            </a:r>
+          </a:p>
+          <a:p>
+            <a:pPr lvl="1"/>
+            <a:r>
+              <a:rPr lang="en-GB" dirty="0"/>
+              <a:t>How to manipulate the disconnected data</a:t>
+            </a:r>
+          </a:p>
+          <a:p>
+            <a:pPr lvl="2"/>
+            <a:r>
+              <a:rPr lang="en-GB" dirty="0"/>
+              <a:t>Read and navigate through rows</a:t>
+            </a:r>
+          </a:p>
+          <a:p>
+            <a:pPr lvl="2"/>
+            <a:r>
+              <a:rPr lang="en-GB" dirty="0"/>
+              <a:t>Execute additional queries on the client side</a:t>
+            </a:r>
+          </a:p>
+          <a:p>
+            <a:pPr lvl="2"/>
+            <a:r>
+              <a:rPr lang="en-GB" dirty="0"/>
+              <a:t>Update databases with changes</a:t>
+            </a:r>
+          </a:p>
+        </p:txBody>
+      </p:sp>
+    </p:spTree>
+    <p:extLst>
+      <p:ext uri="{BB962C8B-B14F-4D97-AF65-F5344CB8AC3E}">
+        <p14:creationId xmlns:p14="http://schemas.microsoft.com/office/powerpoint/2010/main" val="803901636"/>
       </p:ext>
     </p:extLst>
   </p:cSld>
@@ -36668,134 +36143,6 @@
       </p:grpSpPr>
       <p:sp>
         <p:nvSpPr>
-          <p:cNvPr id="3075" name="Rectangle 2"/>
-          <p:cNvSpPr>
-            <a:spLocks noGrp="1" noChangeArrowheads="1"/>
-          </p:cNvSpPr>
-          <p:nvPr>
-            <p:ph type="title"/>
-          </p:nvPr>
-        </p:nvSpPr>
-        <p:spPr/>
-        <p:txBody>
-          <a:bodyPr/>
-          <a:lstStyle/>
-          <a:p>
-            <a:r>
-              <a:rPr lang="en-GB" dirty="0"/>
-              <a:t>Module objectives</a:t>
-            </a:r>
-            <a:endParaRPr lang="en-US" dirty="0"/>
-          </a:p>
-        </p:txBody>
-      </p:sp>
-      <p:sp>
-        <p:nvSpPr>
-          <p:cNvPr id="3076" name="Rectangle 3"/>
-          <p:cNvSpPr>
-            <a:spLocks noGrp="1" noChangeArrowheads="1"/>
-          </p:cNvSpPr>
-          <p:nvPr>
-            <p:ph idx="1"/>
-          </p:nvPr>
-        </p:nvSpPr>
-        <p:spPr/>
-        <p:txBody>
-          <a:bodyPr/>
-          <a:lstStyle/>
-          <a:p>
-            <a:pPr>
-              <a:buNone/>
-            </a:pPr>
-            <a:r>
-              <a:rPr lang="en-GB" b="1" dirty="0"/>
-              <a:t>After completing this module you will be able to:</a:t>
-            </a:r>
-          </a:p>
-          <a:p>
-            <a:r>
-              <a:rPr lang="en-GB" dirty="0"/>
-              <a:t>Describe how to use the ADO.NET’s Disconnected model</a:t>
-            </a:r>
-          </a:p>
-          <a:p>
-            <a:r>
-              <a:rPr lang="en-GB" dirty="0"/>
-              <a:t>Demonstrate how to:</a:t>
-            </a:r>
-          </a:p>
-          <a:p>
-            <a:pPr lvl="1"/>
-            <a:r>
-              <a:rPr lang="en-GB" dirty="0"/>
-              <a:t>Connect  and read data into a client side cursor in memory </a:t>
-            </a:r>
-          </a:p>
-          <a:p>
-            <a:pPr lvl="1"/>
-            <a:r>
-              <a:rPr lang="en-GB" dirty="0"/>
-              <a:t>How to manipulate the disconnected data</a:t>
-            </a:r>
-          </a:p>
-          <a:p>
-            <a:pPr lvl="2"/>
-            <a:r>
-              <a:rPr lang="en-GB" dirty="0"/>
-              <a:t>Read and navigate through rows</a:t>
-            </a:r>
-          </a:p>
-          <a:p>
-            <a:pPr lvl="2"/>
-            <a:r>
-              <a:rPr lang="en-GB" dirty="0"/>
-              <a:t>Execute additional queries on the client side</a:t>
-            </a:r>
-          </a:p>
-          <a:p>
-            <a:pPr lvl="2"/>
-            <a:r>
-              <a:rPr lang="en-GB" dirty="0"/>
-              <a:t>Update databases with changes</a:t>
-            </a:r>
-          </a:p>
-        </p:txBody>
-      </p:sp>
-    </p:spTree>
-    <p:extLst>
-      <p:ext uri="{BB962C8B-B14F-4D97-AF65-F5344CB8AC3E}">
-        <p14:creationId xmlns:p14="http://schemas.microsoft.com/office/powerpoint/2010/main" val="803901636"/>
-      </p:ext>
-    </p:extLst>
-  </p:cSld>
-  <p:clrMapOvr>
-    <a:masterClrMapping/>
-  </p:clrMapOvr>
-  <p:transition spd="slow">
-    <p:fade/>
-  </p:transition>
-</p:sld>
-</file>
-
-<file path=ppt/slides/slide14.xml><?xml version="1.0" encoding="utf-8"?>
-<p:sld xmlns:a="http://schemas.openxmlformats.org/drawingml/2006/main" xmlns:r="http://schemas.openxmlformats.org/officeDocument/2006/relationships" xmlns:p="http://schemas.openxmlformats.org/presentationml/2006/main">
-  <p:cSld>
-    <p:spTree>
-      <p:nvGrpSpPr>
-        <p:cNvPr id="1" name=""/>
-        <p:cNvGrpSpPr/>
-        <p:nvPr/>
-      </p:nvGrpSpPr>
-      <p:grpSpPr>
-        <a:xfrm>
-          <a:off x="0" y="0"/>
-          <a:ext cx="0" cy="0"/>
-          <a:chOff x="0" y="0"/>
-          <a:chExt cx="0" cy="0"/>
-        </a:xfrm>
-      </p:grpSpPr>
-      <p:sp>
-        <p:nvSpPr>
           <p:cNvPr id="2" name="Slide Number Placeholder 1"/>
           <p:cNvSpPr>
             <a:spLocks noGrp="1"/>
@@ -36812,7 +36159,7 @@
             <a:fld id="{EF892D59-8F09-EF4B-AD6D-DA609442F868}" type="slidenum">
               <a:rPr lang="en-GB" smtClean="0"/>
               <a:pPr/>
-              <a:t>14</a:t>
+              <a:t>13</a:t>
             </a:fld>
             <a:endParaRPr lang="en-GB" dirty="0"/>
           </a:p>
@@ -36909,7 +36256,7 @@
         <p:spPr>
           <a:xfrm>
             <a:off x="227308" y="1349984"/>
-            <a:ext cx="3569777" cy="2862322"/>
+            <a:ext cx="3569777" cy="2308324"/>
           </a:xfrm>
           <a:prstGeom prst="rect">
             <a:avLst/>
@@ -36923,10 +36270,9 @@
           <a:p>
             <a:r>
               <a:rPr lang="en-US" sz="3600" dirty="0">
-                <a:latin typeface="Krana Fat B" panose="00000B00000000000000" pitchFamily="50" charset="0"/>
                 <a:cs typeface="Arial" charset="0"/>
               </a:rPr>
-              <a:t>INTRODUCTION TO ACCESSING DATABASES USING .NET</a:t>
+              <a:t>.NET CONNECTED MODEL</a:t>
             </a:r>
             <a:br>
               <a:rPr lang="en-US" sz="3600" dirty="0">
@@ -37054,82 +36400,18 @@
       </p:grpSpPr>
       <p:sp>
         <p:nvSpPr>
-          <p:cNvPr id="4098" name="Title 1"/>
+          <p:cNvPr id="2" name="Text Placeholder 1">
+            <a:extLst>
+              <a:ext uri="{FF2B5EF4-FFF2-40B4-BE49-F238E27FC236}">
+                <a16:creationId xmlns:a16="http://schemas.microsoft.com/office/drawing/2014/main" id="{0E212B0E-4969-69D2-0B2A-D7C7905C6D12}"/>
+              </a:ext>
+            </a:extLst>
+          </p:cNvPr>
           <p:cNvSpPr>
             <a:spLocks noGrp="1"/>
           </p:cNvSpPr>
           <p:nvPr>
-            <p:ph type="ctrTitle"/>
-          </p:nvPr>
-        </p:nvSpPr>
-        <p:spPr>
-          <a:xfrm>
-            <a:off x="376238" y="2067007"/>
-            <a:ext cx="6664642" cy="2353439"/>
-          </a:xfrm>
-        </p:spPr>
-        <p:txBody>
-          <a:bodyPr/>
-          <a:lstStyle/>
-          <a:p>
-            <a:r>
-              <a:rPr lang="en-US" sz="5600" dirty="0">
-                <a:cs typeface="Arial" charset="0"/>
-              </a:rPr>
-              <a:t>.NET CONNECTED MODEL</a:t>
-            </a:r>
-            <a:br>
-              <a:rPr lang="en-US" sz="5600" dirty="0">
-                <a:cs typeface="Arial" charset="0"/>
-              </a:rPr>
-            </a:br>
-            <a:r>
-              <a:rPr lang="en-US" sz="5600" dirty="0">
-                <a:cs typeface="Arial" charset="0"/>
-              </a:rPr>
-              <a:t>USING C#</a:t>
-            </a:r>
-          </a:p>
-        </p:txBody>
-      </p:sp>
-    </p:spTree>
-    <p:extLst>
-      <p:ext uri="{BB962C8B-B14F-4D97-AF65-F5344CB8AC3E}">
-        <p14:creationId xmlns:p14="http://schemas.microsoft.com/office/powerpoint/2010/main" val="125623305"/>
-      </p:ext>
-    </p:extLst>
-  </p:cSld>
-  <p:clrMapOvr>
-    <a:masterClrMapping/>
-  </p:clrMapOvr>
-</p:sld>
-</file>
-
-<file path=ppt/slides/slide4.xml><?xml version="1.0" encoding="utf-8"?>
-<p:sld xmlns:a="http://schemas.openxmlformats.org/drawingml/2006/main" xmlns:r="http://schemas.openxmlformats.org/officeDocument/2006/relationships" xmlns:p="http://schemas.openxmlformats.org/presentationml/2006/main">
-  <p:cSld>
-    <p:spTree>
-      <p:nvGrpSpPr>
-        <p:cNvPr id="1" name=""/>
-        <p:cNvGrpSpPr/>
-        <p:nvPr/>
-      </p:nvGrpSpPr>
-      <p:grpSpPr>
-        <a:xfrm>
-          <a:off x="0" y="0"/>
-          <a:ext cx="0" cy="0"/>
-          <a:chOff x="0" y="0"/>
-          <a:chExt cx="0" cy="0"/>
-        </a:xfrm>
-      </p:grpSpPr>
-      <p:sp>
-        <p:nvSpPr>
-          <p:cNvPr id="3075" name="Rectangle 2"/>
-          <p:cNvSpPr>
-            <a:spLocks noGrp="1" noChangeArrowheads="1"/>
-          </p:cNvSpPr>
-          <p:nvPr>
-            <p:ph type="title"/>
+            <p:ph type="body" sz="quarter" idx="15"/>
           </p:nvPr>
         </p:nvSpPr>
         <p:spPr/>
@@ -37138,10 +36420,56 @@
           <a:lstStyle/>
           <a:p>
             <a:r>
+              <a:rPr lang="en-GB" b="1" dirty="0"/>
+              <a:t>After completing this module you will be able to:</a:t>
+            </a:r>
+          </a:p>
+          <a:p>
+            <a:r>
               <a:rPr lang="en-GB" dirty="0"/>
-              <a:t>Module objectives</a:t>
-            </a:r>
-            <a:endParaRPr lang="en-US" dirty="0"/>
+              <a:t>Describe how to use </a:t>
+            </a:r>
+            <a:r>
+              <a:rPr lang="en-GB" dirty="0" err="1"/>
+              <a:t>the.NET’s</a:t>
+            </a:r>
+            <a:r>
+              <a:rPr lang="en-GB" dirty="0"/>
+              <a:t> Connected model</a:t>
+            </a:r>
+          </a:p>
+          <a:p>
+            <a:endParaRPr lang="en-GB" dirty="0"/>
+          </a:p>
+          <a:p>
+            <a:r>
+              <a:rPr lang="en-GB" dirty="0"/>
+              <a:t>Demonstrate </a:t>
+            </a:r>
+          </a:p>
+          <a:p>
+            <a:pPr lvl="1"/>
+            <a:r>
+              <a:rPr lang="en-GB" dirty="0"/>
+              <a:t>How to connect to databases</a:t>
+            </a:r>
+          </a:p>
+          <a:p>
+            <a:pPr lvl="1"/>
+            <a:r>
+              <a:rPr lang="en-GB" dirty="0"/>
+              <a:t>How to read data</a:t>
+            </a:r>
+          </a:p>
+          <a:p>
+            <a:pPr lvl="1"/>
+            <a:r>
+              <a:rPr lang="en-GB" dirty="0"/>
+              <a:t>Your ability to update databases</a:t>
+            </a:r>
+          </a:p>
+          <a:p>
+            <a:endParaRPr lang="en-GB" dirty="0"/>
           </a:p>
         </p:txBody>
       </p:sp>
@@ -37152,7 +36480,7 @@
             <a:spLocks noGrp="1" noChangeArrowheads="1"/>
           </p:cNvSpPr>
           <p:nvPr>
-            <p:ph idx="1"/>
+            <p:ph type="body" sz="quarter" idx="10"/>
           </p:nvPr>
         </p:nvSpPr>
         <p:spPr/>
@@ -37164,48 +36492,169 @@
               <a:buNone/>
             </a:pPr>
             <a:r>
-              <a:rPr lang="en-GB" b="1" dirty="0"/>
-              <a:t>After completing this module you will be able to:</a:t>
-            </a:r>
-          </a:p>
-          <a:p>
-            <a:r>
               <a:rPr lang="en-GB" dirty="0"/>
-              <a:t>Describe how to use the ADO.NET’s Connected model</a:t>
-            </a:r>
-          </a:p>
+              <a:t>Objectives</a:t>
+            </a:r>
+          </a:p>
+        </p:txBody>
+      </p:sp>
+      <p:sp>
+        <p:nvSpPr>
+          <p:cNvPr id="3075" name="Rectangle 2"/>
+          <p:cNvSpPr>
+            <a:spLocks noGrp="1" noChangeArrowheads="1"/>
+          </p:cNvSpPr>
+          <p:nvPr>
+            <p:ph type="title" idx="4294967295"/>
+          </p:nvPr>
+        </p:nvSpPr>
+        <p:spPr>
+          <a:xfrm>
+            <a:off x="674688" y="561975"/>
+            <a:ext cx="11517312" cy="804863"/>
+          </a:xfrm>
+        </p:spPr>
+        <p:txBody>
+          <a:bodyPr/>
+          <a:lstStyle/>
           <a:p>
             <a:r>
               <a:rPr lang="en-GB" dirty="0"/>
-              <a:t>Demonstrate </a:t>
-            </a:r>
-          </a:p>
-          <a:p>
-            <a:pPr lvl="1"/>
-            <a:r>
-              <a:rPr lang="en-GB" dirty="0"/>
-              <a:t>How to connect to databases</a:t>
-            </a:r>
-          </a:p>
-          <a:p>
-            <a:pPr lvl="1"/>
-            <a:r>
-              <a:rPr lang="en-GB" dirty="0"/>
-              <a:t>How to read data</a:t>
-            </a:r>
-          </a:p>
-          <a:p>
-            <a:pPr lvl="1"/>
-            <a:r>
-              <a:rPr lang="en-GB" dirty="0"/>
-              <a:t>Your ability to update databases by issuing commends</a:t>
-            </a:r>
-          </a:p>
-          <a:p>
-            <a:pPr>
-              <a:buNone/>
-            </a:pPr>
-            <a:endParaRPr lang="en-GB" dirty="0"/>
+              <a:t>Module objectives</a:t>
+            </a:r>
+            <a:endParaRPr lang="en-US" dirty="0"/>
+          </a:p>
+        </p:txBody>
+      </p:sp>
+      <p:sp>
+        <p:nvSpPr>
+          <p:cNvPr id="3" name="Rectangle 2" descr="Document">
+            <a:extLst>
+              <a:ext uri="{FF2B5EF4-FFF2-40B4-BE49-F238E27FC236}">
+                <a16:creationId xmlns:a16="http://schemas.microsoft.com/office/drawing/2014/main" id="{6B5C03ED-6E60-AFBB-7491-C2BDFC6759FE}"/>
+              </a:ext>
+            </a:extLst>
+          </p:cNvPr>
+          <p:cNvSpPr/>
+          <p:nvPr/>
+        </p:nvSpPr>
+        <p:spPr>
+          <a:xfrm>
+            <a:off x="4125996" y="2981387"/>
+            <a:ext cx="796640" cy="700120"/>
+          </a:xfrm>
+          <a:prstGeom prst="rect">
+            <a:avLst/>
+          </a:prstGeom>
+          <a:blipFill>
+            <a:blip r:embed="rId3">
+              <a:extLst>
+                <a:ext uri="{28A0092B-C50C-407E-A947-70E740481C1C}">
+                  <a14:useLocalDpi xmlns:a14="http://schemas.microsoft.com/office/drawing/2010/main" val="0"/>
+                </a:ext>
+                <a:ext uri="{96DAC541-7B7A-43D3-8B79-37D633B846F1}">
+                  <asvg:svgBlip xmlns:asvg="http://schemas.microsoft.com/office/drawing/2016/SVG/main" r:embed="rId4"/>
+                </a:ext>
+              </a:extLst>
+            </a:blip>
+            <a:stretch>
+              <a:fillRect/>
+            </a:stretch>
+          </a:blipFill>
+          <a:ln>
+            <a:noFill/>
+          </a:ln>
+        </p:spPr>
+        <p:style>
+          <a:lnRef idx="2">
+            <a:scrgbClr r="0" g="0" b="0"/>
+          </a:lnRef>
+          <a:fillRef idx="1">
+            <a:scrgbClr r="0" g="0" b="0"/>
+          </a:fillRef>
+          <a:effectRef idx="0">
+            <a:schemeClr val="accent2">
+              <a:hueOff val="0"/>
+              <a:satOff val="0"/>
+              <a:lumOff val="0"/>
+              <a:alphaOff val="0"/>
+            </a:schemeClr>
+          </a:effectRef>
+          <a:fontRef idx="minor">
+            <a:schemeClr val="lt1"/>
+          </a:fontRef>
+        </p:style>
+        <p:txBody>
+          <a:bodyPr/>
+          <a:lstStyle/>
+          <a:p>
+            <a:endParaRPr lang="en-GB"/>
+          </a:p>
+        </p:txBody>
+      </p:sp>
+      <p:sp>
+        <p:nvSpPr>
+          <p:cNvPr id="4" name="Rectangle 3" descr="Bullseye">
+            <a:extLst>
+              <a:ext uri="{FF2B5EF4-FFF2-40B4-BE49-F238E27FC236}">
+                <a16:creationId xmlns:a16="http://schemas.microsoft.com/office/drawing/2014/main" id="{258F6F96-7F14-09BF-65C4-51F711332AE8}"/>
+              </a:ext>
+            </a:extLst>
+          </p:cNvPr>
+          <p:cNvSpPr/>
+          <p:nvPr/>
+        </p:nvSpPr>
+        <p:spPr>
+          <a:xfrm>
+            <a:off x="4146316" y="1548827"/>
+            <a:ext cx="796640" cy="801720"/>
+          </a:xfrm>
+          <a:prstGeom prst="rect">
+            <a:avLst/>
+          </a:prstGeom>
+          <a:blipFill>
+            <a:blip r:embed="rId5">
+              <a:extLst>
+                <a:ext uri="{28A0092B-C50C-407E-A947-70E740481C1C}">
+                  <a14:useLocalDpi xmlns:a14="http://schemas.microsoft.com/office/drawing/2010/main" val="0"/>
+                </a:ext>
+                <a:ext uri="{96DAC541-7B7A-43D3-8B79-37D633B846F1}">
+                  <asvg:svgBlip xmlns:asvg="http://schemas.microsoft.com/office/drawing/2016/SVG/main" r:embed="rId6"/>
+                </a:ext>
+              </a:extLst>
+            </a:blip>
+            <a:stretch>
+              <a:fillRect/>
+            </a:stretch>
+          </a:blipFill>
+          <a:ln>
+            <a:noFill/>
+          </a:ln>
+        </p:spPr>
+        <p:style>
+          <a:lnRef idx="2">
+            <a:scrgbClr r="0" g="0" b="0"/>
+          </a:lnRef>
+          <a:fillRef idx="1">
+            <a:scrgbClr r="0" g="0" b="0"/>
+          </a:fillRef>
+          <a:effectRef idx="0">
+            <a:schemeClr val="accent2">
+              <a:hueOff val="0"/>
+              <a:satOff val="0"/>
+              <a:lumOff val="0"/>
+              <a:alphaOff val="0"/>
+            </a:schemeClr>
+          </a:effectRef>
+          <a:fontRef idx="minor">
+            <a:schemeClr val="lt1"/>
+          </a:fontRef>
+        </p:style>
+        <p:txBody>
+          <a:bodyPr/>
+          <a:lstStyle/>
+          <a:p>
+            <a:endParaRPr lang="en-GB"/>
           </a:p>
         </p:txBody>
       </p:sp>
@@ -37225,7 +36674,7 @@
 </p:sld>
 </file>
 
-<file path=ppt/slides/slide5.xml><?xml version="1.0" encoding="utf-8"?>
+<file path=ppt/slides/slide4.xml><?xml version="1.0" encoding="utf-8"?>
 <p:sld xmlns:a="http://schemas.openxmlformats.org/drawingml/2006/main" xmlns:r="http://schemas.openxmlformats.org/officeDocument/2006/relationships" xmlns:p="http://schemas.openxmlformats.org/presentationml/2006/main">
   <p:cSld>
     <p:spTree>
@@ -37464,7 +36913,7 @@
 </p:sld>
 </file>
 
-<file path=ppt/slides/slide6.xml><?xml version="1.0" encoding="utf-8"?>
+<file path=ppt/slides/slide5.xml><?xml version="1.0" encoding="utf-8"?>
 <p:sld xmlns:a="http://schemas.openxmlformats.org/drawingml/2006/main" xmlns:r="http://schemas.openxmlformats.org/officeDocument/2006/relationships" xmlns:p="http://schemas.openxmlformats.org/presentationml/2006/main">
   <p:cSld>
     <p:spTree>
@@ -37798,6 +37247,16 @@
           <a:prstGeom prst="rect">
             <a:avLst/>
           </a:prstGeom>
+          <a:ln>
+            <a:noFill/>
+          </a:ln>
+          <a:effectLst>
+            <a:outerShdw blurRad="50800" dist="38100" algn="l" rotWithShape="0">
+              <a:prstClr val="black">
+                <a:alpha val="40000"/>
+              </a:prstClr>
+            </a:outerShdw>
+          </a:effectLst>
         </p:spPr>
         <p:style>
           <a:lnRef idx="2">
@@ -38312,6 +37771,16 @@
               <a:lumOff val="80000"/>
             </a:schemeClr>
           </a:solidFill>
+          <a:ln>
+            <a:noFill/>
+          </a:ln>
+          <a:effectLst>
+            <a:outerShdw blurRad="50800" dist="38100" algn="l" rotWithShape="0">
+              <a:prstClr val="black">
+                <a:alpha val="40000"/>
+              </a:prstClr>
+            </a:outerShdw>
+          </a:effectLst>
         </p:spPr>
         <p:style>
           <a:lnRef idx="2">
@@ -38506,7 +37975,7 @@
 </p:sld>
 </file>
 
-<file path=ppt/slides/slide7.xml><?xml version="1.0" encoding="utf-8"?>
+<file path=ppt/slides/slide6.xml><?xml version="1.0" encoding="utf-8"?>
 <p:sld xmlns:a="http://schemas.openxmlformats.org/drawingml/2006/main" xmlns:r="http://schemas.openxmlformats.org/officeDocument/2006/relationships" xmlns:p="http://schemas.openxmlformats.org/presentationml/2006/main">
   <p:cSld>
     <p:spTree>
@@ -38832,7 +38301,7 @@
 </p:sld>
 </file>
 
-<file path=ppt/slides/slide8.xml><?xml version="1.0" encoding="utf-8"?>
+<file path=ppt/slides/slide7.xml><?xml version="1.0" encoding="utf-8"?>
 <p:sld xmlns:a="http://schemas.openxmlformats.org/drawingml/2006/main" xmlns:r="http://schemas.openxmlformats.org/officeDocument/2006/relationships" xmlns:p="http://schemas.openxmlformats.org/presentationml/2006/main">
   <p:cSld>
     <p:spTree>
@@ -39815,7 +39284,7 @@
 </p:sld>
 </file>
 
-<file path=ppt/slides/slide9.xml><?xml version="1.0" encoding="utf-8"?>
+<file path=ppt/slides/slide8.xml><?xml version="1.0" encoding="utf-8"?>
 <p:sld xmlns:a="http://schemas.openxmlformats.org/drawingml/2006/main" xmlns:r="http://schemas.openxmlformats.org/officeDocument/2006/relationships" xmlns:p="http://schemas.openxmlformats.org/presentationml/2006/main">
   <p:cSld>
     <p:spTree>
@@ -40363,6 +39832,543 @@
     <p:extLst>
       <p:ext uri="{BB962C8B-B14F-4D97-AF65-F5344CB8AC3E}">
         <p14:creationId xmlns:p14="http://schemas.microsoft.com/office/powerpoint/2010/main" val="2857868857"/>
+      </p:ext>
+    </p:extLst>
+  </p:cSld>
+  <p:clrMapOvr>
+    <a:masterClrMapping/>
+  </p:clrMapOvr>
+  <p:transition spd="slow">
+    <p:fade/>
+  </p:transition>
+</p:sld>
+</file>
+
+<file path=ppt/slides/slide9.xml><?xml version="1.0" encoding="utf-8"?>
+<p:sld xmlns:a="http://schemas.openxmlformats.org/drawingml/2006/main" xmlns:r="http://schemas.openxmlformats.org/officeDocument/2006/relationships" xmlns:p="http://schemas.openxmlformats.org/presentationml/2006/main">
+  <p:cSld>
+    <p:spTree>
+      <p:nvGrpSpPr>
+        <p:cNvPr id="1" name=""/>
+        <p:cNvGrpSpPr/>
+        <p:nvPr/>
+      </p:nvGrpSpPr>
+      <p:grpSpPr>
+        <a:xfrm>
+          <a:off x="0" y="0"/>
+          <a:ext cx="0" cy="0"/>
+          <a:chOff x="0" y="0"/>
+          <a:chExt cx="0" cy="0"/>
+        </a:xfrm>
+      </p:grpSpPr>
+      <p:sp>
+        <p:nvSpPr>
+          <p:cNvPr id="8" name="Title 7"/>
+          <p:cNvSpPr>
+            <a:spLocks noGrp="1"/>
+          </p:cNvSpPr>
+          <p:nvPr>
+            <p:ph type="title"/>
+          </p:nvPr>
+        </p:nvSpPr>
+        <p:spPr/>
+        <p:txBody>
+          <a:bodyPr/>
+          <a:lstStyle/>
+          <a:p>
+            <a:pPr lvl="0"/>
+            <a:r>
+              <a:rPr lang="en-US" dirty="0"/>
+              <a:t>Insert a new row </a:t>
+            </a:r>
+            <a:endParaRPr lang="en-GB" dirty="0"/>
+          </a:p>
+        </p:txBody>
+      </p:sp>
+      <p:sp>
+        <p:nvSpPr>
+          <p:cNvPr id="7" name="Rectangle 6"/>
+          <p:cNvSpPr/>
+          <p:nvPr/>
+        </p:nvSpPr>
+        <p:spPr>
+          <a:xfrm>
+            <a:off x="508719" y="1257554"/>
+            <a:ext cx="11079312" cy="3673185"/>
+          </a:xfrm>
+          <a:prstGeom prst="rect">
+            <a:avLst/>
+          </a:prstGeom>
+          <a:solidFill>
+            <a:schemeClr val="bg1">
+              <a:lumMod val="95000"/>
+            </a:schemeClr>
+          </a:solidFill>
+        </p:spPr>
+        <p:style>
+          <a:lnRef idx="0">
+            <a:schemeClr val="accent3"/>
+          </a:lnRef>
+          <a:fillRef idx="3">
+            <a:schemeClr val="accent3"/>
+          </a:fillRef>
+          <a:effectRef idx="3">
+            <a:schemeClr val="accent3"/>
+          </a:effectRef>
+          <a:fontRef idx="minor">
+            <a:schemeClr val="lt1"/>
+          </a:fontRef>
+        </p:style>
+        <p:txBody>
+          <a:bodyPr wrap="square">
+            <a:spAutoFit/>
+          </a:bodyPr>
+          <a:lstStyle/>
+          <a:p>
+            <a:r>
+              <a:rPr lang="en-GB" sz="1662" b="1" dirty="0">
+                <a:solidFill>
+                  <a:srgbClr val="333399"/>
+                </a:solidFill>
+                <a:latin typeface="Consolas"/>
+              </a:rPr>
+              <a:t>string </a:t>
+            </a:r>
+            <a:r>
+              <a:rPr lang="en-GB" sz="1662" b="1" dirty="0">
+                <a:solidFill>
+                  <a:schemeClr val="tx1"/>
+                </a:solidFill>
+                <a:latin typeface="Consolas"/>
+              </a:rPr>
+              <a:t>query</a:t>
+            </a:r>
+            <a:r>
+              <a:rPr lang="en-GB" sz="1662" b="1" dirty="0">
+                <a:solidFill>
+                  <a:srgbClr val="0000FF"/>
+                </a:solidFill>
+                <a:latin typeface="Consolas"/>
+              </a:rPr>
+              <a:t> = </a:t>
+            </a:r>
+            <a:r>
+              <a:rPr lang="en-GB" sz="1662" b="1" dirty="0">
+                <a:solidFill>
+                  <a:srgbClr val="333399"/>
+                </a:solidFill>
+                <a:latin typeface="Consolas"/>
+              </a:rPr>
+              <a:t>@"</a:t>
+            </a:r>
+            <a:r>
+              <a:rPr lang="en-GB" sz="1662" b="1" dirty="0">
+                <a:solidFill>
+                  <a:srgbClr val="A31515"/>
+                </a:solidFill>
+                <a:latin typeface="Consolas"/>
+              </a:rPr>
+              <a:t>INSERT INTO Customers (ID, company, name, city) </a:t>
+            </a:r>
+            <a:br>
+              <a:rPr lang="en-GB" sz="1662" b="1" dirty="0">
+                <a:solidFill>
+                  <a:srgbClr val="A31515"/>
+                </a:solidFill>
+                <a:latin typeface="Consolas"/>
+              </a:rPr>
+            </a:br>
+            <a:r>
+              <a:rPr lang="en-GB" sz="1662" b="1" dirty="0">
+                <a:solidFill>
+                  <a:srgbClr val="A31515"/>
+                </a:solidFill>
+                <a:latin typeface="Consolas"/>
+              </a:rPr>
+              <a:t>		VALUES ('ID888', 'QA', 'Mike B', 'London'</a:t>
+            </a:r>
+            <a:r>
+              <a:rPr lang="pt-BR" sz="1662" b="1" dirty="0">
+                <a:solidFill>
+                  <a:srgbClr val="A31515"/>
+                </a:solidFill>
+                <a:latin typeface="Consolas"/>
+              </a:rPr>
+              <a:t>)</a:t>
+            </a:r>
+            <a:r>
+              <a:rPr lang="pt-BR" sz="1662" b="1" dirty="0">
+                <a:solidFill>
+                  <a:srgbClr val="333399"/>
+                </a:solidFill>
+                <a:latin typeface="Consolas"/>
+              </a:rPr>
+              <a:t>";</a:t>
+            </a:r>
+          </a:p>
+          <a:p>
+            <a:r>
+              <a:rPr lang="en-GB" sz="1662" b="1" dirty="0">
+                <a:solidFill>
+                  <a:srgbClr val="A31515"/>
+                </a:solidFill>
+                <a:latin typeface="Consolas"/>
+              </a:rPr>
+              <a:t>            </a:t>
+            </a:r>
+          </a:p>
+          <a:p>
+            <a:r>
+              <a:rPr lang="en-GB" sz="1662" b="1" dirty="0" err="1">
+                <a:solidFill>
+                  <a:srgbClr val="333399"/>
+                </a:solidFill>
+                <a:latin typeface="Consolas"/>
+              </a:rPr>
+              <a:t>SqlConnection</a:t>
+            </a:r>
+            <a:r>
+              <a:rPr lang="en-GB" sz="1662" b="1" dirty="0">
+                <a:solidFill>
+                  <a:srgbClr val="333399"/>
+                </a:solidFill>
+                <a:latin typeface="Consolas"/>
+              </a:rPr>
+              <a:t> </a:t>
+            </a:r>
+            <a:r>
+              <a:rPr lang="en-GB" sz="1662" b="1" dirty="0">
+                <a:solidFill>
+                  <a:schemeClr val="tx1"/>
+                </a:solidFill>
+                <a:latin typeface="Consolas"/>
+              </a:rPr>
+              <a:t>Cn; </a:t>
+            </a:r>
+            <a:r>
+              <a:rPr lang="en-GB" sz="1662" b="1" dirty="0">
+                <a:solidFill>
+                  <a:srgbClr val="00B050"/>
+                </a:solidFill>
+                <a:latin typeface="Consolas"/>
+              </a:rPr>
+              <a:t>// then instantiate the connection object</a:t>
+            </a:r>
+            <a:br>
+              <a:rPr lang="en-GB" sz="1662" b="1" dirty="0">
+                <a:solidFill>
+                  <a:srgbClr val="00B050"/>
+                </a:solidFill>
+                <a:latin typeface="Consolas"/>
+              </a:rPr>
+            </a:br>
+            <a:br>
+              <a:rPr lang="en-GB" sz="1662" b="1" dirty="0">
+                <a:solidFill>
+                  <a:srgbClr val="333399"/>
+                </a:solidFill>
+                <a:latin typeface="Consolas"/>
+              </a:rPr>
+            </a:br>
+            <a:r>
+              <a:rPr lang="en-GB" sz="1662" b="1" dirty="0" err="1">
+                <a:solidFill>
+                  <a:srgbClr val="333399"/>
+                </a:solidFill>
+                <a:latin typeface="Consolas"/>
+              </a:rPr>
+              <a:t>SqlCommand</a:t>
+            </a:r>
+            <a:r>
+              <a:rPr lang="en-GB" sz="1662" b="1" dirty="0">
+                <a:solidFill>
+                  <a:srgbClr val="2B91AF"/>
+                </a:solidFill>
+                <a:latin typeface="Consolas"/>
+              </a:rPr>
+              <a:t> </a:t>
+            </a:r>
+            <a:r>
+              <a:rPr lang="en-GB" sz="1662" b="1" dirty="0">
+                <a:solidFill>
+                  <a:schemeClr val="tx1"/>
+                </a:solidFill>
+                <a:latin typeface="Consolas"/>
+              </a:rPr>
+              <a:t>Com</a:t>
+            </a:r>
+            <a:r>
+              <a:rPr lang="en-GB" sz="1662" b="1" dirty="0">
+                <a:solidFill>
+                  <a:srgbClr val="2B91AF"/>
+                </a:solidFill>
+                <a:latin typeface="Consolas"/>
+              </a:rPr>
+              <a:t> = </a:t>
+            </a:r>
+            <a:r>
+              <a:rPr lang="en-GB" sz="1662" b="1" dirty="0">
+                <a:solidFill>
+                  <a:srgbClr val="333399"/>
+                </a:solidFill>
+                <a:latin typeface="Consolas"/>
+              </a:rPr>
+              <a:t>new</a:t>
+            </a:r>
+            <a:r>
+              <a:rPr lang="en-GB" sz="1662" b="1" dirty="0">
+                <a:solidFill>
+                  <a:srgbClr val="0000FF"/>
+                </a:solidFill>
+                <a:latin typeface="Consolas"/>
+              </a:rPr>
+              <a:t> </a:t>
+            </a:r>
+            <a:r>
+              <a:rPr lang="en-GB" sz="1662" b="1" dirty="0" err="1">
+                <a:solidFill>
+                  <a:srgbClr val="333399"/>
+                </a:solidFill>
+                <a:latin typeface="Consolas"/>
+              </a:rPr>
+              <a:t>SqlCommand</a:t>
+            </a:r>
+            <a:r>
+              <a:rPr lang="en-GB" sz="1662" b="1" dirty="0">
+                <a:solidFill>
+                  <a:schemeClr val="tx1"/>
+                </a:solidFill>
+                <a:latin typeface="Consolas"/>
+              </a:rPr>
+              <a:t>(query, Cn);</a:t>
+            </a:r>
+          </a:p>
+          <a:p>
+            <a:endParaRPr lang="en-GB" sz="1662" b="1" dirty="0">
+              <a:solidFill>
+                <a:schemeClr val="tx1"/>
+              </a:solidFill>
+              <a:latin typeface="Consolas"/>
+            </a:endParaRPr>
+          </a:p>
+          <a:p>
+            <a:r>
+              <a:rPr lang="en-GB" sz="1662" b="1" dirty="0" err="1">
+                <a:solidFill>
+                  <a:schemeClr val="tx1"/>
+                </a:solidFill>
+                <a:latin typeface="Consolas"/>
+              </a:rPr>
+              <a:t>Cn.Open</a:t>
+            </a:r>
+            <a:r>
+              <a:rPr lang="en-GB" sz="1662" b="1" dirty="0">
+                <a:solidFill>
+                  <a:schemeClr val="tx1"/>
+                </a:solidFill>
+                <a:latin typeface="Consolas"/>
+              </a:rPr>
+              <a:t>();</a:t>
+            </a:r>
+          </a:p>
+          <a:p>
+            <a:endParaRPr lang="en-GB" sz="1662" b="1" dirty="0">
+              <a:solidFill>
+                <a:srgbClr val="333399"/>
+              </a:solidFill>
+              <a:latin typeface="Consolas"/>
+            </a:endParaRPr>
+          </a:p>
+          <a:p>
+            <a:r>
+              <a:rPr lang="en-GB" sz="1662" b="1" dirty="0" err="1">
+                <a:solidFill>
+                  <a:srgbClr val="333399"/>
+                </a:solidFill>
+                <a:latin typeface="Consolas"/>
+              </a:rPr>
+              <a:t>int</a:t>
+            </a:r>
+            <a:r>
+              <a:rPr lang="en-GB" sz="1662" b="1" dirty="0">
+                <a:solidFill>
+                  <a:srgbClr val="0000FF"/>
+                </a:solidFill>
+                <a:latin typeface="Consolas"/>
+              </a:rPr>
+              <a:t> </a:t>
+            </a:r>
+            <a:r>
+              <a:rPr lang="en-GB" sz="1662" b="1" dirty="0">
+                <a:solidFill>
+                  <a:schemeClr val="tx1"/>
+                </a:solidFill>
+                <a:latin typeface="Consolas"/>
+              </a:rPr>
+              <a:t>Res</a:t>
+            </a:r>
+            <a:r>
+              <a:rPr lang="en-GB" sz="1662" b="1" dirty="0">
+                <a:solidFill>
+                  <a:srgbClr val="0000FF"/>
+                </a:solidFill>
+                <a:latin typeface="Consolas"/>
+              </a:rPr>
+              <a:t> = </a:t>
+            </a:r>
+            <a:r>
+              <a:rPr lang="en-GB" sz="1662" b="1" dirty="0" err="1">
+                <a:solidFill>
+                  <a:schemeClr val="tx1"/>
+                </a:solidFill>
+                <a:latin typeface="Consolas"/>
+              </a:rPr>
+              <a:t>Com</a:t>
+            </a:r>
+            <a:r>
+              <a:rPr lang="en-GB" sz="1662" b="1" dirty="0" err="1">
+                <a:solidFill>
+                  <a:srgbClr val="0000FF"/>
+                </a:solidFill>
+                <a:latin typeface="Consolas"/>
+              </a:rPr>
+              <a:t>.</a:t>
+            </a:r>
+            <a:r>
+              <a:rPr lang="en-GB" sz="1662" b="1" dirty="0" err="1">
+                <a:solidFill>
+                  <a:srgbClr val="333399"/>
+                </a:solidFill>
+                <a:latin typeface="Consolas"/>
+              </a:rPr>
+              <a:t>ExecuteNonQuery</a:t>
+            </a:r>
+            <a:r>
+              <a:rPr lang="en-GB" sz="1662" b="1" dirty="0">
+                <a:solidFill>
+                  <a:srgbClr val="333399"/>
+                </a:solidFill>
+                <a:latin typeface="Consolas"/>
+              </a:rPr>
+              <a:t>();</a:t>
+            </a:r>
+          </a:p>
+          <a:p>
+            <a:endParaRPr lang="en-GB" sz="1662" b="1" dirty="0">
+              <a:solidFill>
+                <a:schemeClr val="tx1"/>
+              </a:solidFill>
+              <a:latin typeface="Consolas"/>
+            </a:endParaRPr>
+          </a:p>
+          <a:p>
+            <a:r>
+              <a:rPr lang="en-GB" sz="1662" b="1" dirty="0" err="1">
+                <a:solidFill>
+                  <a:schemeClr val="tx1"/>
+                </a:solidFill>
+                <a:latin typeface="Consolas"/>
+              </a:rPr>
+              <a:t>Cn.Close</a:t>
+            </a:r>
+            <a:r>
+              <a:rPr lang="en-GB" sz="1662" b="1" dirty="0">
+                <a:solidFill>
+                  <a:schemeClr val="tx1"/>
+                </a:solidFill>
+                <a:latin typeface="Consolas"/>
+              </a:rPr>
+              <a:t>();</a:t>
+            </a:r>
+          </a:p>
+          <a:p>
+            <a:endParaRPr lang="en-GB" sz="1662" b="1" dirty="0">
+              <a:solidFill>
+                <a:srgbClr val="0000FF"/>
+              </a:solidFill>
+              <a:latin typeface="Consolas"/>
+            </a:endParaRPr>
+          </a:p>
+          <a:p>
+            <a:r>
+              <a:rPr lang="en-GB" sz="1662" b="1" dirty="0" err="1">
+                <a:solidFill>
+                  <a:srgbClr val="333399"/>
+                </a:solidFill>
+                <a:latin typeface="Consolas"/>
+              </a:rPr>
+              <a:t>Console.WriteLine</a:t>
+            </a:r>
+            <a:r>
+              <a:rPr lang="en-GB" sz="1662" b="1" dirty="0">
+                <a:solidFill>
+                  <a:srgbClr val="333399"/>
+                </a:solidFill>
+                <a:latin typeface="Consolas"/>
+              </a:rPr>
+              <a:t>(</a:t>
+            </a:r>
+            <a:r>
+              <a:rPr lang="en-GB" sz="1662" b="1" dirty="0">
+                <a:solidFill>
+                  <a:schemeClr val="tx1"/>
+                </a:solidFill>
+                <a:latin typeface="Consolas"/>
+              </a:rPr>
+              <a:t>Res</a:t>
+            </a:r>
+            <a:r>
+              <a:rPr lang="en-GB" sz="1662" b="1" dirty="0">
+                <a:solidFill>
+                  <a:srgbClr val="2B91AF"/>
+                </a:solidFill>
+                <a:latin typeface="Consolas"/>
+              </a:rPr>
+              <a:t> </a:t>
+            </a:r>
+            <a:r>
+              <a:rPr lang="en-GB" sz="1662" b="1" dirty="0">
+                <a:solidFill>
+                  <a:srgbClr val="333399"/>
+                </a:solidFill>
+                <a:latin typeface="Consolas"/>
+              </a:rPr>
+              <a:t>+</a:t>
+            </a:r>
+            <a:r>
+              <a:rPr lang="en-GB" sz="1662" b="1" dirty="0">
+                <a:solidFill>
+                  <a:srgbClr val="2B91AF"/>
+                </a:solidFill>
+                <a:latin typeface="Consolas"/>
+              </a:rPr>
+              <a:t> </a:t>
+            </a:r>
+            <a:r>
+              <a:rPr lang="en-GB" sz="1662" b="1" dirty="0">
+                <a:solidFill>
+                  <a:srgbClr val="A31515"/>
+                </a:solidFill>
+                <a:latin typeface="Consolas"/>
+              </a:rPr>
+              <a:t>" rows inserted"</a:t>
+            </a:r>
+            <a:r>
+              <a:rPr lang="en-GB" sz="1662" b="1" dirty="0">
+                <a:solidFill>
+                  <a:srgbClr val="333399"/>
+                </a:solidFill>
+                <a:latin typeface="Consolas"/>
+              </a:rPr>
+              <a:t>);</a:t>
+            </a:r>
+          </a:p>
+        </p:txBody>
+      </p:sp>
+    </p:spTree>
+    <p:extLst>
+      <p:ext uri="{BB962C8B-B14F-4D97-AF65-F5344CB8AC3E}">
+        <p14:creationId xmlns:p14="http://schemas.microsoft.com/office/powerpoint/2010/main" val="4215403811"/>
       </p:ext>
     </p:extLst>
   </p:cSld>
@@ -41183,32 +41189,6 @@
 </file>
 
 <file path=customXml/item1.xml><?xml version="1.0" encoding="utf-8"?>
-<?mso-contentType ?>
-<FormTemplates xmlns="http://schemas.microsoft.com/sharepoint/v3/contenttype/forms">
-  <Display>DocumentLibraryForm</Display>
-  <Edit>DocumentLibraryForm</Edit>
-  <New>DocumentLibraryForm</New>
-</FormTemplates>
-</file>
-
-<file path=customXml/item2.xml><?xml version="1.0" encoding="utf-8"?>
-<p:properties xmlns:p="http://schemas.microsoft.com/office/2006/metadata/properties" xmlns:xsi="http://www.w3.org/2001/XMLSchema-instance" xmlns:pc="http://schemas.microsoft.com/office/infopath/2007/PartnerControls">
-  <documentManagement>
-    <SequenceNumber xmlns="2884942A-A8DA-48EB-B9BF-C678FA91402D">12</SequenceNumber>
-    <IsBuildFile xmlns="2884942A-A8DA-48EB-B9BF-C678FA91402D" xsi:nil="true"/>
-    <BookTypeField0 xmlns="2884942A-A8DA-48EB-B9BF-C678FA91402D">
-      <Terms xmlns="http://schemas.microsoft.com/office/infopath/2007/PartnerControls">
-        <TermInfo xmlns="http://schemas.microsoft.com/office/infopath/2007/PartnerControls">
-          <TermName xmlns="http://schemas.microsoft.com/office/infopath/2007/PartnerControls">IK</TermName>
-          <TermId xmlns="http://schemas.microsoft.com/office/infopath/2007/PartnerControls">5abe6401-e87a-4499-80b4-3d21a1a6ebd7</TermId>
-        </TermInfo>
-      </Terms>
-    </BookTypeField0>
-  </documentManagement>
-</p:properties>
-</file>
-
-<file path=customXml/item3.xml><?xml version="1.0" encoding="utf-8"?>
 <ct:contentTypeSchema xmlns:ct="http://schemas.microsoft.com/office/2006/metadata/contentType" xmlns:ma="http://schemas.microsoft.com/office/2006/metadata/properties/metaAttributes" ct:_="" ma:_="" ma:contentTypeName="Courseware" ma:contentTypeID="0x010100F0967B7CEE8D417F966757887D9466FB00E4A5C4D776B8DF4A95CEF5B5508203AD" ma:contentTypeVersion="0" ma:contentTypeDescription="Base content type which represents courseware documents" ma:contentTypeScope="" ma:versionID="66b44653433bbae61a25ce2c540db361">
   <xsd:schema xmlns:xsd="http://www.w3.org/2001/XMLSchema" xmlns:xs="http://www.w3.org/2001/XMLSchema" xmlns:p="http://schemas.microsoft.com/office/2006/metadata/properties" xmlns:ns2="2884942A-A8DA-48EB-B9BF-C678FA91402D" targetNamespace="http://schemas.microsoft.com/office/2006/metadata/properties" ma:root="true" ma:fieldsID="886d2ed21f0c44fc9d4ba9d91a5ccdf3" ns2:_="">
     <xsd:import namespace="2884942A-A8DA-48EB-B9BF-C678FA91402D"/>
@@ -41348,10 +41328,46 @@
 </ct:contentTypeSchema>
 </file>
 
+<file path=customXml/item2.xml><?xml version="1.0" encoding="utf-8"?>
+<p:properties xmlns:p="http://schemas.microsoft.com/office/2006/metadata/properties" xmlns:xsi="http://www.w3.org/2001/XMLSchema-instance" xmlns:pc="http://schemas.microsoft.com/office/infopath/2007/PartnerControls">
+  <documentManagement>
+    <SequenceNumber xmlns="2884942A-A8DA-48EB-B9BF-C678FA91402D">12</SequenceNumber>
+    <IsBuildFile xmlns="2884942A-A8DA-48EB-B9BF-C678FA91402D" xsi:nil="true"/>
+    <BookTypeField0 xmlns="2884942A-A8DA-48EB-B9BF-C678FA91402D">
+      <Terms xmlns="http://schemas.microsoft.com/office/infopath/2007/PartnerControls">
+        <TermInfo xmlns="http://schemas.microsoft.com/office/infopath/2007/PartnerControls">
+          <TermName xmlns="http://schemas.microsoft.com/office/infopath/2007/PartnerControls">IK</TermName>
+          <TermId xmlns="http://schemas.microsoft.com/office/infopath/2007/PartnerControls">5abe6401-e87a-4499-80b4-3d21a1a6ebd7</TermId>
+        </TermInfo>
+      </Terms>
+    </BookTypeField0>
+  </documentManagement>
+</p:properties>
+</file>
+
+<file path=customXml/item3.xml><?xml version="1.0" encoding="utf-8"?>
+<?mso-contentType ?>
+<FormTemplates xmlns="http://schemas.microsoft.com/sharepoint/v3/contenttype/forms">
+  <Display>DocumentLibraryForm</Display>
+  <Edit>DocumentLibraryForm</Edit>
+  <New>DocumentLibraryForm</New>
+</FormTemplates>
+</file>
+
 <file path=customXml/itemProps1.xml><?xml version="1.0" encoding="utf-8"?>
-<ds:datastoreItem xmlns:ds="http://schemas.openxmlformats.org/officeDocument/2006/customXml" ds:itemID="{184A4CF0-96E4-48BA-A684-79930F565D8E}">
+<ds:datastoreItem xmlns:ds="http://schemas.openxmlformats.org/officeDocument/2006/customXml" ds:itemID="{48E80423-8E58-4E70-BEBF-B1EE158E4A4A}">
   <ds:schemaRefs>
-    <ds:schemaRef ds:uri="http://schemas.microsoft.com/sharepoint/v3/contenttype/forms"/>
+    <ds:schemaRef ds:uri="http://schemas.microsoft.com/office/2006/metadata/contentType"/>
+    <ds:schemaRef ds:uri="http://schemas.microsoft.com/office/2006/metadata/properties/metaAttributes"/>
+    <ds:schemaRef ds:uri="http://www.w3.org/2001/XMLSchema"/>
+    <ds:schemaRef ds:uri="http://schemas.microsoft.com/office/2006/metadata/properties"/>
+    <ds:schemaRef ds:uri="2884942A-A8DA-48EB-B9BF-C678FA91402D"/>
+    <ds:schemaRef ds:uri="http://schemas.microsoft.com/office/2006/documentManagement/types"/>
+    <ds:schemaRef ds:uri="http://schemas.microsoft.com/office/infopath/2007/PartnerControls"/>
+    <ds:schemaRef ds:uri="http://schemas.openxmlformats.org/package/2006/metadata/core-properties"/>
+    <ds:schemaRef ds:uri="http://purl.org/dc/elements/1.1/"/>
+    <ds:schemaRef ds:uri="http://purl.org/dc/terms/"/>
+    <ds:schemaRef ds:uri="http://schemas.microsoft.com/internal/obd"/>
   </ds:schemaRefs>
 </ds:datastoreItem>
 </file>
@@ -41373,19 +41389,9 @@
 </file>
 
 <file path=customXml/itemProps3.xml><?xml version="1.0" encoding="utf-8"?>
-<ds:datastoreItem xmlns:ds="http://schemas.openxmlformats.org/officeDocument/2006/customXml" ds:itemID="{48E80423-8E58-4E70-BEBF-B1EE158E4A4A}">
+<ds:datastoreItem xmlns:ds="http://schemas.openxmlformats.org/officeDocument/2006/customXml" ds:itemID="{184A4CF0-96E4-48BA-A684-79930F565D8E}">
   <ds:schemaRefs>
-    <ds:schemaRef ds:uri="http://schemas.microsoft.com/office/2006/metadata/contentType"/>
-    <ds:schemaRef ds:uri="http://schemas.microsoft.com/office/2006/metadata/properties/metaAttributes"/>
-    <ds:schemaRef ds:uri="http://www.w3.org/2001/XMLSchema"/>
-    <ds:schemaRef ds:uri="http://schemas.microsoft.com/office/2006/metadata/properties"/>
-    <ds:schemaRef ds:uri="2884942A-A8DA-48EB-B9BF-C678FA91402D"/>
-    <ds:schemaRef ds:uri="http://schemas.microsoft.com/office/2006/documentManagement/types"/>
-    <ds:schemaRef ds:uri="http://schemas.microsoft.com/office/infopath/2007/PartnerControls"/>
-    <ds:schemaRef ds:uri="http://schemas.openxmlformats.org/package/2006/metadata/core-properties"/>
-    <ds:schemaRef ds:uri="http://purl.org/dc/elements/1.1/"/>
-    <ds:schemaRef ds:uri="http://purl.org/dc/terms/"/>
-    <ds:schemaRef ds:uri="http://schemas.microsoft.com/internal/obd"/>
+    <ds:schemaRef ds:uri="http://schemas.microsoft.com/sharepoint/v3/contenttype/forms"/>
   </ds:schemaRefs>
 </ds:datastoreItem>
 </file>
--- a/12-Accessing databases.pptx
+++ b/12-Accessing databases.pptx
@@ -5,10 +5,10 @@
     <p:sldMasterId id="2147483648" r:id="rId4"/>
   </p:sldMasterIdLst>
   <p:notesMasterIdLst>
-    <p:notesMasterId r:id="rId18"/>
+    <p:notesMasterId r:id="rId19"/>
   </p:notesMasterIdLst>
   <p:handoutMasterIdLst>
-    <p:handoutMasterId r:id="rId19"/>
+    <p:handoutMasterId r:id="rId20"/>
   </p:handoutMasterIdLst>
   <p:sldIdLst>
     <p:sldId id="299" r:id="rId5"/>
@@ -21,14 +21,15 @@
     <p:sldId id="533" r:id="rId12"/>
     <p:sldId id="534" r:id="rId13"/>
     <p:sldId id="535" r:id="rId14"/>
-    <p:sldId id="536" r:id="rId15"/>
-    <p:sldId id="537" r:id="rId16"/>
-    <p:sldId id="512" r:id="rId17"/>
+    <p:sldId id="554" r:id="rId15"/>
+    <p:sldId id="536" r:id="rId16"/>
+    <p:sldId id="537" r:id="rId17"/>
+    <p:sldId id="512" r:id="rId18"/>
   </p:sldIdLst>
   <p:sldSz cx="12192000" cy="6858000"/>
   <p:notesSz cx="6645275" cy="9775825"/>
   <p:custDataLst>
-    <p:tags r:id="rId20"/>
+    <p:tags r:id="rId21"/>
   </p:custDataLst>
   <p:defaultTextStyle>
     <a:defPPr>
@@ -973,7 +974,7 @@
         <a:p>
           <a:r>
             <a:rPr lang="en-GB" sz="1800" b="1" dirty="0"/>
-            <a:t>Accessing Databases using Java</a:t>
+            <a:t>Accessing Databases using C#</a:t>
           </a:r>
           <a:endParaRPr lang="en-US" sz="1800" dirty="0"/>
         </a:p>
@@ -1010,15 +1011,11 @@
         <a:p>
           <a:r>
             <a:rPr lang="en-GB" sz="2000" b="1" dirty="0"/>
-            <a:t>Duration 30 minutes</a:t>
+            <a:t>Duration 60 minutes</a:t>
           </a:r>
           <a:br>
             <a:rPr lang="en-GB" sz="2000" b="1" dirty="0"/>
           </a:br>
-          <a:r>
-            <a:rPr lang="en-GB" sz="1800" b="0" dirty="0"/>
-            <a:t>(Java code is provided)</a:t>
-          </a:r>
           <a:endParaRPr lang="en-US" sz="2000" b="0" dirty="0"/>
         </a:p>
       </dgm:t>
@@ -1550,7 +1547,7 @@
           </a:pPr>
           <a:r>
             <a:rPr lang="en-GB" sz="1800" b="1" kern="1200" dirty="0"/>
-            <a:t>Accessing Databases using Java</a:t>
+            <a:t>Accessing Databases using C#</a:t>
           </a:r>
           <a:endParaRPr lang="en-US" sz="1800" kern="1200" dirty="0"/>
         </a:p>
@@ -1703,15 +1700,11 @@
           </a:pPr>
           <a:r>
             <a:rPr lang="en-GB" sz="2000" b="1" kern="1200" dirty="0"/>
-            <a:t>Duration 30 minutes</a:t>
+            <a:t>Duration 60 minutes</a:t>
           </a:r>
           <a:br>
             <a:rPr lang="en-GB" sz="2000" b="1" kern="1200" dirty="0"/>
           </a:br>
-          <a:r>
-            <a:rPr lang="en-GB" sz="1800" b="0" kern="1200" dirty="0"/>
-            <a:t>(Java code is provided)</a:t>
-          </a:r>
           <a:endParaRPr lang="en-US" sz="2000" b="0" kern="1200" dirty="0"/>
         </a:p>
       </dsp:txBody>
@@ -3832,41 +3825,8 @@
         </p:nvSpPr>
         <p:spPr/>
         <p:txBody>
-          <a:bodyPr>
-            <a:normAutofit/>
-          </a:bodyPr>
+          <a:bodyPr/>
           <a:lstStyle/>
-          <a:p>
-            <a:r>
-              <a:rPr lang="en-GB" dirty="0"/>
-              <a:t>Use a Command object to execute a </a:t>
-            </a:r>
-            <a:r>
-              <a:rPr lang="en-GB" dirty="0" err="1"/>
-              <a:t>Scaler</a:t>
-            </a:r>
-            <a:r>
-              <a:rPr lang="en-GB" dirty="0"/>
-              <a:t> function. </a:t>
-            </a:r>
-          </a:p>
-          <a:p>
-            <a:r>
-              <a:rPr lang="en-GB" dirty="0"/>
-              <a:t>The code example on this slide demonstrates an SQL Select statement that counts</a:t>
-            </a:r>
-            <a:r>
-              <a:rPr lang="en-GB" baseline="0" dirty="0"/>
-              <a:t> the number of customers in the Customers table.</a:t>
-            </a:r>
-          </a:p>
-          <a:p>
-            <a:r>
-              <a:rPr lang="en-GB" baseline="0" dirty="0"/>
-              <a:t>This method returns an Object type which must be cast to the type you would expect.</a:t>
-            </a:r>
-            <a:endParaRPr lang="en-GB" dirty="0"/>
-          </a:p>
           <a:p>
             <a:endParaRPr lang="en-GB" dirty="0"/>
           </a:p>
@@ -3879,35 +3839,27 @@
             <a:spLocks noGrp="1"/>
           </p:cNvSpPr>
           <p:nvPr>
-            <p:ph type="sldNum" sz="quarter" idx="10"/>
+            <p:ph type="sldNum" sz="quarter" idx="5"/>
           </p:nvPr>
         </p:nvSpPr>
-        <p:spPr>
-          <a:xfrm>
-            <a:off x="3769797" y="9240892"/>
-            <a:ext cx="2878584" cy="486446"/>
-          </a:xfrm>
-          <a:prstGeom prst="rect">
-            <a:avLst/>
-          </a:prstGeom>
-        </p:spPr>
+        <p:spPr/>
         <p:txBody>
           <a:bodyPr/>
           <a:lstStyle/>
           <a:p>
-            <a:fld id="{DE6C85E1-D451-48DF-864D-F69891B91C11}" type="slidenum">
-              <a:rPr lang="en-US" smtClean="0"/>
+            <a:fld id="{548901C6-1DA1-FB44-ABEE-06A0FEB7738E}" type="slidenum">
+              <a:rPr lang="en-GB" smtClean="0"/>
               <a:pPr/>
               <a:t>11</a:t>
             </a:fld>
-            <a:endParaRPr lang="en-US"/>
+            <a:endParaRPr lang="en-GB"/>
           </a:p>
         </p:txBody>
       </p:sp>
     </p:spTree>
     <p:extLst>
       <p:ext uri="{BB962C8B-B14F-4D97-AF65-F5344CB8AC3E}">
-        <p14:creationId xmlns:p14="http://schemas.microsoft.com/office/powerpoint/2010/main" val="937023350"/>
+        <p14:creationId xmlns:p14="http://schemas.microsoft.com/office/powerpoint/2010/main" val="1745466823"/>
       </p:ext>
     </p:extLst>
   </p:cSld>
@@ -3963,7 +3915,38 @@
           </a:bodyPr>
           <a:lstStyle/>
           <a:p>
-            <a:endParaRPr lang="en-GB"/>
+            <a:r>
+              <a:rPr lang="en-GB" dirty="0"/>
+              <a:t>Use a Command object to execute a </a:t>
+            </a:r>
+            <a:r>
+              <a:rPr lang="en-GB" dirty="0" err="1"/>
+              <a:t>Scaler</a:t>
+            </a:r>
+            <a:r>
+              <a:rPr lang="en-GB" dirty="0"/>
+              <a:t> function. </a:t>
+            </a:r>
+          </a:p>
+          <a:p>
+            <a:r>
+              <a:rPr lang="en-GB" dirty="0"/>
+              <a:t>The code example on this slide demonstrates an SQL Select statement that counts</a:t>
+            </a:r>
+            <a:r>
+              <a:rPr lang="en-GB" baseline="0" dirty="0"/>
+              <a:t> the number of customers in the Customers table.</a:t>
+            </a:r>
+          </a:p>
+          <a:p>
+            <a:r>
+              <a:rPr lang="en-GB" baseline="0" dirty="0"/>
+              <a:t>This method returns an Object type which must be cast to the type you would expect.</a:t>
+            </a:r>
+            <a:endParaRPr lang="en-GB" dirty="0"/>
+          </a:p>
+          <a:p>
+            <a:endParaRPr lang="en-GB" dirty="0"/>
           </a:p>
         </p:txBody>
       </p:sp>
@@ -4002,7 +3985,7 @@
     </p:spTree>
     <p:extLst>
       <p:ext uri="{BB962C8B-B14F-4D97-AF65-F5344CB8AC3E}">
-        <p14:creationId xmlns:p14="http://schemas.microsoft.com/office/powerpoint/2010/main" val="1240680048"/>
+        <p14:creationId xmlns:p14="http://schemas.microsoft.com/office/powerpoint/2010/main" val="937023350"/>
       </p:ext>
     </p:extLst>
   </p:cSld>
@@ -4053,6 +4036,101 @@
         </p:nvSpPr>
         <p:spPr/>
         <p:txBody>
+          <a:bodyPr>
+            <a:normAutofit/>
+          </a:bodyPr>
+          <a:lstStyle/>
+          <a:p>
+            <a:endParaRPr lang="en-GB"/>
+          </a:p>
+        </p:txBody>
+      </p:sp>
+      <p:sp>
+        <p:nvSpPr>
+          <p:cNvPr id="4" name="Slide Number Placeholder 3"/>
+          <p:cNvSpPr>
+            <a:spLocks noGrp="1"/>
+          </p:cNvSpPr>
+          <p:nvPr>
+            <p:ph type="sldNum" sz="quarter" idx="10"/>
+          </p:nvPr>
+        </p:nvSpPr>
+        <p:spPr>
+          <a:xfrm>
+            <a:off x="3769797" y="9240892"/>
+            <a:ext cx="2878584" cy="486446"/>
+          </a:xfrm>
+          <a:prstGeom prst="rect">
+            <a:avLst/>
+          </a:prstGeom>
+        </p:spPr>
+        <p:txBody>
+          <a:bodyPr/>
+          <a:lstStyle/>
+          <a:p>
+            <a:fld id="{DE6C85E1-D451-48DF-864D-F69891B91C11}" type="slidenum">
+              <a:rPr lang="en-US" smtClean="0"/>
+              <a:pPr/>
+              <a:t>13</a:t>
+            </a:fld>
+            <a:endParaRPr lang="en-US"/>
+          </a:p>
+        </p:txBody>
+      </p:sp>
+    </p:spTree>
+    <p:extLst>
+      <p:ext uri="{BB962C8B-B14F-4D97-AF65-F5344CB8AC3E}">
+        <p14:creationId xmlns:p14="http://schemas.microsoft.com/office/powerpoint/2010/main" val="1240680048"/>
+      </p:ext>
+    </p:extLst>
+  </p:cSld>
+  <p:clrMapOvr>
+    <a:masterClrMapping/>
+  </p:clrMapOvr>
+</p:notes>
+</file>
+
+<file path=ppt/notesSlides/notesSlide14.xml><?xml version="1.0" encoding="utf-8"?>
+<p:notes xmlns:a="http://schemas.openxmlformats.org/drawingml/2006/main" xmlns:r="http://schemas.openxmlformats.org/officeDocument/2006/relationships" xmlns:p="http://schemas.openxmlformats.org/presentationml/2006/main">
+  <p:cSld>
+    <p:spTree>
+      <p:nvGrpSpPr>
+        <p:cNvPr id="1" name=""/>
+        <p:cNvGrpSpPr/>
+        <p:nvPr/>
+      </p:nvGrpSpPr>
+      <p:grpSpPr>
+        <a:xfrm>
+          <a:off x="0" y="0"/>
+          <a:ext cx="0" cy="0"/>
+          <a:chOff x="0" y="0"/>
+          <a:chExt cx="0" cy="0"/>
+        </a:xfrm>
+      </p:grpSpPr>
+      <p:sp>
+        <p:nvSpPr>
+          <p:cNvPr id="2" name="Slide Image Placeholder 1"/>
+          <p:cNvSpPr>
+            <a:spLocks noGrp="1" noRot="1" noChangeAspect="1"/>
+          </p:cNvSpPr>
+          <p:nvPr>
+            <p:ph type="sldImg"/>
+          </p:nvPr>
+        </p:nvSpPr>
+        <p:spPr/>
+      </p:sp>
+      <p:sp>
+        <p:nvSpPr>
+          <p:cNvPr id="3" name="Notes Placeholder 2"/>
+          <p:cNvSpPr>
+            <a:spLocks noGrp="1"/>
+          </p:cNvSpPr>
+          <p:nvPr>
+            <p:ph type="body" idx="1"/>
+          </p:nvPr>
+        </p:nvSpPr>
+        <p:spPr/>
+        <p:txBody>
           <a:bodyPr/>
           <a:lstStyle/>
           <a:p>
@@ -4102,7 +4180,7 @@
             <a:fld id="{548901C6-1DA1-FB44-ABEE-06A0FEB7738E}" type="slidenum">
               <a:rPr lang="en-GB" smtClean="0"/>
               <a:pPr/>
-              <a:t>13</a:t>
+              <a:t>14</a:t>
             </a:fld>
             <a:endParaRPr lang="en-GB"/>
           </a:p>
@@ -35383,6 +35461,1226 @@
       </p:grpSpPr>
       <p:sp>
         <p:nvSpPr>
+          <p:cNvPr id="4" name="Slide Number Placeholder 3">
+            <a:extLst>
+              <a:ext uri="{FF2B5EF4-FFF2-40B4-BE49-F238E27FC236}">
+                <a16:creationId xmlns:a16="http://schemas.microsoft.com/office/drawing/2014/main" id="{DEB4FBFD-D1B5-C2B6-DFE6-FD97E7791650}"/>
+              </a:ext>
+            </a:extLst>
+          </p:cNvPr>
+          <p:cNvSpPr>
+            <a:spLocks noGrp="1"/>
+          </p:cNvSpPr>
+          <p:nvPr>
+            <p:ph type="sldNum" sz="quarter" idx="4"/>
+          </p:nvPr>
+        </p:nvSpPr>
+        <p:spPr/>
+        <p:txBody>
+          <a:bodyPr/>
+          <a:lstStyle/>
+          <a:p>
+            <a:fld id="{6FABC43E-362F-47C7-AE5F-E86AE3749A26}" type="slidenum">
+              <a:rPr lang="en-US" smtClean="0"/>
+              <a:pPr/>
+              <a:t>11</a:t>
+            </a:fld>
+            <a:endParaRPr lang="en-US" dirty="0"/>
+          </a:p>
+        </p:txBody>
+      </p:sp>
+      <p:sp>
+        <p:nvSpPr>
+          <p:cNvPr id="6" name="Title 5">
+            <a:extLst>
+              <a:ext uri="{FF2B5EF4-FFF2-40B4-BE49-F238E27FC236}">
+                <a16:creationId xmlns:a16="http://schemas.microsoft.com/office/drawing/2014/main" id="{6824E511-DF07-E8A4-BBFB-FB0395D5E62D}"/>
+              </a:ext>
+            </a:extLst>
+          </p:cNvPr>
+          <p:cNvSpPr>
+            <a:spLocks noGrp="1"/>
+          </p:cNvSpPr>
+          <p:nvPr>
+            <p:ph type="title"/>
+          </p:nvPr>
+        </p:nvSpPr>
+        <p:spPr/>
+        <p:txBody>
+          <a:bodyPr/>
+          <a:lstStyle/>
+          <a:p>
+            <a:r>
+              <a:rPr lang="en-GB" dirty="0"/>
+              <a:t>The </a:t>
+            </a:r>
+            <a:r>
+              <a:rPr lang="en-GB" b="1" dirty="0">
+                <a:solidFill>
+                  <a:srgbClr val="0000FF"/>
+                </a:solidFill>
+                <a:highlight>
+                  <a:srgbClr val="FFFFFF"/>
+                </a:highlight>
+                <a:latin typeface="Cascadia Mono" panose="020B0609020000020004" pitchFamily="49" charset="0"/>
+                <a:ea typeface="+mn-ea"/>
+                <a:cs typeface="+mn-cs"/>
+              </a:rPr>
+              <a:t>using</a:t>
+            </a:r>
+            <a:r>
+              <a:rPr lang="en-GB" dirty="0"/>
+              <a:t> statement handles object disposal automatically</a:t>
+            </a:r>
+          </a:p>
+        </p:txBody>
+      </p:sp>
+      <p:sp>
+        <p:nvSpPr>
+          <p:cNvPr id="8" name="TextBox 7">
+            <a:extLst>
+              <a:ext uri="{FF2B5EF4-FFF2-40B4-BE49-F238E27FC236}">
+                <a16:creationId xmlns:a16="http://schemas.microsoft.com/office/drawing/2014/main" id="{D1A6FE05-02A8-5029-A702-379F140527A5}"/>
+              </a:ext>
+            </a:extLst>
+          </p:cNvPr>
+          <p:cNvSpPr txBox="1"/>
+          <p:nvPr/>
+        </p:nvSpPr>
+        <p:spPr>
+          <a:xfrm>
+            <a:off x="339971" y="1368986"/>
+            <a:ext cx="11517818" cy="4524315"/>
+          </a:xfrm>
+          <a:prstGeom prst="rect">
+            <a:avLst/>
+          </a:prstGeom>
+          <a:noFill/>
+        </p:spPr>
+        <p:txBody>
+          <a:bodyPr wrap="square">
+            <a:spAutoFit/>
+          </a:bodyPr>
+          <a:lstStyle/>
+          <a:p>
+            <a:r>
+              <a:rPr lang="en-GB" sz="1600" b="1" dirty="0">
+                <a:solidFill>
+                  <a:srgbClr val="000000"/>
+                </a:solidFill>
+                <a:highlight>
+                  <a:srgbClr val="FFFFFF"/>
+                </a:highlight>
+                <a:latin typeface="Cascadia Mono" panose="020B0609020000020004" pitchFamily="49" charset="0"/>
+              </a:rPr>
+              <a:t> </a:t>
+            </a:r>
+            <a:r>
+              <a:rPr lang="en-GB" sz="1600" b="1" dirty="0">
+                <a:solidFill>
+                  <a:srgbClr val="0000FF"/>
+                </a:solidFill>
+                <a:highlight>
+                  <a:srgbClr val="FFFFFF"/>
+                </a:highlight>
+                <a:latin typeface="Cascadia Mono" panose="020B0609020000020004" pitchFamily="49" charset="0"/>
+              </a:rPr>
+              <a:t>string</a:t>
+            </a:r>
+            <a:r>
+              <a:rPr lang="en-GB" sz="1600" b="1" dirty="0">
+                <a:solidFill>
+                  <a:srgbClr val="000000"/>
+                </a:solidFill>
+                <a:highlight>
+                  <a:srgbClr val="FFFFFF"/>
+                </a:highlight>
+                <a:latin typeface="Cascadia Mono" panose="020B0609020000020004" pitchFamily="49" charset="0"/>
+              </a:rPr>
+              <a:t> </a:t>
+            </a:r>
+            <a:r>
+              <a:rPr lang="en-GB" sz="1600" b="1" dirty="0" err="1">
+                <a:solidFill>
+                  <a:srgbClr val="000000"/>
+                </a:solidFill>
+                <a:highlight>
+                  <a:srgbClr val="FFFFFF"/>
+                </a:highlight>
+                <a:latin typeface="Cascadia Mono" panose="020B0609020000020004" pitchFamily="49" charset="0"/>
+              </a:rPr>
+              <a:t>connectionString</a:t>
+            </a:r>
+            <a:r>
+              <a:rPr lang="en-GB" sz="1600" b="1" dirty="0">
+                <a:solidFill>
+                  <a:srgbClr val="000000"/>
+                </a:solidFill>
+                <a:highlight>
+                  <a:srgbClr val="FFFFFF"/>
+                </a:highlight>
+                <a:latin typeface="Cascadia Mono" panose="020B0609020000020004" pitchFamily="49" charset="0"/>
+              </a:rPr>
+              <a:t> = </a:t>
+            </a:r>
+            <a:r>
+              <a:rPr lang="en-GB" sz="1600" b="1" dirty="0">
+                <a:solidFill>
+                  <a:srgbClr val="800000"/>
+                </a:solidFill>
+                <a:highlight>
+                  <a:srgbClr val="FFFFFF"/>
+                </a:highlight>
+                <a:latin typeface="Cascadia Mono" panose="020B0609020000020004" pitchFamily="49" charset="0"/>
+              </a:rPr>
+              <a:t>@"</a:t>
+            </a:r>
+            <a:r>
+              <a:rPr lang="en-GB" sz="1200" b="1" dirty="0">
+                <a:solidFill>
+                  <a:srgbClr val="800000"/>
+                </a:solidFill>
+                <a:highlight>
+                  <a:srgbClr val="FFFFFF"/>
+                </a:highlight>
+                <a:latin typeface="Cascadia Mono" panose="020B0609020000020004" pitchFamily="49" charset="0"/>
+              </a:rPr>
+              <a:t>Data Source=.\</a:t>
+            </a:r>
+            <a:r>
+              <a:rPr lang="en-GB" sz="1200" b="1" dirty="0" err="1">
+                <a:solidFill>
+                  <a:srgbClr val="800000"/>
+                </a:solidFill>
+                <a:highlight>
+                  <a:srgbClr val="FFFFFF"/>
+                </a:highlight>
+                <a:latin typeface="Cascadia Mono" panose="020B0609020000020004" pitchFamily="49" charset="0"/>
+              </a:rPr>
+              <a:t>sqlexpress;Initial</a:t>
+            </a:r>
+            <a:r>
+              <a:rPr lang="en-GB" sz="1200" b="1" dirty="0">
+                <a:solidFill>
+                  <a:srgbClr val="800000"/>
+                </a:solidFill>
+                <a:highlight>
+                  <a:srgbClr val="FFFFFF"/>
+                </a:highlight>
+                <a:latin typeface="Cascadia Mono" panose="020B0609020000020004" pitchFamily="49" charset="0"/>
+              </a:rPr>
+              <a:t> </a:t>
+            </a:r>
+            <a:r>
+              <a:rPr lang="en-GB" sz="1200" b="1" dirty="0" err="1">
+                <a:solidFill>
+                  <a:srgbClr val="800000"/>
+                </a:solidFill>
+                <a:highlight>
+                  <a:srgbClr val="FFFFFF"/>
+                </a:highlight>
+                <a:latin typeface="Cascadia Mono" panose="020B0609020000020004" pitchFamily="49" charset="0"/>
+              </a:rPr>
+              <a:t>Catalog</a:t>
+            </a:r>
+            <a:r>
+              <a:rPr lang="en-GB" sz="1200" b="1" dirty="0">
+                <a:solidFill>
+                  <a:srgbClr val="800000"/>
+                </a:solidFill>
+                <a:highlight>
+                  <a:srgbClr val="FFFFFF"/>
+                </a:highlight>
+                <a:latin typeface="Cascadia Mono" panose="020B0609020000020004" pitchFamily="49" charset="0"/>
+              </a:rPr>
+              <a:t>=</a:t>
+            </a:r>
+            <a:r>
+              <a:rPr lang="en-GB" sz="1200" b="1" dirty="0" err="1">
+                <a:solidFill>
+                  <a:srgbClr val="800000"/>
+                </a:solidFill>
+                <a:highlight>
+                  <a:srgbClr val="FFFFFF"/>
+                </a:highlight>
+                <a:latin typeface="Cascadia Mono" panose="020B0609020000020004" pitchFamily="49" charset="0"/>
+              </a:rPr>
+              <a:t>Northwind;Integrated</a:t>
+            </a:r>
+            <a:r>
+              <a:rPr lang="en-GB" sz="1200" b="1" dirty="0">
+                <a:solidFill>
+                  <a:srgbClr val="800000"/>
+                </a:solidFill>
+                <a:highlight>
+                  <a:srgbClr val="FFFFFF"/>
+                </a:highlight>
+                <a:latin typeface="Cascadia Mono" panose="020B0609020000020004" pitchFamily="49" charset="0"/>
+              </a:rPr>
+              <a:t> Security=True</a:t>
+            </a:r>
+            <a:r>
+              <a:rPr lang="en-GB" sz="1600" b="1" dirty="0">
+                <a:solidFill>
+                  <a:srgbClr val="800000"/>
+                </a:solidFill>
+                <a:highlight>
+                  <a:srgbClr val="FFFFFF"/>
+                </a:highlight>
+                <a:latin typeface="Cascadia Mono" panose="020B0609020000020004" pitchFamily="49" charset="0"/>
+              </a:rPr>
+              <a:t>"</a:t>
+            </a:r>
+            <a:r>
+              <a:rPr lang="en-GB" sz="1600" b="1" dirty="0">
+                <a:solidFill>
+                  <a:srgbClr val="000000"/>
+                </a:solidFill>
+                <a:highlight>
+                  <a:srgbClr val="FFFFFF"/>
+                </a:highlight>
+                <a:latin typeface="Cascadia Mono" panose="020B0609020000020004" pitchFamily="49" charset="0"/>
+              </a:rPr>
+              <a:t>;</a:t>
+            </a:r>
+          </a:p>
+          <a:p>
+            <a:r>
+              <a:rPr lang="en-GB" sz="1600" b="1" dirty="0">
+                <a:solidFill>
+                  <a:srgbClr val="000000"/>
+                </a:solidFill>
+                <a:highlight>
+                  <a:srgbClr val="FFFFFF"/>
+                </a:highlight>
+                <a:latin typeface="Cascadia Mono" panose="020B0609020000020004" pitchFamily="49" charset="0"/>
+              </a:rPr>
+              <a:t> </a:t>
+            </a:r>
+            <a:r>
+              <a:rPr lang="en-GB" sz="1600" b="1" dirty="0">
+                <a:solidFill>
+                  <a:srgbClr val="0000FF"/>
+                </a:solidFill>
+                <a:highlight>
+                  <a:srgbClr val="FFFFFF"/>
+                </a:highlight>
+                <a:latin typeface="Cascadia Mono" panose="020B0609020000020004" pitchFamily="49" charset="0"/>
+              </a:rPr>
+              <a:t>string</a:t>
+            </a:r>
+            <a:r>
+              <a:rPr lang="en-GB" sz="1600" b="1" dirty="0">
+                <a:solidFill>
+                  <a:srgbClr val="000000"/>
+                </a:solidFill>
+                <a:highlight>
+                  <a:srgbClr val="FFFFFF"/>
+                </a:highlight>
+                <a:latin typeface="Cascadia Mono" panose="020B0609020000020004" pitchFamily="49" charset="0"/>
+              </a:rPr>
+              <a:t> </a:t>
+            </a:r>
+            <a:r>
+              <a:rPr lang="en-GB" sz="1600" b="1" dirty="0" err="1">
+                <a:solidFill>
+                  <a:srgbClr val="000000"/>
+                </a:solidFill>
+                <a:highlight>
+                  <a:srgbClr val="FFFFFF"/>
+                </a:highlight>
+                <a:latin typeface="Cascadia Mono" panose="020B0609020000020004" pitchFamily="49" charset="0"/>
+              </a:rPr>
+              <a:t>sqlStr</a:t>
+            </a:r>
+            <a:r>
+              <a:rPr lang="en-GB" sz="1600" b="1" dirty="0">
+                <a:solidFill>
+                  <a:srgbClr val="000000"/>
+                </a:solidFill>
+                <a:highlight>
+                  <a:srgbClr val="FFFFFF"/>
+                </a:highlight>
+                <a:latin typeface="Cascadia Mono" panose="020B0609020000020004" pitchFamily="49" charset="0"/>
+              </a:rPr>
+              <a:t> = </a:t>
+            </a:r>
+            <a:r>
+              <a:rPr lang="en-GB" sz="1600" b="1" dirty="0">
+                <a:solidFill>
+                  <a:srgbClr val="A31515"/>
+                </a:solidFill>
+                <a:highlight>
+                  <a:srgbClr val="FFFFFF"/>
+                </a:highlight>
+                <a:latin typeface="Cascadia Mono" panose="020B0609020000020004" pitchFamily="49" charset="0"/>
+              </a:rPr>
+              <a:t>"SELECT * FROM Customers"</a:t>
+            </a:r>
+            <a:r>
+              <a:rPr lang="en-GB" sz="1600" b="1" dirty="0">
+                <a:solidFill>
+                  <a:srgbClr val="000000"/>
+                </a:solidFill>
+                <a:highlight>
+                  <a:srgbClr val="FFFFFF"/>
+                </a:highlight>
+                <a:latin typeface="Cascadia Mono" panose="020B0609020000020004" pitchFamily="49" charset="0"/>
+              </a:rPr>
+              <a:t>;</a:t>
+            </a:r>
+          </a:p>
+          <a:p>
+            <a:endParaRPr lang="en-GB" sz="1600" b="1" dirty="0">
+              <a:solidFill>
+                <a:srgbClr val="000000"/>
+              </a:solidFill>
+              <a:highlight>
+                <a:srgbClr val="FFFFFF"/>
+              </a:highlight>
+              <a:latin typeface="Cascadia Mono" panose="020B0609020000020004" pitchFamily="49" charset="0"/>
+            </a:endParaRPr>
+          </a:p>
+          <a:p>
+            <a:r>
+              <a:rPr lang="en-GB" sz="1600" b="1" dirty="0">
+                <a:solidFill>
+                  <a:srgbClr val="000000"/>
+                </a:solidFill>
+                <a:highlight>
+                  <a:srgbClr val="FFFFFF"/>
+                </a:highlight>
+                <a:latin typeface="Cascadia Mono" panose="020B0609020000020004" pitchFamily="49" charset="0"/>
+              </a:rPr>
+              <a:t>       </a:t>
+            </a:r>
+            <a:r>
+              <a:rPr lang="en-GB" sz="1600" b="1" dirty="0">
+                <a:solidFill>
+                  <a:srgbClr val="0000FF"/>
+                </a:solidFill>
+                <a:highlight>
+                  <a:srgbClr val="FFFFFF"/>
+                </a:highlight>
+                <a:latin typeface="Cascadia Mono" panose="020B0609020000020004" pitchFamily="49" charset="0"/>
+              </a:rPr>
+              <a:t>using</a:t>
+            </a:r>
+            <a:r>
+              <a:rPr lang="en-GB" sz="1600" b="1" dirty="0">
+                <a:solidFill>
+                  <a:srgbClr val="000000"/>
+                </a:solidFill>
+                <a:highlight>
+                  <a:srgbClr val="FFFFFF"/>
+                </a:highlight>
+                <a:latin typeface="Cascadia Mono" panose="020B0609020000020004" pitchFamily="49" charset="0"/>
+              </a:rPr>
+              <a:t> (</a:t>
+            </a:r>
+            <a:r>
+              <a:rPr lang="en-GB" sz="1600" b="1" dirty="0" err="1">
+                <a:solidFill>
+                  <a:srgbClr val="2B91AF"/>
+                </a:solidFill>
+                <a:highlight>
+                  <a:srgbClr val="FFFFFF"/>
+                </a:highlight>
+                <a:latin typeface="Cascadia Mono" panose="020B0609020000020004" pitchFamily="49" charset="0"/>
+              </a:rPr>
+              <a:t>SqlConnection</a:t>
+            </a:r>
+            <a:r>
+              <a:rPr lang="en-GB" sz="1600" b="1" dirty="0">
+                <a:solidFill>
+                  <a:srgbClr val="000000"/>
+                </a:solidFill>
+                <a:highlight>
+                  <a:srgbClr val="FFFFFF"/>
+                </a:highlight>
+                <a:latin typeface="Cascadia Mono" panose="020B0609020000020004" pitchFamily="49" charset="0"/>
+              </a:rPr>
+              <a:t> </a:t>
+            </a:r>
+            <a:r>
+              <a:rPr lang="en-GB" sz="1600" b="1" dirty="0" err="1">
+                <a:solidFill>
+                  <a:srgbClr val="000000"/>
+                </a:solidFill>
+                <a:highlight>
+                  <a:srgbClr val="FFFFFF"/>
+                </a:highlight>
+                <a:latin typeface="Cascadia Mono" panose="020B0609020000020004" pitchFamily="49" charset="0"/>
+              </a:rPr>
+              <a:t>cn</a:t>
+            </a:r>
+            <a:r>
+              <a:rPr lang="en-GB" sz="1600" b="1" dirty="0">
+                <a:solidFill>
+                  <a:srgbClr val="000000"/>
+                </a:solidFill>
+                <a:highlight>
+                  <a:srgbClr val="FFFFFF"/>
+                </a:highlight>
+                <a:latin typeface="Cascadia Mono" panose="020B0609020000020004" pitchFamily="49" charset="0"/>
+              </a:rPr>
+              <a:t> = </a:t>
+            </a:r>
+            <a:r>
+              <a:rPr lang="en-GB" sz="1600" b="1" dirty="0">
+                <a:solidFill>
+                  <a:srgbClr val="0000FF"/>
+                </a:solidFill>
+                <a:highlight>
+                  <a:srgbClr val="FFFFFF"/>
+                </a:highlight>
+                <a:latin typeface="Cascadia Mono" panose="020B0609020000020004" pitchFamily="49" charset="0"/>
+              </a:rPr>
+              <a:t>new</a:t>
+            </a:r>
+            <a:r>
+              <a:rPr lang="en-GB" sz="1600" b="1" dirty="0">
+                <a:solidFill>
+                  <a:srgbClr val="000000"/>
+                </a:solidFill>
+                <a:highlight>
+                  <a:srgbClr val="FFFFFF"/>
+                </a:highlight>
+                <a:latin typeface="Cascadia Mono" panose="020B0609020000020004" pitchFamily="49" charset="0"/>
+              </a:rPr>
+              <a:t> </a:t>
+            </a:r>
+            <a:r>
+              <a:rPr lang="en-GB" sz="1600" b="1" dirty="0" err="1">
+                <a:solidFill>
+                  <a:srgbClr val="2B91AF"/>
+                </a:solidFill>
+                <a:highlight>
+                  <a:srgbClr val="FFFFFF"/>
+                </a:highlight>
+                <a:latin typeface="Cascadia Mono" panose="020B0609020000020004" pitchFamily="49" charset="0"/>
+              </a:rPr>
+              <a:t>SqlConnection</a:t>
+            </a:r>
+            <a:r>
+              <a:rPr lang="en-GB" sz="1600" b="1" dirty="0">
+                <a:solidFill>
+                  <a:srgbClr val="000000"/>
+                </a:solidFill>
+                <a:highlight>
+                  <a:srgbClr val="FFFFFF"/>
+                </a:highlight>
+                <a:latin typeface="Cascadia Mono" panose="020B0609020000020004" pitchFamily="49" charset="0"/>
+              </a:rPr>
+              <a:t>(</a:t>
+            </a:r>
+            <a:r>
+              <a:rPr lang="en-GB" sz="1600" b="1" dirty="0" err="1">
+                <a:solidFill>
+                  <a:srgbClr val="000000"/>
+                </a:solidFill>
+                <a:highlight>
+                  <a:srgbClr val="FFFFFF"/>
+                </a:highlight>
+                <a:latin typeface="Cascadia Mono" panose="020B0609020000020004" pitchFamily="49" charset="0"/>
+              </a:rPr>
+              <a:t>connectionString</a:t>
+            </a:r>
+            <a:r>
+              <a:rPr lang="en-GB" sz="1600" b="1" dirty="0">
+                <a:solidFill>
+                  <a:srgbClr val="000000"/>
+                </a:solidFill>
+                <a:highlight>
+                  <a:srgbClr val="FFFFFF"/>
+                </a:highlight>
+                <a:latin typeface="Cascadia Mono" panose="020B0609020000020004" pitchFamily="49" charset="0"/>
+              </a:rPr>
+              <a:t>))</a:t>
+            </a:r>
+          </a:p>
+          <a:p>
+            <a:r>
+              <a:rPr lang="en-GB" sz="1600" b="1" dirty="0">
+                <a:solidFill>
+                  <a:srgbClr val="000000"/>
+                </a:solidFill>
+                <a:highlight>
+                  <a:srgbClr val="FFFFFF"/>
+                </a:highlight>
+                <a:latin typeface="Cascadia Mono" panose="020B0609020000020004" pitchFamily="49" charset="0"/>
+              </a:rPr>
+              <a:t>       {</a:t>
+            </a:r>
+          </a:p>
+          <a:p>
+            <a:r>
+              <a:rPr lang="en-GB" sz="1600" b="1" dirty="0">
+                <a:solidFill>
+                  <a:srgbClr val="000000"/>
+                </a:solidFill>
+                <a:highlight>
+                  <a:srgbClr val="FFFFFF"/>
+                </a:highlight>
+                <a:latin typeface="Cascadia Mono" panose="020B0609020000020004" pitchFamily="49" charset="0"/>
+              </a:rPr>
+              <a:t>           </a:t>
+            </a:r>
+            <a:r>
+              <a:rPr lang="en-GB" sz="1600" b="1" dirty="0">
+                <a:solidFill>
+                  <a:srgbClr val="0000FF"/>
+                </a:solidFill>
+                <a:highlight>
+                  <a:srgbClr val="FFFFFF"/>
+                </a:highlight>
+                <a:latin typeface="Cascadia Mono" panose="020B0609020000020004" pitchFamily="49" charset="0"/>
+              </a:rPr>
+              <a:t>using</a:t>
+            </a:r>
+            <a:r>
+              <a:rPr lang="en-GB" sz="1600" b="1" dirty="0">
+                <a:solidFill>
+                  <a:srgbClr val="000000"/>
+                </a:solidFill>
+                <a:highlight>
+                  <a:srgbClr val="FFFFFF"/>
+                </a:highlight>
+                <a:latin typeface="Cascadia Mono" panose="020B0609020000020004" pitchFamily="49" charset="0"/>
+              </a:rPr>
+              <a:t> (</a:t>
+            </a:r>
+            <a:r>
+              <a:rPr lang="en-GB" sz="1600" b="1" dirty="0" err="1">
+                <a:solidFill>
+                  <a:srgbClr val="2B91AF"/>
+                </a:solidFill>
+                <a:highlight>
+                  <a:srgbClr val="FFFFFF"/>
+                </a:highlight>
+                <a:latin typeface="Cascadia Mono" panose="020B0609020000020004" pitchFamily="49" charset="0"/>
+              </a:rPr>
+              <a:t>SqlCommand</a:t>
+            </a:r>
+            <a:r>
+              <a:rPr lang="en-GB" sz="1600" b="1" dirty="0">
+                <a:solidFill>
+                  <a:srgbClr val="000000"/>
+                </a:solidFill>
+                <a:highlight>
+                  <a:srgbClr val="FFFFFF"/>
+                </a:highlight>
+                <a:latin typeface="Cascadia Mono" panose="020B0609020000020004" pitchFamily="49" charset="0"/>
+              </a:rPr>
+              <a:t> com = </a:t>
+            </a:r>
+            <a:r>
+              <a:rPr lang="en-GB" sz="1600" b="1" dirty="0">
+                <a:solidFill>
+                  <a:srgbClr val="0000FF"/>
+                </a:solidFill>
+                <a:highlight>
+                  <a:srgbClr val="FFFFFF"/>
+                </a:highlight>
+                <a:latin typeface="Cascadia Mono" panose="020B0609020000020004" pitchFamily="49" charset="0"/>
+              </a:rPr>
+              <a:t>new</a:t>
+            </a:r>
+            <a:r>
+              <a:rPr lang="en-GB" sz="1600" b="1" dirty="0">
+                <a:solidFill>
+                  <a:srgbClr val="000000"/>
+                </a:solidFill>
+                <a:highlight>
+                  <a:srgbClr val="FFFFFF"/>
+                </a:highlight>
+                <a:latin typeface="Cascadia Mono" panose="020B0609020000020004" pitchFamily="49" charset="0"/>
+              </a:rPr>
+              <a:t> </a:t>
+            </a:r>
+            <a:r>
+              <a:rPr lang="en-GB" sz="1600" b="1" dirty="0" err="1">
+                <a:solidFill>
+                  <a:srgbClr val="2B91AF"/>
+                </a:solidFill>
+                <a:highlight>
+                  <a:srgbClr val="FFFFFF"/>
+                </a:highlight>
+                <a:latin typeface="Cascadia Mono" panose="020B0609020000020004" pitchFamily="49" charset="0"/>
+              </a:rPr>
+              <a:t>SqlCommand</a:t>
+            </a:r>
+            <a:r>
+              <a:rPr lang="en-GB" sz="1600" b="1" dirty="0">
+                <a:solidFill>
+                  <a:srgbClr val="000000"/>
+                </a:solidFill>
+                <a:highlight>
+                  <a:srgbClr val="FFFFFF"/>
+                </a:highlight>
+                <a:latin typeface="Cascadia Mono" panose="020B0609020000020004" pitchFamily="49" charset="0"/>
+              </a:rPr>
+              <a:t>(</a:t>
+            </a:r>
+            <a:r>
+              <a:rPr lang="en-GB" sz="1600" b="1" dirty="0" err="1">
+                <a:solidFill>
+                  <a:srgbClr val="000000"/>
+                </a:solidFill>
+                <a:highlight>
+                  <a:srgbClr val="FFFFFF"/>
+                </a:highlight>
+                <a:latin typeface="Cascadia Mono" panose="020B0609020000020004" pitchFamily="49" charset="0"/>
+              </a:rPr>
+              <a:t>sqlStr</a:t>
+            </a:r>
+            <a:r>
+              <a:rPr lang="en-GB" sz="1600" b="1" dirty="0">
+                <a:solidFill>
+                  <a:srgbClr val="000000"/>
+                </a:solidFill>
+                <a:highlight>
+                  <a:srgbClr val="FFFFFF"/>
+                </a:highlight>
+                <a:latin typeface="Cascadia Mono" panose="020B0609020000020004" pitchFamily="49" charset="0"/>
+              </a:rPr>
+              <a:t>, </a:t>
+            </a:r>
+            <a:r>
+              <a:rPr lang="en-GB" sz="1600" b="1" dirty="0" err="1">
+                <a:solidFill>
+                  <a:srgbClr val="000000"/>
+                </a:solidFill>
+                <a:highlight>
+                  <a:srgbClr val="FFFFFF"/>
+                </a:highlight>
+                <a:latin typeface="Cascadia Mono" panose="020B0609020000020004" pitchFamily="49" charset="0"/>
+              </a:rPr>
+              <a:t>cn</a:t>
+            </a:r>
+            <a:r>
+              <a:rPr lang="en-GB" sz="1600" b="1" dirty="0">
+                <a:solidFill>
+                  <a:srgbClr val="000000"/>
+                </a:solidFill>
+                <a:highlight>
+                  <a:srgbClr val="FFFFFF"/>
+                </a:highlight>
+                <a:latin typeface="Cascadia Mono" panose="020B0609020000020004" pitchFamily="49" charset="0"/>
+              </a:rPr>
+              <a:t>))</a:t>
+            </a:r>
+          </a:p>
+          <a:p>
+            <a:r>
+              <a:rPr lang="en-GB" sz="1600" b="1" dirty="0">
+                <a:solidFill>
+                  <a:srgbClr val="000000"/>
+                </a:solidFill>
+                <a:highlight>
+                  <a:srgbClr val="FFFFFF"/>
+                </a:highlight>
+                <a:latin typeface="Cascadia Mono" panose="020B0609020000020004" pitchFamily="49" charset="0"/>
+              </a:rPr>
+              <a:t>           {</a:t>
+            </a:r>
+          </a:p>
+          <a:p>
+            <a:r>
+              <a:rPr lang="en-GB" sz="1600" b="1" dirty="0">
+                <a:solidFill>
+                  <a:srgbClr val="000000"/>
+                </a:solidFill>
+                <a:highlight>
+                  <a:srgbClr val="FFFFFF"/>
+                </a:highlight>
+                <a:latin typeface="Cascadia Mono" panose="020B0609020000020004" pitchFamily="49" charset="0"/>
+              </a:rPr>
+              <a:t>               </a:t>
+            </a:r>
+            <a:r>
+              <a:rPr lang="en-GB" sz="1600" b="1" dirty="0" err="1">
+                <a:solidFill>
+                  <a:srgbClr val="000000"/>
+                </a:solidFill>
+                <a:highlight>
+                  <a:srgbClr val="FFFFFF"/>
+                </a:highlight>
+                <a:latin typeface="Cascadia Mono" panose="020B0609020000020004" pitchFamily="49" charset="0"/>
+              </a:rPr>
+              <a:t>cn.Open</a:t>
+            </a:r>
+            <a:r>
+              <a:rPr lang="en-GB" sz="1600" b="1" dirty="0">
+                <a:solidFill>
+                  <a:srgbClr val="000000"/>
+                </a:solidFill>
+                <a:highlight>
+                  <a:srgbClr val="FFFFFF"/>
+                </a:highlight>
+                <a:latin typeface="Cascadia Mono" panose="020B0609020000020004" pitchFamily="49" charset="0"/>
+              </a:rPr>
+              <a:t>();</a:t>
+            </a:r>
+          </a:p>
+          <a:p>
+            <a:endParaRPr lang="en-GB" sz="1600" b="1" dirty="0">
+              <a:solidFill>
+                <a:srgbClr val="000000"/>
+              </a:solidFill>
+              <a:highlight>
+                <a:srgbClr val="FFFFFF"/>
+              </a:highlight>
+              <a:latin typeface="Cascadia Mono" panose="020B0609020000020004" pitchFamily="49" charset="0"/>
+            </a:endParaRPr>
+          </a:p>
+          <a:p>
+            <a:r>
+              <a:rPr lang="en-GB" sz="1600" b="1" dirty="0">
+                <a:solidFill>
+                  <a:srgbClr val="000000"/>
+                </a:solidFill>
+                <a:highlight>
+                  <a:srgbClr val="FFFFFF"/>
+                </a:highlight>
+                <a:latin typeface="Cascadia Mono" panose="020B0609020000020004" pitchFamily="49" charset="0"/>
+              </a:rPr>
+              <a:t>               </a:t>
+            </a:r>
+            <a:r>
+              <a:rPr lang="en-GB" sz="1600" b="1" dirty="0">
+                <a:solidFill>
+                  <a:srgbClr val="0000FF"/>
+                </a:solidFill>
+                <a:highlight>
+                  <a:srgbClr val="FFFFFF"/>
+                </a:highlight>
+                <a:latin typeface="Cascadia Mono" panose="020B0609020000020004" pitchFamily="49" charset="0"/>
+              </a:rPr>
+              <a:t>using</a:t>
+            </a:r>
+            <a:r>
+              <a:rPr lang="en-GB" sz="1600" b="1" dirty="0">
+                <a:solidFill>
+                  <a:srgbClr val="000000"/>
+                </a:solidFill>
+                <a:highlight>
+                  <a:srgbClr val="FFFFFF"/>
+                </a:highlight>
+                <a:latin typeface="Cascadia Mono" panose="020B0609020000020004" pitchFamily="49" charset="0"/>
+              </a:rPr>
+              <a:t> (</a:t>
+            </a:r>
+            <a:r>
+              <a:rPr lang="en-GB" sz="1600" b="1" dirty="0" err="1">
+                <a:solidFill>
+                  <a:srgbClr val="2B91AF"/>
+                </a:solidFill>
+                <a:highlight>
+                  <a:srgbClr val="FFFFFF"/>
+                </a:highlight>
+                <a:latin typeface="Cascadia Mono" panose="020B0609020000020004" pitchFamily="49" charset="0"/>
+              </a:rPr>
+              <a:t>SqlDataReader</a:t>
+            </a:r>
+            <a:r>
+              <a:rPr lang="en-GB" sz="1600" b="1" dirty="0">
+                <a:solidFill>
+                  <a:srgbClr val="000000"/>
+                </a:solidFill>
+                <a:highlight>
+                  <a:srgbClr val="FFFFFF"/>
+                </a:highlight>
+                <a:latin typeface="Cascadia Mono" panose="020B0609020000020004" pitchFamily="49" charset="0"/>
+              </a:rPr>
+              <a:t> dr = </a:t>
+            </a:r>
+            <a:r>
+              <a:rPr lang="en-GB" sz="1600" b="1" dirty="0" err="1">
+                <a:solidFill>
+                  <a:srgbClr val="000000"/>
+                </a:solidFill>
+                <a:highlight>
+                  <a:srgbClr val="FFFFFF"/>
+                </a:highlight>
+                <a:latin typeface="Cascadia Mono" panose="020B0609020000020004" pitchFamily="49" charset="0"/>
+              </a:rPr>
+              <a:t>com.ExecuteReader</a:t>
+            </a:r>
+            <a:r>
+              <a:rPr lang="en-GB" sz="1600" b="1" dirty="0">
+                <a:solidFill>
+                  <a:srgbClr val="000000"/>
+                </a:solidFill>
+                <a:highlight>
+                  <a:srgbClr val="FFFFFF"/>
+                </a:highlight>
+                <a:latin typeface="Cascadia Mono" panose="020B0609020000020004" pitchFamily="49" charset="0"/>
+              </a:rPr>
+              <a:t>())</a:t>
+            </a:r>
+          </a:p>
+          <a:p>
+            <a:r>
+              <a:rPr lang="en-GB" sz="1600" b="1" dirty="0">
+                <a:solidFill>
+                  <a:srgbClr val="000000"/>
+                </a:solidFill>
+                <a:highlight>
+                  <a:srgbClr val="FFFFFF"/>
+                </a:highlight>
+                <a:latin typeface="Cascadia Mono" panose="020B0609020000020004" pitchFamily="49" charset="0"/>
+              </a:rPr>
+              <a:t>               {</a:t>
+            </a:r>
+          </a:p>
+          <a:p>
+            <a:r>
+              <a:rPr lang="en-GB" sz="1600" b="1" dirty="0">
+                <a:solidFill>
+                  <a:srgbClr val="000000"/>
+                </a:solidFill>
+                <a:highlight>
+                  <a:srgbClr val="FFFFFF"/>
+                </a:highlight>
+                <a:latin typeface="Cascadia Mono" panose="020B0609020000020004" pitchFamily="49" charset="0"/>
+              </a:rPr>
+              <a:t>                   </a:t>
+            </a:r>
+            <a:r>
+              <a:rPr lang="en-GB" sz="1600" b="1" dirty="0">
+                <a:solidFill>
+                  <a:srgbClr val="0000FF"/>
+                </a:solidFill>
+                <a:highlight>
+                  <a:srgbClr val="FFFFFF"/>
+                </a:highlight>
+                <a:latin typeface="Cascadia Mono" panose="020B0609020000020004" pitchFamily="49" charset="0"/>
+              </a:rPr>
+              <a:t>while</a:t>
+            </a:r>
+            <a:r>
+              <a:rPr lang="en-GB" sz="1600" b="1" dirty="0">
+                <a:solidFill>
+                  <a:srgbClr val="000000"/>
+                </a:solidFill>
+                <a:highlight>
+                  <a:srgbClr val="FFFFFF"/>
+                </a:highlight>
+                <a:latin typeface="Cascadia Mono" panose="020B0609020000020004" pitchFamily="49" charset="0"/>
+              </a:rPr>
+              <a:t> (</a:t>
+            </a:r>
+            <a:r>
+              <a:rPr lang="en-GB" sz="1600" b="1" dirty="0" err="1">
+                <a:solidFill>
+                  <a:srgbClr val="000000"/>
+                </a:solidFill>
+                <a:highlight>
+                  <a:srgbClr val="FFFFFF"/>
+                </a:highlight>
+                <a:latin typeface="Cascadia Mono" panose="020B0609020000020004" pitchFamily="49" charset="0"/>
+              </a:rPr>
+              <a:t>dr.Read</a:t>
+            </a:r>
+            <a:r>
+              <a:rPr lang="en-GB" sz="1600" b="1" dirty="0">
+                <a:solidFill>
+                  <a:srgbClr val="000000"/>
+                </a:solidFill>
+                <a:highlight>
+                  <a:srgbClr val="FFFFFF"/>
+                </a:highlight>
+                <a:latin typeface="Cascadia Mono" panose="020B0609020000020004" pitchFamily="49" charset="0"/>
+              </a:rPr>
+              <a:t>())</a:t>
+            </a:r>
+          </a:p>
+          <a:p>
+            <a:r>
+              <a:rPr lang="en-GB" sz="1600" b="1" dirty="0">
+                <a:solidFill>
+                  <a:srgbClr val="000000"/>
+                </a:solidFill>
+                <a:highlight>
+                  <a:srgbClr val="FFFFFF"/>
+                </a:highlight>
+                <a:latin typeface="Cascadia Mono" panose="020B0609020000020004" pitchFamily="49" charset="0"/>
+              </a:rPr>
+              <a:t>                   {</a:t>
+            </a:r>
+          </a:p>
+          <a:p>
+            <a:r>
+              <a:rPr lang="en-GB" sz="1600" b="1" dirty="0">
+                <a:solidFill>
+                  <a:srgbClr val="000000"/>
+                </a:solidFill>
+                <a:highlight>
+                  <a:srgbClr val="FFFFFF"/>
+                </a:highlight>
+                <a:latin typeface="Cascadia Mono" panose="020B0609020000020004" pitchFamily="49" charset="0"/>
+              </a:rPr>
+              <a:t>                       </a:t>
+            </a:r>
+            <a:r>
+              <a:rPr lang="en-GB" sz="1600" b="1" dirty="0" err="1">
+                <a:solidFill>
+                  <a:srgbClr val="2B91AF"/>
+                </a:solidFill>
+                <a:highlight>
+                  <a:srgbClr val="FFFFFF"/>
+                </a:highlight>
+                <a:latin typeface="Cascadia Mono" panose="020B0609020000020004" pitchFamily="49" charset="0"/>
+              </a:rPr>
+              <a:t>Console</a:t>
+            </a:r>
+            <a:r>
+              <a:rPr lang="en-GB" sz="1600" b="1" dirty="0" err="1">
+                <a:solidFill>
+                  <a:srgbClr val="000000"/>
+                </a:solidFill>
+                <a:highlight>
+                  <a:srgbClr val="FFFFFF"/>
+                </a:highlight>
+                <a:latin typeface="Cascadia Mono" panose="020B0609020000020004" pitchFamily="49" charset="0"/>
+              </a:rPr>
+              <a:t>.WriteLine</a:t>
+            </a:r>
+            <a:r>
+              <a:rPr lang="en-GB" sz="1600" b="1" dirty="0">
+                <a:solidFill>
+                  <a:srgbClr val="000000"/>
+                </a:solidFill>
+                <a:highlight>
+                  <a:srgbClr val="FFFFFF"/>
+                </a:highlight>
+                <a:latin typeface="Cascadia Mono" panose="020B0609020000020004" pitchFamily="49" charset="0"/>
+              </a:rPr>
+              <a:t>(dr[0] + </a:t>
+            </a:r>
+            <a:r>
+              <a:rPr lang="en-GB" sz="1600" b="1" dirty="0">
+                <a:solidFill>
+                  <a:srgbClr val="A31515"/>
+                </a:solidFill>
+                <a:highlight>
+                  <a:srgbClr val="FFFFFF"/>
+                </a:highlight>
+                <a:latin typeface="Cascadia Mono" panose="020B0609020000020004" pitchFamily="49" charset="0"/>
+              </a:rPr>
+              <a:t>" - "</a:t>
+            </a:r>
+            <a:r>
+              <a:rPr lang="en-GB" sz="1600" b="1" dirty="0">
+                <a:solidFill>
+                  <a:srgbClr val="000000"/>
+                </a:solidFill>
+                <a:highlight>
+                  <a:srgbClr val="FFFFFF"/>
+                </a:highlight>
+                <a:latin typeface="Cascadia Mono" panose="020B0609020000020004" pitchFamily="49" charset="0"/>
+              </a:rPr>
+              <a:t> + dr[</a:t>
+            </a:r>
+            <a:r>
+              <a:rPr lang="en-GB" sz="1600" b="1" dirty="0">
+                <a:solidFill>
+                  <a:srgbClr val="A31515"/>
+                </a:solidFill>
+                <a:highlight>
+                  <a:srgbClr val="FFFFFF"/>
+                </a:highlight>
+                <a:latin typeface="Cascadia Mono" panose="020B0609020000020004" pitchFamily="49" charset="0"/>
+              </a:rPr>
+              <a:t>"</a:t>
+            </a:r>
+            <a:r>
+              <a:rPr lang="en-GB" sz="1600" b="1" dirty="0" err="1">
+                <a:solidFill>
+                  <a:srgbClr val="A31515"/>
+                </a:solidFill>
+                <a:highlight>
+                  <a:srgbClr val="FFFFFF"/>
+                </a:highlight>
+                <a:latin typeface="Cascadia Mono" panose="020B0609020000020004" pitchFamily="49" charset="0"/>
+              </a:rPr>
+              <a:t>ContactName</a:t>
+            </a:r>
+            <a:r>
+              <a:rPr lang="en-GB" sz="1600" b="1" dirty="0">
+                <a:solidFill>
+                  <a:srgbClr val="A31515"/>
+                </a:solidFill>
+                <a:highlight>
+                  <a:srgbClr val="FFFFFF"/>
+                </a:highlight>
+                <a:latin typeface="Cascadia Mono" panose="020B0609020000020004" pitchFamily="49" charset="0"/>
+              </a:rPr>
+              <a:t>"</a:t>
+            </a:r>
+            <a:r>
+              <a:rPr lang="en-GB" sz="1600" b="1" dirty="0">
+                <a:solidFill>
+                  <a:srgbClr val="000000"/>
+                </a:solidFill>
+                <a:highlight>
+                  <a:srgbClr val="FFFFFF"/>
+                </a:highlight>
+                <a:latin typeface="Cascadia Mono" panose="020B0609020000020004" pitchFamily="49" charset="0"/>
+              </a:rPr>
+              <a:t>]);</a:t>
+            </a:r>
+          </a:p>
+          <a:p>
+            <a:r>
+              <a:rPr lang="en-GB" sz="1600" b="1" dirty="0">
+                <a:solidFill>
+                  <a:srgbClr val="000000"/>
+                </a:solidFill>
+                <a:highlight>
+                  <a:srgbClr val="FFFFFF"/>
+                </a:highlight>
+                <a:latin typeface="Cascadia Mono" panose="020B0609020000020004" pitchFamily="49" charset="0"/>
+              </a:rPr>
+              <a:t>                   }</a:t>
+            </a:r>
+          </a:p>
+          <a:p>
+            <a:r>
+              <a:rPr lang="en-GB" sz="1600" b="1" dirty="0">
+                <a:solidFill>
+                  <a:srgbClr val="000000"/>
+                </a:solidFill>
+                <a:highlight>
+                  <a:srgbClr val="FFFFFF"/>
+                </a:highlight>
+                <a:latin typeface="Cascadia Mono" panose="020B0609020000020004" pitchFamily="49" charset="0"/>
+              </a:rPr>
+              <a:t>               }</a:t>
+            </a:r>
+          </a:p>
+          <a:p>
+            <a:r>
+              <a:rPr lang="en-GB" sz="1600" b="1" dirty="0">
+                <a:solidFill>
+                  <a:srgbClr val="000000"/>
+                </a:solidFill>
+                <a:highlight>
+                  <a:srgbClr val="FFFFFF"/>
+                </a:highlight>
+                <a:latin typeface="Cascadia Mono" panose="020B0609020000020004" pitchFamily="49" charset="0"/>
+              </a:rPr>
+              <a:t>           }</a:t>
+            </a:r>
+          </a:p>
+          <a:p>
+            <a:r>
+              <a:rPr lang="en-GB" sz="1600" b="1" dirty="0">
+                <a:solidFill>
+                  <a:srgbClr val="000000"/>
+                </a:solidFill>
+                <a:highlight>
+                  <a:srgbClr val="FFFFFF"/>
+                </a:highlight>
+                <a:latin typeface="Cascadia Mono" panose="020B0609020000020004" pitchFamily="49" charset="0"/>
+              </a:rPr>
+              <a:t>       }</a:t>
+            </a:r>
+            <a:endParaRPr lang="en-GB" sz="4000" b="1" dirty="0"/>
+          </a:p>
+        </p:txBody>
+      </p:sp>
+      <p:sp>
+        <p:nvSpPr>
+          <p:cNvPr id="10" name="TextBox 9">
+            <a:extLst>
+              <a:ext uri="{FF2B5EF4-FFF2-40B4-BE49-F238E27FC236}">
+                <a16:creationId xmlns:a16="http://schemas.microsoft.com/office/drawing/2014/main" id="{BD643183-6238-ABEB-FA96-28721EBD4EFD}"/>
+              </a:ext>
+            </a:extLst>
+          </p:cNvPr>
+          <p:cNvSpPr txBox="1"/>
+          <p:nvPr/>
+        </p:nvSpPr>
+        <p:spPr>
+          <a:xfrm>
+            <a:off x="646771" y="6154038"/>
+            <a:ext cx="10983951" cy="400110"/>
+          </a:xfrm>
+          <a:prstGeom prst="rect">
+            <a:avLst/>
+          </a:prstGeom>
+        </p:spPr>
+        <p:style>
+          <a:lnRef idx="2">
+            <a:schemeClr val="dk1">
+              <a:shade val="15000"/>
+            </a:schemeClr>
+          </a:lnRef>
+          <a:fillRef idx="1">
+            <a:schemeClr val="dk1"/>
+          </a:fillRef>
+          <a:effectRef idx="0">
+            <a:schemeClr val="dk1"/>
+          </a:effectRef>
+          <a:fontRef idx="minor">
+            <a:schemeClr val="lt1"/>
+          </a:fontRef>
+        </p:style>
+        <p:txBody>
+          <a:bodyPr wrap="square">
+            <a:spAutoFit/>
+          </a:bodyPr>
+          <a:lstStyle/>
+          <a:p>
+            <a:r>
+              <a:rPr lang="en-GB" dirty="0"/>
+              <a:t>When the code leaves a </a:t>
+            </a:r>
+            <a:r>
+              <a:rPr lang="en-GB" sz="2000" b="1" dirty="0"/>
+              <a:t>using</a:t>
+            </a:r>
+            <a:r>
+              <a:rPr lang="en-GB" dirty="0"/>
+              <a:t> block, the object is closed and disposed automatically</a:t>
+            </a:r>
+          </a:p>
+        </p:txBody>
+      </p:sp>
+    </p:spTree>
+    <p:extLst>
+      <p:ext uri="{BB962C8B-B14F-4D97-AF65-F5344CB8AC3E}">
+        <p14:creationId xmlns:p14="http://schemas.microsoft.com/office/powerpoint/2010/main" val="3688527964"/>
+      </p:ext>
+    </p:extLst>
+  </p:cSld>
+  <p:clrMapOvr>
+    <a:masterClrMapping/>
+  </p:clrMapOvr>
+</p:sld>
+</file>
+
+<file path=ppt/slides/slide12.xml><?xml version="1.0" encoding="utf-8"?>
+<p:sld xmlns:a="http://schemas.openxmlformats.org/drawingml/2006/main" xmlns:r="http://schemas.openxmlformats.org/officeDocument/2006/relationships" xmlns:p="http://schemas.openxmlformats.org/presentationml/2006/main">
+  <p:cSld>
+    <p:spTree>
+      <p:nvGrpSpPr>
+        <p:cNvPr id="1" name=""/>
+        <p:cNvGrpSpPr/>
+        <p:nvPr/>
+      </p:nvGrpSpPr>
+      <p:grpSpPr>
+        <a:xfrm>
+          <a:off x="0" y="0"/>
+          <a:ext cx="0" cy="0"/>
+          <a:chOff x="0" y="0"/>
+          <a:chExt cx="0" cy="0"/>
+        </a:xfrm>
+      </p:grpSpPr>
+      <p:sp>
+        <p:nvSpPr>
           <p:cNvPr id="8" name="Title 7"/>
           <p:cNvSpPr>
             <a:spLocks noGrp="1"/>
@@ -36008,7 +37306,7 @@
 </p:sld>
 </file>
 
-<file path=ppt/slides/slide12.xml><?xml version="1.0" encoding="utf-8"?>
+<file path=ppt/slides/slide13.xml><?xml version="1.0" encoding="utf-8"?>
 <p:sld xmlns:a="http://schemas.openxmlformats.org/drawingml/2006/main" xmlns:r="http://schemas.openxmlformats.org/officeDocument/2006/relationships" xmlns:p="http://schemas.openxmlformats.org/presentationml/2006/main">
   <p:cSld>
     <p:spTree>
@@ -36124,7 +37422,7 @@
 </p:sld>
 </file>
 
-<file path=ppt/slides/slide13.xml><?xml version="1.0" encoding="utf-8"?>
+<file path=ppt/slides/slide14.xml><?xml version="1.0" encoding="utf-8"?>
 <p:sld xmlns:a="http://schemas.openxmlformats.org/drawingml/2006/main" xmlns:r="http://schemas.openxmlformats.org/officeDocument/2006/relationships" xmlns:p="http://schemas.openxmlformats.org/presentationml/2006/main">
   <p:cSld>
     <p:spTree>
@@ -36159,7 +37457,7 @@
             <a:fld id="{EF892D59-8F09-EF4B-AD6D-DA609442F868}" type="slidenum">
               <a:rPr lang="en-GB" smtClean="0"/>
               <a:pPr/>
-              <a:t>13</a:t>
+              <a:t>14</a:t>
             </a:fld>
             <a:endParaRPr lang="en-GB" dirty="0"/>
           </a:p>
@@ -36202,7 +37500,7 @@
           <p:nvPr>
             <p:extLst>
               <p:ext uri="{D42A27DB-BD31-4B8C-83A1-F6EECF244321}">
-                <p14:modId xmlns:p14="http://schemas.microsoft.com/office/powerpoint/2010/main" val="3205266292"/>
+                <p14:modId xmlns:p14="http://schemas.microsoft.com/office/powerpoint/2010/main" val="3316916992"/>
               </p:ext>
             </p:extLst>
           </p:nvPr>
@@ -41189,6 +42487,23 @@
 </file>
 
 <file path=customXml/item1.xml><?xml version="1.0" encoding="utf-8"?>
+<p:properties xmlns:p="http://schemas.microsoft.com/office/2006/metadata/properties" xmlns:xsi="http://www.w3.org/2001/XMLSchema-instance" xmlns:pc="http://schemas.microsoft.com/office/infopath/2007/PartnerControls">
+  <documentManagement>
+    <SequenceNumber xmlns="2884942A-A8DA-48EB-B9BF-C678FA91402D">12</SequenceNumber>
+    <IsBuildFile xmlns="2884942A-A8DA-48EB-B9BF-C678FA91402D" xsi:nil="true"/>
+    <BookTypeField0 xmlns="2884942A-A8DA-48EB-B9BF-C678FA91402D">
+      <Terms xmlns="http://schemas.microsoft.com/office/infopath/2007/PartnerControls">
+        <TermInfo xmlns="http://schemas.microsoft.com/office/infopath/2007/PartnerControls">
+          <TermName xmlns="http://schemas.microsoft.com/office/infopath/2007/PartnerControls">IK</TermName>
+          <TermId xmlns="http://schemas.microsoft.com/office/infopath/2007/PartnerControls">5abe6401-e87a-4499-80b4-3d21a1a6ebd7</TermId>
+        </TermInfo>
+      </Terms>
+    </BookTypeField0>
+  </documentManagement>
+</p:properties>
+</file>
+
+<file path=customXml/item2.xml><?xml version="1.0" encoding="utf-8"?>
 <ct:contentTypeSchema xmlns:ct="http://schemas.microsoft.com/office/2006/metadata/contentType" xmlns:ma="http://schemas.microsoft.com/office/2006/metadata/properties/metaAttributes" ct:_="" ma:_="" ma:contentTypeName="Courseware" ma:contentTypeID="0x010100F0967B7CEE8D417F966757887D9466FB00E4A5C4D776B8DF4A95CEF5B5508203AD" ma:contentTypeVersion="0" ma:contentTypeDescription="Base content type which represents courseware documents" ma:contentTypeScope="" ma:versionID="66b44653433bbae61a25ce2c540db361">
   <xsd:schema xmlns:xsd="http://www.w3.org/2001/XMLSchema" xmlns:xs="http://www.w3.org/2001/XMLSchema" xmlns:p="http://schemas.microsoft.com/office/2006/metadata/properties" xmlns:ns2="2884942A-A8DA-48EB-B9BF-C678FA91402D" targetNamespace="http://schemas.microsoft.com/office/2006/metadata/properties" ma:root="true" ma:fieldsID="886d2ed21f0c44fc9d4ba9d91a5ccdf3" ns2:_="">
     <xsd:import namespace="2884942A-A8DA-48EB-B9BF-C678FA91402D"/>
@@ -41328,23 +42643,6 @@
 </ct:contentTypeSchema>
 </file>
 
-<file path=customXml/item2.xml><?xml version="1.0" encoding="utf-8"?>
-<p:properties xmlns:p="http://schemas.microsoft.com/office/2006/metadata/properties" xmlns:xsi="http://www.w3.org/2001/XMLSchema-instance" xmlns:pc="http://schemas.microsoft.com/office/infopath/2007/PartnerControls">
-  <documentManagement>
-    <SequenceNumber xmlns="2884942A-A8DA-48EB-B9BF-C678FA91402D">12</SequenceNumber>
-    <IsBuildFile xmlns="2884942A-A8DA-48EB-B9BF-C678FA91402D" xsi:nil="true"/>
-    <BookTypeField0 xmlns="2884942A-A8DA-48EB-B9BF-C678FA91402D">
-      <Terms xmlns="http://schemas.microsoft.com/office/infopath/2007/PartnerControls">
-        <TermInfo xmlns="http://schemas.microsoft.com/office/infopath/2007/PartnerControls">
-          <TermName xmlns="http://schemas.microsoft.com/office/infopath/2007/PartnerControls">IK</TermName>
-          <TermId xmlns="http://schemas.microsoft.com/office/infopath/2007/PartnerControls">5abe6401-e87a-4499-80b4-3d21a1a6ebd7</TermId>
-        </TermInfo>
-      </Terms>
-    </BookTypeField0>
-  </documentManagement>
-</p:properties>
-</file>
-
 <file path=customXml/item3.xml><?xml version="1.0" encoding="utf-8"?>
 <?mso-contentType ?>
 <FormTemplates xmlns="http://schemas.microsoft.com/sharepoint/v3/contenttype/forms">
@@ -41355,6 +42653,22 @@
 </file>
 
 <file path=customXml/itemProps1.xml><?xml version="1.0" encoding="utf-8"?>
+<ds:datastoreItem xmlns:ds="http://schemas.openxmlformats.org/officeDocument/2006/customXml" ds:itemID="{5D30649F-1D28-4DBD-BCE8-9F22BAEC2CBB}">
+  <ds:schemaRefs>
+    <ds:schemaRef ds:uri="http://www.w3.org/XML/1998/namespace"/>
+    <ds:schemaRef ds:uri="2884942A-A8DA-48EB-B9BF-C678FA91402D"/>
+    <ds:schemaRef ds:uri="http://schemas.microsoft.com/office/infopath/2007/PartnerControls"/>
+    <ds:schemaRef ds:uri="http://purl.org/dc/terms/"/>
+    <ds:schemaRef ds:uri="http://purl.org/dc/elements/1.1/"/>
+    <ds:schemaRef ds:uri="http://schemas.microsoft.com/office/2006/metadata/properties"/>
+    <ds:schemaRef ds:uri="http://purl.org/dc/dcmitype/"/>
+    <ds:schemaRef ds:uri="http://schemas.microsoft.com/office/2006/documentManagement/types"/>
+    <ds:schemaRef ds:uri="http://schemas.openxmlformats.org/package/2006/metadata/core-properties"/>
+  </ds:schemaRefs>
+</ds:datastoreItem>
+</file>
+
+<file path=customXml/itemProps2.xml><?xml version="1.0" encoding="utf-8"?>
 <ds:datastoreItem xmlns:ds="http://schemas.openxmlformats.org/officeDocument/2006/customXml" ds:itemID="{48E80423-8E58-4E70-BEBF-B1EE158E4A4A}">
   <ds:schemaRefs>
     <ds:schemaRef ds:uri="http://schemas.microsoft.com/office/2006/metadata/contentType"/>
@@ -41372,22 +42686,6 @@
 </ds:datastoreItem>
 </file>
 
-<file path=customXml/itemProps2.xml><?xml version="1.0" encoding="utf-8"?>
-<ds:datastoreItem xmlns:ds="http://schemas.openxmlformats.org/officeDocument/2006/customXml" ds:itemID="{5D30649F-1D28-4DBD-BCE8-9F22BAEC2CBB}">
-  <ds:schemaRefs>
-    <ds:schemaRef ds:uri="http://www.w3.org/XML/1998/namespace"/>
-    <ds:schemaRef ds:uri="2884942A-A8DA-48EB-B9BF-C678FA91402D"/>
-    <ds:schemaRef ds:uri="http://schemas.microsoft.com/office/infopath/2007/PartnerControls"/>
-    <ds:schemaRef ds:uri="http://purl.org/dc/terms/"/>
-    <ds:schemaRef ds:uri="http://purl.org/dc/elements/1.1/"/>
-    <ds:schemaRef ds:uri="http://schemas.microsoft.com/office/2006/metadata/properties"/>
-    <ds:schemaRef ds:uri="http://purl.org/dc/dcmitype/"/>
-    <ds:schemaRef ds:uri="http://schemas.microsoft.com/office/2006/documentManagement/types"/>
-    <ds:schemaRef ds:uri="http://schemas.openxmlformats.org/package/2006/metadata/core-properties"/>
-  </ds:schemaRefs>
-</ds:datastoreItem>
-</file>
-
 <file path=customXml/itemProps3.xml><?xml version="1.0" encoding="utf-8"?>
 <ds:datastoreItem xmlns:ds="http://schemas.openxmlformats.org/officeDocument/2006/customXml" ds:itemID="{184A4CF0-96E4-48BA-A684-79930F565D8E}">
   <ds:schemaRefs>

--- a/12-Accessing databases.pptx
+++ b/12-Accessing databases.pptx
@@ -4572,7 +4572,7 @@
         <p:spPr/>
         <p:txBody>
           <a:bodyPr>
-            <a:normAutofit/>
+            <a:normAutofit lnSpcReduction="10000"/>
           </a:bodyPr>
           <a:lstStyle/>
           <a:p>
@@ -4712,6 +4712,130 @@
               <a:rPr lang="en-GB" b="0" baseline="0" dirty="0"/>
               <a:t> the code in a staging server and eventually on the client site. At each deployment stage you will have to search and replace every connection string. If you do, you will have to compile and test your code again! </a:t>
             </a:r>
+          </a:p>
+          <a:p>
+            <a:endParaRPr lang="en-GB" b="0" baseline="0" dirty="0"/>
+          </a:p>
+          <a:p>
+            <a:r>
+              <a:rPr lang="en-GB" sz="1200" dirty="0">
+                <a:solidFill>
+                  <a:srgbClr val="800000"/>
+                </a:solidFill>
+                <a:highlight>
+                  <a:srgbClr val="FFFFFF"/>
+                </a:highlight>
+                <a:latin typeface="Times New Roman" panose="02020603050405020304" pitchFamily="18" charset="0"/>
+                <a:cs typeface="Times New Roman" panose="02020603050405020304" pitchFamily="18" charset="0"/>
+              </a:rPr>
+              <a:t>What does </a:t>
+            </a:r>
+            <a:r>
+              <a:rPr lang="en-GB" sz="1200" b="1" dirty="0" err="1">
+                <a:solidFill>
+                  <a:srgbClr val="800000"/>
+                </a:solidFill>
+                <a:highlight>
+                  <a:srgbClr val="FFFFFF"/>
+                </a:highlight>
+                <a:latin typeface="Times New Roman" panose="02020603050405020304" pitchFamily="18" charset="0"/>
+                <a:cs typeface="Times New Roman" panose="02020603050405020304" pitchFamily="18" charset="0"/>
+              </a:rPr>
+              <a:t>TrustServerCertificate</a:t>
+            </a:r>
+            <a:r>
+              <a:rPr lang="en-GB" sz="1200" b="1" dirty="0">
+                <a:solidFill>
+                  <a:srgbClr val="800000"/>
+                </a:solidFill>
+                <a:highlight>
+                  <a:srgbClr val="FFFFFF"/>
+                </a:highlight>
+                <a:latin typeface="Times New Roman" panose="02020603050405020304" pitchFamily="18" charset="0"/>
+                <a:cs typeface="Times New Roman" panose="02020603050405020304" pitchFamily="18" charset="0"/>
+              </a:rPr>
+              <a:t>=True </a:t>
+            </a:r>
+            <a:r>
+              <a:rPr lang="en-GB" sz="1200" dirty="0">
+                <a:solidFill>
+                  <a:srgbClr val="800000"/>
+                </a:solidFill>
+                <a:highlight>
+                  <a:srgbClr val="FFFFFF"/>
+                </a:highlight>
+                <a:latin typeface="Times New Roman" panose="02020603050405020304" pitchFamily="18" charset="0"/>
+                <a:cs typeface="Times New Roman" panose="02020603050405020304" pitchFamily="18" charset="0"/>
+              </a:rPr>
+              <a:t>means?</a:t>
+            </a:r>
+            <a:endParaRPr lang="en-GB" b="1" dirty="0"/>
+          </a:p>
+          <a:p>
+            <a:r>
+              <a:rPr lang="en-GB" b="1" dirty="0"/>
+              <a:t>SQL Server Express</a:t>
+            </a:r>
+            <a:r>
+              <a:rPr lang="en-GB" dirty="0"/>
+              <a:t> is configured to require </a:t>
+            </a:r>
+            <a:r>
+              <a:rPr lang="en-GB" b="1" dirty="0"/>
+              <a:t>encrypted connections</a:t>
+            </a:r>
+            <a:r>
+              <a:rPr lang="en-GB" dirty="0"/>
+              <a:t> by default (TLS).</a:t>
+            </a:r>
+          </a:p>
+          <a:p>
+            <a:r>
+              <a:rPr lang="en-GB" dirty="0" err="1"/>
+              <a:t>SqlClient</a:t>
+            </a:r>
+            <a:r>
+              <a:rPr lang="en-GB" dirty="0"/>
+              <a:t> now </a:t>
+            </a:r>
+            <a:r>
+              <a:rPr lang="en-GB" b="1" dirty="0"/>
+              <a:t>enforces encryption by default</a:t>
+            </a:r>
+            <a:r>
+              <a:rPr lang="en-GB" dirty="0"/>
+              <a:t> in newer .NET versions (.NET 6/7+).</a:t>
+            </a:r>
+          </a:p>
+          <a:p>
+            <a:r>
+              <a:rPr lang="en-GB" dirty="0"/>
+              <a:t>If you miss this option, SQL Server has a </a:t>
+            </a:r>
+            <a:r>
+              <a:rPr lang="en-GB" b="1" dirty="0"/>
+              <a:t>self-signed certificate</a:t>
+            </a:r>
+            <a:r>
+              <a:rPr lang="en-GB" dirty="0"/>
+              <a:t> (or no proper CA), so .NET refuses to trust it, and the login fails.</a:t>
+            </a:r>
+          </a:p>
+          <a:p>
+            <a:r>
+              <a:rPr lang="en-GB" dirty="0"/>
+              <a:t>Previously, older .NET versions </a:t>
+            </a:r>
+            <a:r>
+              <a:rPr lang="en-GB" b="1" dirty="0"/>
+              <a:t>did not enforce encryption by default</a:t>
+            </a:r>
+            <a:r>
+              <a:rPr lang="en-GB" dirty="0"/>
+              <a:t>, so code worked without issues.</a:t>
+            </a:r>
+          </a:p>
+          <a:p>
             <a:endParaRPr lang="en-GB" dirty="0"/>
           </a:p>
         </p:txBody>
@@ -35550,7 +35674,7 @@
         <p:spPr>
           <a:xfrm>
             <a:off x="339971" y="1368986"/>
-            <a:ext cx="11517818" cy="4524315"/>
+            <a:ext cx="11517818" cy="4955203"/>
           </a:xfrm>
           <a:prstGeom prst="rect">
             <a:avLst/>
@@ -35623,6 +35747,29 @@
               </a:rPr>
               <a:t> = </a:t>
             </a:r>
+            <a:br>
+              <a:rPr lang="en-GB" sz="1600" b="1" dirty="0">
+                <a:solidFill>
+                  <a:srgbClr val="000000"/>
+                </a:solidFill>
+                <a:highlight>
+                  <a:srgbClr val="FFFFFF"/>
+                </a:highlight>
+                <a:latin typeface="Cascadia Mono" panose="020B0609020000020004" pitchFamily="49" charset="0"/>
+              </a:rPr>
+            </a:br>
+            <a:r>
+              <a:rPr lang="en-GB" sz="1600" b="1" dirty="0">
+                <a:solidFill>
+                  <a:srgbClr val="000000"/>
+                </a:solidFill>
+                <a:highlight>
+                  <a:srgbClr val="FFFFFF"/>
+                </a:highlight>
+                <a:latin typeface="Cascadia Mono" panose="020B0609020000020004" pitchFamily="49" charset="0"/>
+              </a:rPr>
+              <a:t>	     </a:t>
+            </a:r>
             <a:r>
               <a:rPr lang="en-GB" sz="1600" b="1" dirty="0">
                 <a:solidFill>
@@ -35727,14 +35874,14 @@
                 <a:highlight>
                   <a:srgbClr val="FFFFFF"/>
                 </a:highlight>
-                <a:latin typeface="Cascadia Mono" panose="020B0609020000020004" pitchFamily="49" charset="0"/>
+                <a:latin typeface="Consolas"/>
               </a:rPr>
-              <a:t>"</a:t>
-            </a:r>
-            <a:r>
-              <a:rPr lang="en-GB" sz="1600" b="1" dirty="0">
-                <a:solidFill>
-                  <a:srgbClr val="000000"/>
+              <a:t> </a:t>
+            </a:r>
+            <a:r>
+              <a:rPr lang="en-GB" sz="1200" b="1" dirty="0">
+                <a:solidFill>
+                  <a:srgbClr val="800000"/>
                 </a:solidFill>
                 <a:highlight>
                   <a:srgbClr val="FFFFFF"/>
@@ -35742,6 +35889,30 @@
                 <a:latin typeface="Cascadia Mono" panose="020B0609020000020004" pitchFamily="49" charset="0"/>
               </a:rPr>
               <a:t>;</a:t>
+            </a:r>
+            <a:r>
+              <a:rPr lang="en-GB" sz="1200" b="1" dirty="0" err="1">
+                <a:solidFill>
+                  <a:srgbClr val="800000"/>
+                </a:solidFill>
+                <a:highlight>
+                  <a:srgbClr val="FFFFFF"/>
+                </a:highlight>
+                <a:latin typeface="Cascadia Mono" panose="020B0609020000020004" pitchFamily="49" charset="0"/>
+              </a:rPr>
+              <a:t>TrustServerCertificate</a:t>
+            </a:r>
+            <a:r>
+              <a:rPr lang="en-GB" sz="1200" b="1" dirty="0">
+                <a:solidFill>
+                  <a:srgbClr val="800000"/>
+                </a:solidFill>
+                <a:highlight>
+                  <a:srgbClr val="FFFFFF"/>
+                </a:highlight>
+                <a:latin typeface="Cascadia Mono" panose="020B0609020000020004" pitchFamily="49" charset="0"/>
+              </a:rPr>
+              <a:t>=True ";</a:t>
             </a:r>
           </a:p>
           <a:p>
@@ -36605,7 +36776,7 @@
         </p:nvSpPr>
         <p:spPr>
           <a:xfrm>
-            <a:off x="646771" y="6154038"/>
+            <a:off x="646771" y="6217236"/>
             <a:ext cx="10983951" cy="400110"/>
           </a:xfrm>
           <a:prstGeom prst="rect">
@@ -38951,7 +39122,33 @@
                 <a:latin typeface="Times New Roman" panose="02020603050405020304" pitchFamily="18" charset="0"/>
                 <a:cs typeface="Times New Roman" panose="02020603050405020304" pitchFamily="18" charset="0"/>
               </a:rPr>
-              <a:t> Security=True" </a:t>
+              <a:t> Security=</a:t>
+            </a:r>
+            <a:r>
+              <a:rPr lang="en-GB" sz="1600" dirty="0" err="1">
+                <a:solidFill>
+                  <a:srgbClr val="800000"/>
+                </a:solidFill>
+                <a:highlight>
+                  <a:srgbClr val="FFFFFF"/>
+                </a:highlight>
+                <a:latin typeface="Times New Roman" panose="02020603050405020304" pitchFamily="18" charset="0"/>
+                <a:cs typeface="Times New Roman" panose="02020603050405020304" pitchFamily="18" charset="0"/>
+              </a:rPr>
+              <a:t>True;TrustServerCertificate</a:t>
+            </a:r>
+            <a:r>
+              <a:rPr lang="en-GB" sz="1600" dirty="0">
+                <a:solidFill>
+                  <a:srgbClr val="800000"/>
+                </a:solidFill>
+                <a:highlight>
+                  <a:srgbClr val="FFFFFF"/>
+                </a:highlight>
+                <a:latin typeface="Times New Roman" panose="02020603050405020304" pitchFamily="18" charset="0"/>
+                <a:cs typeface="Times New Roman" panose="02020603050405020304" pitchFamily="18" charset="0"/>
+              </a:rPr>
+              <a:t>=True" </a:t>
             </a:r>
             <a:r>
               <a:rPr lang="en-GB" sz="1600" dirty="0">
@@ -39766,7 +39963,7 @@
         <p:spPr>
           <a:xfrm>
             <a:off x="565572" y="2380166"/>
-            <a:ext cx="10875573" cy="3785652"/>
+            <a:ext cx="11340683" cy="3785652"/>
           </a:xfrm>
           <a:prstGeom prst="rect">
             <a:avLst/>
@@ -39981,10 +40178,19 @@
                 </a:solidFill>
                 <a:latin typeface="Consolas"/>
               </a:rPr>
-              <a:t>@"Data Source=.\</a:t>
-            </a:r>
-            <a:r>
-              <a:rPr lang="en-GB" sz="1600" b="1" dirty="0" err="1">
+              <a:t>@"</a:t>
+            </a:r>
+            <a:r>
+              <a:rPr lang="en-GB" sz="1400" b="1" dirty="0">
+                <a:solidFill>
+                  <a:srgbClr val="800000"/>
+                </a:solidFill>
+                <a:latin typeface="Consolas"/>
+              </a:rPr>
+              <a:t>Data Source=.\</a:t>
+            </a:r>
+            <a:r>
+              <a:rPr lang="en-GB" sz="1400" b="1" dirty="0" err="1">
                 <a:solidFill>
                   <a:srgbClr val="800000"/>
                 </a:solidFill>
@@ -39993,7 +40199,7 @@
               <a:t>sqlexpress;Initial</a:t>
             </a:r>
             <a:r>
-              <a:rPr lang="en-GB" sz="1600" b="1" dirty="0">
+              <a:rPr lang="en-GB" sz="1400" b="1" dirty="0">
                 <a:solidFill>
                   <a:srgbClr val="800000"/>
                 </a:solidFill>
@@ -40002,7 +40208,7 @@
               <a:t> </a:t>
             </a:r>
             <a:r>
-              <a:rPr lang="en-GB" sz="1600" b="1" dirty="0" err="1">
+              <a:rPr lang="en-GB" sz="1400" b="1" dirty="0" err="1">
                 <a:solidFill>
                   <a:srgbClr val="800000"/>
                 </a:solidFill>
@@ -40011,7 +40217,7 @@
               <a:t>Catalog</a:t>
             </a:r>
             <a:r>
-              <a:rPr lang="en-GB" sz="1600" b="1" dirty="0">
+              <a:rPr lang="en-GB" sz="1400" b="1" dirty="0">
                 <a:solidFill>
                   <a:srgbClr val="800000"/>
                 </a:solidFill>
@@ -40020,7 +40226,7 @@
               <a:t>=</a:t>
             </a:r>
             <a:r>
-              <a:rPr lang="en-GB" sz="1600" b="1" dirty="0" err="1">
+              <a:rPr lang="en-GB" sz="1400" b="1" dirty="0" err="1">
                 <a:solidFill>
                   <a:srgbClr val="800000"/>
                 </a:solidFill>
@@ -40029,13 +40235,51 @@
               <a:t>Northwind;Integrated</a:t>
             </a:r>
             <a:r>
-              <a:rPr lang="en-GB" sz="1600" b="1" dirty="0">
+              <a:rPr lang="en-GB" sz="1400" b="1" dirty="0">
                 <a:solidFill>
                   <a:srgbClr val="800000"/>
                 </a:solidFill>
                 <a:latin typeface="Consolas"/>
               </a:rPr>
-              <a:t> Security=True"</a:t>
+              <a:t> Security=</a:t>
+            </a:r>
+            <a:r>
+              <a:rPr lang="en-GB" sz="1400" b="1" dirty="0" err="1">
+                <a:solidFill>
+                  <a:srgbClr val="800000"/>
+                </a:solidFill>
+                <a:latin typeface="Consolas"/>
+              </a:rPr>
+              <a:t>True;</a:t>
+            </a:r>
+            <a:r>
+              <a:rPr lang="en-GB" sz="1400" b="1" dirty="0" err="1">
+                <a:solidFill>
+                  <a:srgbClr val="800000"/>
+                </a:solidFill>
+                <a:latin typeface="Times New Roman" panose="02020603050405020304" pitchFamily="18" charset="0"/>
+                <a:cs typeface="Times New Roman" panose="02020603050405020304" pitchFamily="18" charset="0"/>
+              </a:rPr>
+              <a:t>TrustServerCertificate</a:t>
+            </a:r>
+            <a:r>
+              <a:rPr lang="en-GB" sz="1400" b="1" dirty="0">
+                <a:solidFill>
+                  <a:srgbClr val="800000"/>
+                </a:solidFill>
+                <a:latin typeface="Times New Roman" panose="02020603050405020304" pitchFamily="18" charset="0"/>
+                <a:cs typeface="Times New Roman" panose="02020603050405020304" pitchFamily="18" charset="0"/>
+              </a:rPr>
+              <a:t>=True</a:t>
+            </a:r>
+            <a:r>
+              <a:rPr lang="en-GB" sz="1600" b="1" dirty="0">
+                <a:solidFill>
+                  <a:srgbClr val="800000"/>
+                </a:solidFill>
+                <a:latin typeface="Consolas"/>
+              </a:rPr>
+              <a:t>"</a:t>
             </a:r>
             <a:r>
               <a:rPr lang="en-GB" sz="1600" b="1" dirty="0">
@@ -42487,20 +42731,12 @@
 </file>
 
 <file path=customXml/item1.xml><?xml version="1.0" encoding="utf-8"?>
-<p:properties xmlns:p="http://schemas.microsoft.com/office/2006/metadata/properties" xmlns:xsi="http://www.w3.org/2001/XMLSchema-instance" xmlns:pc="http://schemas.microsoft.com/office/infopath/2007/PartnerControls">
-  <documentManagement>
-    <SequenceNumber xmlns="2884942A-A8DA-48EB-B9BF-C678FA91402D">12</SequenceNumber>
-    <IsBuildFile xmlns="2884942A-A8DA-48EB-B9BF-C678FA91402D" xsi:nil="true"/>
-    <BookTypeField0 xmlns="2884942A-A8DA-48EB-B9BF-C678FA91402D">
-      <Terms xmlns="http://schemas.microsoft.com/office/infopath/2007/PartnerControls">
-        <TermInfo xmlns="http://schemas.microsoft.com/office/infopath/2007/PartnerControls">
-          <TermName xmlns="http://schemas.microsoft.com/office/infopath/2007/PartnerControls">IK</TermName>
-          <TermId xmlns="http://schemas.microsoft.com/office/infopath/2007/PartnerControls">5abe6401-e87a-4499-80b4-3d21a1a6ebd7</TermId>
-        </TermInfo>
-      </Terms>
-    </BookTypeField0>
-  </documentManagement>
-</p:properties>
+<?mso-contentType ?>
+<FormTemplates xmlns="http://schemas.microsoft.com/sharepoint/v3/contenttype/forms">
+  <Display>DocumentLibraryForm</Display>
+  <Edit>DocumentLibraryForm</Edit>
+  <New>DocumentLibraryForm</New>
+</FormTemplates>
 </file>
 
 <file path=customXml/item2.xml><?xml version="1.0" encoding="utf-8"?>
@@ -42644,26 +42880,26 @@
 </file>
 
 <file path=customXml/item3.xml><?xml version="1.0" encoding="utf-8"?>
-<?mso-contentType ?>
-<FormTemplates xmlns="http://schemas.microsoft.com/sharepoint/v3/contenttype/forms">
-  <Display>DocumentLibraryForm</Display>
-  <Edit>DocumentLibraryForm</Edit>
-  <New>DocumentLibraryForm</New>
-</FormTemplates>
+<p:properties xmlns:p="http://schemas.microsoft.com/office/2006/metadata/properties" xmlns:xsi="http://www.w3.org/2001/XMLSchema-instance" xmlns:pc="http://schemas.microsoft.com/office/infopath/2007/PartnerControls">
+  <documentManagement>
+    <SequenceNumber xmlns="2884942A-A8DA-48EB-B9BF-C678FA91402D">12</SequenceNumber>
+    <IsBuildFile xmlns="2884942A-A8DA-48EB-B9BF-C678FA91402D" xsi:nil="true"/>
+    <BookTypeField0 xmlns="2884942A-A8DA-48EB-B9BF-C678FA91402D">
+      <Terms xmlns="http://schemas.microsoft.com/office/infopath/2007/PartnerControls">
+        <TermInfo xmlns="http://schemas.microsoft.com/office/infopath/2007/PartnerControls">
+          <TermName xmlns="http://schemas.microsoft.com/office/infopath/2007/PartnerControls">IK</TermName>
+          <TermId xmlns="http://schemas.microsoft.com/office/infopath/2007/PartnerControls">5abe6401-e87a-4499-80b4-3d21a1a6ebd7</TermId>
+        </TermInfo>
+      </Terms>
+    </BookTypeField0>
+  </documentManagement>
+</p:properties>
 </file>
 
 <file path=customXml/itemProps1.xml><?xml version="1.0" encoding="utf-8"?>
-<ds:datastoreItem xmlns:ds="http://schemas.openxmlformats.org/officeDocument/2006/customXml" ds:itemID="{5D30649F-1D28-4DBD-BCE8-9F22BAEC2CBB}">
+<ds:datastoreItem xmlns:ds="http://schemas.openxmlformats.org/officeDocument/2006/customXml" ds:itemID="{184A4CF0-96E4-48BA-A684-79930F565D8E}">
   <ds:schemaRefs>
-    <ds:schemaRef ds:uri="http://www.w3.org/XML/1998/namespace"/>
-    <ds:schemaRef ds:uri="2884942A-A8DA-48EB-B9BF-C678FA91402D"/>
-    <ds:schemaRef ds:uri="http://schemas.microsoft.com/office/infopath/2007/PartnerControls"/>
-    <ds:schemaRef ds:uri="http://purl.org/dc/terms/"/>
-    <ds:schemaRef ds:uri="http://purl.org/dc/elements/1.1/"/>
-    <ds:schemaRef ds:uri="http://schemas.microsoft.com/office/2006/metadata/properties"/>
-    <ds:schemaRef ds:uri="http://purl.org/dc/dcmitype/"/>
-    <ds:schemaRef ds:uri="http://schemas.microsoft.com/office/2006/documentManagement/types"/>
-    <ds:schemaRef ds:uri="http://schemas.openxmlformats.org/package/2006/metadata/core-properties"/>
+    <ds:schemaRef ds:uri="http://schemas.microsoft.com/sharepoint/v3/contenttype/forms"/>
   </ds:schemaRefs>
 </ds:datastoreItem>
 </file>
@@ -42687,9 +42923,17 @@
 </file>
 
 <file path=customXml/itemProps3.xml><?xml version="1.0" encoding="utf-8"?>
-<ds:datastoreItem xmlns:ds="http://schemas.openxmlformats.org/officeDocument/2006/customXml" ds:itemID="{184A4CF0-96E4-48BA-A684-79930F565D8E}">
+<ds:datastoreItem xmlns:ds="http://schemas.openxmlformats.org/officeDocument/2006/customXml" ds:itemID="{5D30649F-1D28-4DBD-BCE8-9F22BAEC2CBB}">
   <ds:schemaRefs>
-    <ds:schemaRef ds:uri="http://schemas.microsoft.com/sharepoint/v3/contenttype/forms"/>
+    <ds:schemaRef ds:uri="http://www.w3.org/XML/1998/namespace"/>
+    <ds:schemaRef ds:uri="2884942A-A8DA-48EB-B9BF-C678FA91402D"/>
+    <ds:schemaRef ds:uri="http://schemas.microsoft.com/office/infopath/2007/PartnerControls"/>
+    <ds:schemaRef ds:uri="http://purl.org/dc/terms/"/>
+    <ds:schemaRef ds:uri="http://purl.org/dc/elements/1.1/"/>
+    <ds:schemaRef ds:uri="http://schemas.microsoft.com/office/2006/metadata/properties"/>
+    <ds:schemaRef ds:uri="http://purl.org/dc/dcmitype/"/>
+    <ds:schemaRef ds:uri="http://schemas.microsoft.com/office/2006/documentManagement/types"/>
+    <ds:schemaRef ds:uri="http://schemas.openxmlformats.org/package/2006/metadata/core-properties"/>
   </ds:schemaRefs>
 </ds:datastoreItem>
 </file>